--- a/workshop of python/An Introduction to Python.pptx
+++ b/workshop of python/An Introduction to Python.pptx
@@ -6,37 +6,39 @@
   </p:sldMasterIdLst>
   <p:sldIdLst>
     <p:sldId id="256" r:id="rId2"/>
-    <p:sldId id="258" r:id="rId3"/>
-    <p:sldId id="266" r:id="rId4"/>
-    <p:sldId id="268" r:id="rId5"/>
-    <p:sldId id="267" r:id="rId6"/>
-    <p:sldId id="259" r:id="rId7"/>
-    <p:sldId id="269" r:id="rId8"/>
-    <p:sldId id="270" r:id="rId9"/>
-    <p:sldId id="260" r:id="rId10"/>
-    <p:sldId id="271" r:id="rId11"/>
-    <p:sldId id="272" r:id="rId12"/>
-    <p:sldId id="273" r:id="rId13"/>
-    <p:sldId id="261" r:id="rId14"/>
-    <p:sldId id="274" r:id="rId15"/>
-    <p:sldId id="277" r:id="rId16"/>
-    <p:sldId id="275" r:id="rId17"/>
-    <p:sldId id="262" r:id="rId18"/>
-    <p:sldId id="278" r:id="rId19"/>
-    <p:sldId id="279" r:id="rId20"/>
-    <p:sldId id="263" r:id="rId21"/>
-    <p:sldId id="280" r:id="rId22"/>
-    <p:sldId id="281" r:id="rId23"/>
-    <p:sldId id="282" r:id="rId24"/>
-    <p:sldId id="283" r:id="rId25"/>
-    <p:sldId id="264" r:id="rId26"/>
-    <p:sldId id="286" r:id="rId27"/>
-    <p:sldId id="287" r:id="rId28"/>
-    <p:sldId id="288" r:id="rId29"/>
-    <p:sldId id="289" r:id="rId30"/>
-    <p:sldId id="290" r:id="rId31"/>
-    <p:sldId id="265" r:id="rId32"/>
-    <p:sldId id="284" r:id="rId33"/>
+    <p:sldId id="291" r:id="rId3"/>
+    <p:sldId id="292" r:id="rId4"/>
+    <p:sldId id="258" r:id="rId5"/>
+    <p:sldId id="266" r:id="rId6"/>
+    <p:sldId id="268" r:id="rId7"/>
+    <p:sldId id="267" r:id="rId8"/>
+    <p:sldId id="259" r:id="rId9"/>
+    <p:sldId id="269" r:id="rId10"/>
+    <p:sldId id="270" r:id="rId11"/>
+    <p:sldId id="260" r:id="rId12"/>
+    <p:sldId id="271" r:id="rId13"/>
+    <p:sldId id="272" r:id="rId14"/>
+    <p:sldId id="273" r:id="rId15"/>
+    <p:sldId id="261" r:id="rId16"/>
+    <p:sldId id="274" r:id="rId17"/>
+    <p:sldId id="277" r:id="rId18"/>
+    <p:sldId id="275" r:id="rId19"/>
+    <p:sldId id="262" r:id="rId20"/>
+    <p:sldId id="278" r:id="rId21"/>
+    <p:sldId id="279" r:id="rId22"/>
+    <p:sldId id="263" r:id="rId23"/>
+    <p:sldId id="280" r:id="rId24"/>
+    <p:sldId id="281" r:id="rId25"/>
+    <p:sldId id="282" r:id="rId26"/>
+    <p:sldId id="283" r:id="rId27"/>
+    <p:sldId id="264" r:id="rId28"/>
+    <p:sldId id="286" r:id="rId29"/>
+    <p:sldId id="287" r:id="rId30"/>
+    <p:sldId id="288" r:id="rId31"/>
+    <p:sldId id="289" r:id="rId32"/>
+    <p:sldId id="290" r:id="rId33"/>
+    <p:sldId id="265" r:id="rId34"/>
+    <p:sldId id="284" r:id="rId35"/>
   </p:sldIdLst>
   <p:sldSz cx="9144000" cy="6858000" type="screen4x3"/>
   <p:notesSz cx="6858000" cy="9144000"/>
@@ -319,7 +321,7 @@
           <a:p>
             <a:fld id="{15D01AE0-DB49-437C-956B-7BEBA896CCB2}" type="datetimeFigureOut">
               <a:rPr lang="zh-CN" altLang="en-US" smtClean="0"/>
-              <a:t>2012-2-20</a:t>
+              <a:t>2012/3/5</a:t>
             </a:fld>
             <a:endParaRPr lang="zh-CN" altLang="en-US"/>
           </a:p>
@@ -489,7 +491,7 @@
           <a:p>
             <a:fld id="{15D01AE0-DB49-437C-956B-7BEBA896CCB2}" type="datetimeFigureOut">
               <a:rPr lang="zh-CN" altLang="en-US" smtClean="0"/>
-              <a:t>2012-2-20</a:t>
+              <a:t>2012/3/5</a:t>
             </a:fld>
             <a:endParaRPr lang="zh-CN" altLang="en-US"/>
           </a:p>
@@ -669,7 +671,7 @@
           <a:p>
             <a:fld id="{15D01AE0-DB49-437C-956B-7BEBA896CCB2}" type="datetimeFigureOut">
               <a:rPr lang="zh-CN" altLang="en-US" smtClean="0"/>
-              <a:t>2012-2-20</a:t>
+              <a:t>2012/3/5</a:t>
             </a:fld>
             <a:endParaRPr lang="zh-CN" altLang="en-US"/>
           </a:p>
@@ -839,7 +841,7 @@
           <a:p>
             <a:fld id="{15D01AE0-DB49-437C-956B-7BEBA896CCB2}" type="datetimeFigureOut">
               <a:rPr lang="zh-CN" altLang="en-US" smtClean="0"/>
-              <a:t>2012-2-20</a:t>
+              <a:t>2012/3/5</a:t>
             </a:fld>
             <a:endParaRPr lang="zh-CN" altLang="en-US"/>
           </a:p>
@@ -1085,7 +1087,7 @@
           <a:p>
             <a:fld id="{15D01AE0-DB49-437C-956B-7BEBA896CCB2}" type="datetimeFigureOut">
               <a:rPr lang="zh-CN" altLang="en-US" smtClean="0"/>
-              <a:t>2012-2-20</a:t>
+              <a:t>2012/3/5</a:t>
             </a:fld>
             <a:endParaRPr lang="zh-CN" altLang="en-US"/>
           </a:p>
@@ -1373,7 +1375,7 @@
           <a:p>
             <a:fld id="{15D01AE0-DB49-437C-956B-7BEBA896CCB2}" type="datetimeFigureOut">
               <a:rPr lang="zh-CN" altLang="en-US" smtClean="0"/>
-              <a:t>2012-2-20</a:t>
+              <a:t>2012/3/5</a:t>
             </a:fld>
             <a:endParaRPr lang="zh-CN" altLang="en-US"/>
           </a:p>
@@ -1795,7 +1797,7 @@
           <a:p>
             <a:fld id="{15D01AE0-DB49-437C-956B-7BEBA896CCB2}" type="datetimeFigureOut">
               <a:rPr lang="zh-CN" altLang="en-US" smtClean="0"/>
-              <a:t>2012-2-20</a:t>
+              <a:t>2012/3/5</a:t>
             </a:fld>
             <a:endParaRPr lang="zh-CN" altLang="en-US"/>
           </a:p>
@@ -1913,7 +1915,7 @@
           <a:p>
             <a:fld id="{15D01AE0-DB49-437C-956B-7BEBA896CCB2}" type="datetimeFigureOut">
               <a:rPr lang="zh-CN" altLang="en-US" smtClean="0"/>
-              <a:t>2012-2-20</a:t>
+              <a:t>2012/3/5</a:t>
             </a:fld>
             <a:endParaRPr lang="zh-CN" altLang="en-US"/>
           </a:p>
@@ -2008,7 +2010,7 @@
           <a:p>
             <a:fld id="{15D01AE0-DB49-437C-956B-7BEBA896CCB2}" type="datetimeFigureOut">
               <a:rPr lang="zh-CN" altLang="en-US" smtClean="0"/>
-              <a:t>2012-2-20</a:t>
+              <a:t>2012/3/5</a:t>
             </a:fld>
             <a:endParaRPr lang="zh-CN" altLang="en-US"/>
           </a:p>
@@ -2285,7 +2287,7 @@
           <a:p>
             <a:fld id="{15D01AE0-DB49-437C-956B-7BEBA896CCB2}" type="datetimeFigureOut">
               <a:rPr lang="zh-CN" altLang="en-US" smtClean="0"/>
-              <a:t>2012-2-20</a:t>
+              <a:t>2012/3/5</a:t>
             </a:fld>
             <a:endParaRPr lang="zh-CN" altLang="en-US"/>
           </a:p>
@@ -2538,7 +2540,7 @@
           <a:p>
             <a:fld id="{15D01AE0-DB49-437C-956B-7BEBA896CCB2}" type="datetimeFigureOut">
               <a:rPr lang="zh-CN" altLang="en-US" smtClean="0"/>
-              <a:t>2012-2-20</a:t>
+              <a:t>2012/3/5</a:t>
             </a:fld>
             <a:endParaRPr lang="zh-CN" altLang="en-US"/>
           </a:p>
@@ -2751,7 +2753,7 @@
           <a:p>
             <a:fld id="{15D01AE0-DB49-437C-956B-7BEBA896CCB2}" type="datetimeFigureOut">
               <a:rPr lang="zh-CN" altLang="en-US" smtClean="0"/>
-              <a:t>2012-2-20</a:t>
+              <a:t>2012/3/5</a:t>
             </a:fld>
             <a:endParaRPr lang="zh-CN" altLang="en-US"/>
           </a:p>
@@ -3221,12 +3223,12 @@
           <a:lstStyle/>
           <a:p>
             <a:r>
-              <a:rPr lang="zh-CN" altLang="en-US" dirty="0" smtClean="0"/>
+              <a:rPr lang="zh-CN" altLang="en-US" dirty="0"/>
               <a:t>小结</a:t>
             </a:r>
             <a:r>
               <a:rPr lang="en-US" altLang="zh-CN" dirty="0" smtClean="0"/>
-              <a:t>(1)</a:t>
+              <a:t>(2)</a:t>
             </a:r>
             <a:endParaRPr lang="zh-CN" altLang="en-US" dirty="0"/>
           </a:p>
@@ -3251,157 +3253,144 @@
           <a:p>
             <a:r>
               <a:rPr lang="zh-CN" altLang="en-US" dirty="0"/>
-              <a:t>去除</a:t>
-            </a:r>
-            <a:r>
-              <a:rPr lang="en-US" altLang="zh-CN" dirty="0"/>
-              <a:t>line</a:t>
+              <a:t>以</a:t>
+            </a:r>
+            <a:r>
+              <a:rPr lang="zh-CN" altLang="en-US" dirty="0" smtClean="0"/>
+              <a:t>字节流的方式，按行读入给定文件</a:t>
+            </a:r>
+            <a:r>
+              <a:rPr lang="en-US" altLang="zh-CN" dirty="0" smtClean="0"/>
+              <a:t>(</a:t>
+            </a:r>
+            <a:r>
+              <a:rPr lang="en-US" altLang="zh-CN" dirty="0" err="1" smtClean="0"/>
+              <a:t>inf</a:t>
+            </a:r>
+            <a:r>
+              <a:rPr lang="en-US" altLang="zh-CN" dirty="0" smtClean="0"/>
+              <a:t>)</a:t>
+            </a:r>
+          </a:p>
+          <a:p>
+            <a:r>
+              <a:rPr lang="en-US" altLang="zh-CN" dirty="0" smtClean="0"/>
+              <a:t>for </a:t>
+            </a:r>
+            <a:r>
+              <a:rPr lang="en-US" altLang="zh-CN" dirty="0"/>
+              <a:t>line in open(</a:t>
+            </a:r>
+            <a:r>
+              <a:rPr lang="en-US" altLang="zh-CN" dirty="0" err="1"/>
+              <a:t>inf</a:t>
+            </a:r>
+            <a:r>
+              <a:rPr lang="en-US" altLang="zh-CN" dirty="0" smtClean="0"/>
+              <a:t>):</a:t>
+            </a:r>
+          </a:p>
+          <a:p>
+            <a:pPr marL="457200" lvl="1" indent="0">
+              <a:buNone/>
+            </a:pPr>
+            <a:r>
+              <a:rPr lang="en-US" altLang="zh-CN" dirty="0"/>
+              <a:t>	</a:t>
+            </a:r>
+            <a:r>
+              <a:rPr lang="en-US" altLang="zh-CN" dirty="0" smtClean="0"/>
+              <a:t>pass</a:t>
+            </a:r>
+            <a:endParaRPr lang="en-US" altLang="zh-CN" dirty="0"/>
+          </a:p>
+          <a:p>
+            <a:r>
+              <a:rPr lang="en-US" altLang="zh-CN" dirty="0"/>
+              <a:t>for </a:t>
             </a:r>
             <a:r>
               <a:rPr lang="zh-CN" altLang="en-US" dirty="0"/>
-              <a:t>两端多余的空符号</a:t>
-            </a:r>
-            <a:r>
-              <a:rPr lang="en-US" altLang="zh-CN" dirty="0"/>
-              <a:t>(</a:t>
+              <a:t>循环</a:t>
+            </a:r>
+            <a:r>
+              <a:rPr lang="en-US" altLang="zh-CN" dirty="0"/>
+              <a:t> </a:t>
+            </a:r>
+            <a:endParaRPr lang="en-US" altLang="zh-CN" dirty="0" smtClean="0"/>
+          </a:p>
+          <a:p>
+            <a:r>
+              <a:rPr lang="en-US" altLang="zh-CN" dirty="0"/>
+              <a:t>for arg1 in range:	</a:t>
+            </a:r>
+          </a:p>
+          <a:p>
+            <a:pPr marL="457200" lvl="1" indent="0">
+              <a:buNone/>
+            </a:pPr>
+            <a:r>
+              <a:rPr lang="en-US" altLang="zh-CN" dirty="0"/>
+              <a:t>	</a:t>
+            </a:r>
+            <a:r>
+              <a:rPr lang="en-US" altLang="zh-CN" dirty="0" smtClean="0"/>
+              <a:t>pass</a:t>
+            </a:r>
+          </a:p>
+          <a:p>
+            <a:r>
+              <a:rPr lang="en-US" altLang="zh-CN" dirty="0" err="1" smtClean="0"/>
+              <a:t>eg</a:t>
+            </a:r>
+            <a:r>
+              <a:rPr lang="en-US" altLang="zh-CN" dirty="0" smtClean="0"/>
+              <a:t>: </a:t>
+            </a:r>
+          </a:p>
+          <a:p>
+            <a:r>
+              <a:rPr lang="en-US" altLang="zh-CN" dirty="0" smtClean="0"/>
+              <a:t>for </a:t>
+            </a:r>
+            <a:r>
+              <a:rPr lang="en-US" altLang="zh-CN" dirty="0"/>
+              <a:t>id in range(0,12</a:t>
+            </a:r>
+            <a:r>
+              <a:rPr lang="en-US" altLang="zh-CN" dirty="0" smtClean="0"/>
+              <a:t>): #</a:t>
+            </a:r>
+            <a:r>
+              <a:rPr lang="zh-CN" altLang="en-US" dirty="0" smtClean="0"/>
+              <a:t>打印从</a:t>
+            </a:r>
+            <a:r>
+              <a:rPr lang="en-US" altLang="zh-CN" dirty="0"/>
+              <a:t>[0,12)</a:t>
             </a:r>
             <a:r>
               <a:rPr lang="zh-CN" altLang="en-US" dirty="0"/>
-              <a:t>包括</a:t>
-            </a:r>
-            <a:r>
-              <a:rPr lang="en-US" altLang="zh-CN" dirty="0"/>
-              <a:t>tab/space/</a:t>
-            </a:r>
-            <a:r>
-              <a:rPr lang="zh-CN" altLang="en-US" dirty="0"/>
-              <a:t>换行等</a:t>
-            </a:r>
-            <a:r>
-              <a:rPr lang="en-US" altLang="zh-CN" dirty="0" smtClean="0"/>
-              <a:t>)(</a:t>
-            </a:r>
-            <a:r>
-              <a:rPr lang="zh-CN" altLang="en-US" dirty="0" smtClean="0"/>
-              <a:t>以下用</a:t>
-            </a:r>
-            <a:r>
-              <a:rPr lang="en-US" altLang="zh-CN" dirty="0" smtClean="0"/>
-              <a:t>_</a:t>
-            </a:r>
-            <a:r>
-              <a:rPr lang="zh-CN" altLang="en-US" dirty="0" smtClean="0"/>
-              <a:t>代替空格</a:t>
-            </a:r>
-            <a:r>
-              <a:rPr lang="en-US" altLang="zh-CN" dirty="0" smtClean="0"/>
-              <a:t>)</a:t>
-            </a:r>
-            <a:endParaRPr lang="en-US" altLang="zh-CN" dirty="0"/>
-          </a:p>
-          <a:p>
-            <a:r>
-              <a:rPr lang="en-US" altLang="zh-CN" dirty="0" smtClean="0"/>
-              <a:t>line=</a:t>
-            </a:r>
-            <a:r>
-              <a:rPr lang="en-US" altLang="zh-CN" dirty="0" err="1" smtClean="0"/>
-              <a:t>line.strip</a:t>
-            </a:r>
-            <a:r>
-              <a:rPr lang="en-US" altLang="zh-CN" dirty="0" smtClean="0"/>
-              <a:t>() </a:t>
-            </a:r>
-            <a:r>
-              <a:rPr lang="zh-CN" altLang="en-US" dirty="0" smtClean="0"/>
-              <a:t>如</a:t>
-            </a:r>
-            <a:r>
-              <a:rPr lang="en-US" altLang="zh-CN" dirty="0" smtClean="0"/>
-              <a:t>__apple__</a:t>
-            </a:r>
-            <a:r>
-              <a:rPr lang="zh-CN" altLang="en-US" dirty="0" smtClean="0"/>
-              <a:t>结果为</a:t>
-            </a:r>
-            <a:r>
-              <a:rPr lang="en-US" altLang="zh-CN" dirty="0" smtClean="0"/>
-              <a:t>apple</a:t>
+              <a:t>的整数</a:t>
             </a:r>
             <a:r>
               <a:rPr lang="en-US" altLang="zh-CN" dirty="0"/>
               <a:t> </a:t>
             </a:r>
-            <a:endParaRPr lang="en-US" altLang="zh-CN" dirty="0" smtClean="0"/>
-          </a:p>
-          <a:p>
-            <a:r>
-              <a:rPr lang="zh-CN" altLang="en-US" dirty="0"/>
-              <a:t>把</a:t>
-            </a:r>
-            <a:r>
-              <a:rPr lang="en-US" altLang="zh-CN" dirty="0"/>
-              <a:t>line</a:t>
-            </a:r>
-            <a:r>
-              <a:rPr lang="zh-CN" altLang="en-US" dirty="0"/>
-              <a:t>按它们之间的空格切割开，现成</a:t>
-            </a:r>
-            <a:r>
-              <a:rPr lang="zh-CN" altLang="en-US" dirty="0" smtClean="0"/>
-              <a:t>数组</a:t>
-            </a:r>
-            <a:endParaRPr lang="en-US" altLang="zh-CN" dirty="0" smtClean="0"/>
-          </a:p>
-          <a:p>
-            <a:r>
-              <a:rPr lang="en-US" altLang="zh-CN" dirty="0" smtClean="0"/>
-              <a:t>info=</a:t>
-            </a:r>
-            <a:r>
-              <a:rPr lang="en-US" altLang="zh-CN" dirty="0" err="1" smtClean="0"/>
-              <a:t>line.split</a:t>
-            </a:r>
-            <a:r>
-              <a:rPr lang="en-US" altLang="zh-CN" dirty="0" smtClean="0"/>
-              <a:t>() </a:t>
-            </a:r>
-            <a:r>
-              <a:rPr lang="zh-CN" altLang="en-US" dirty="0" smtClean="0"/>
-              <a:t>如</a:t>
-            </a:r>
-            <a:r>
-              <a:rPr lang="en-US" altLang="zh-CN" dirty="0" err="1" smtClean="0"/>
-              <a:t>apple__computer</a:t>
-            </a:r>
-            <a:r>
-              <a:rPr lang="en-US" altLang="zh-CN" dirty="0" smtClean="0"/>
-              <a:t>_</a:t>
-            </a:r>
-          </a:p>
-          <a:p>
-            <a:r>
-              <a:rPr lang="en-US" altLang="zh-CN" dirty="0" smtClean="0"/>
-              <a:t>info[0]#apple</a:t>
-            </a:r>
-          </a:p>
-          <a:p>
-            <a:r>
-              <a:rPr lang="en-US" altLang="zh-CN" dirty="0" smtClean="0"/>
-              <a:t>info[1]#null</a:t>
-            </a:r>
-          </a:p>
-          <a:p>
-            <a:r>
-              <a:rPr lang="en-US" altLang="zh-CN" dirty="0" smtClean="0"/>
-              <a:t>info[2]#computer</a:t>
-            </a:r>
-          </a:p>
-          <a:p>
-            <a:r>
-              <a:rPr lang="en-US" altLang="zh-CN" dirty="0" smtClean="0"/>
-              <a:t>info[4]#null</a:t>
-            </a:r>
+          </a:p>
+          <a:p>
+            <a:pPr marL="457200" lvl="1" indent="0">
+              <a:buNone/>
+            </a:pPr>
+            <a:r>
+              <a:rPr lang="en-US" altLang="zh-CN" dirty="0" smtClean="0"/>
+              <a:t>	print id</a:t>
+            </a:r>
+          </a:p>
+          <a:p>
+            <a:pPr marL="457200" lvl="1" indent="0">
+              <a:buNone/>
+            </a:pPr>
             <a:endParaRPr lang="en-US" altLang="zh-CN" dirty="0"/>
           </a:p>
         </p:txBody>
@@ -3409,7 +3398,7 @@
     </p:spTree>
     <p:extLst>
       <p:ext uri="{BB962C8B-B14F-4D97-AF65-F5344CB8AC3E}">
-        <p14:creationId xmlns:p14="http://schemas.microsoft.com/office/powerpoint/2010/main" val="3820029847"/>
+        <p14:creationId xmlns:p14="http://schemas.microsoft.com/office/powerpoint/2010/main" val="1138098926"/>
       </p:ext>
     </p:extLst>
   </p:cSld>
@@ -3459,12 +3448,12 @@
           <a:lstStyle/>
           <a:p>
             <a:r>
-              <a:rPr lang="zh-CN" altLang="en-US" dirty="0" smtClean="0"/>
-              <a:t>小结</a:t>
-            </a:r>
-            <a:r>
-              <a:rPr lang="en-US" altLang="zh-CN" dirty="0" smtClean="0"/>
-              <a:t>(2)</a:t>
+              <a:rPr lang="en-US" altLang="zh-CN" dirty="0"/>
+              <a:t>Example </a:t>
+            </a:r>
+            <a:r>
+              <a:rPr lang="en-US" altLang="zh-CN" dirty="0" smtClean="0"/>
+              <a:t>03</a:t>
             </a:r>
             <a:endParaRPr lang="zh-CN" altLang="en-US" dirty="0"/>
           </a:p>
@@ -3482,172 +3471,36 @@
         </p:nvSpPr>
         <p:spPr/>
         <p:txBody>
-          <a:bodyPr>
-            <a:normAutofit fontScale="92500" lnSpcReduction="10000"/>
-          </a:bodyPr>
-          <a:lstStyle/>
-          <a:p>
-            <a:r>
-              <a:rPr lang="zh-CN" altLang="en-US" dirty="0" smtClean="0"/>
-              <a:t>判断</a:t>
-            </a:r>
-            <a:r>
-              <a:rPr lang="en-US" altLang="zh-CN" dirty="0" smtClean="0"/>
-              <a:t>content</a:t>
-            </a:r>
-            <a:r>
-              <a:rPr lang="zh-CN" altLang="en-US" dirty="0" smtClean="0"/>
-              <a:t>是否</a:t>
-            </a:r>
+          <a:bodyPr/>
+          <a:lstStyle/>
+          <a:p>
             <a:r>
               <a:rPr lang="zh-CN" altLang="en-US" dirty="0"/>
-              <a:t>为</a:t>
-            </a:r>
-            <a:r>
-              <a:rPr lang="en-US" altLang="zh-CN" dirty="0"/>
-              <a:t>string</a:t>
-            </a:r>
-            <a:r>
-              <a:rPr lang="zh-CN" altLang="en-US" dirty="0" smtClean="0"/>
-              <a:t>类型</a:t>
-            </a:r>
-            <a:r>
-              <a:rPr lang="en-US" altLang="zh-CN" dirty="0" smtClean="0"/>
-              <a:t>.</a:t>
-            </a:r>
-          </a:p>
-          <a:p>
-            <a:r>
-              <a:rPr lang="en-US" altLang="zh-CN" dirty="0"/>
-              <a:t>if </a:t>
-            </a:r>
-            <a:r>
-              <a:rPr lang="en-US" altLang="zh-CN" dirty="0" err="1"/>
-              <a:t>isinstance</a:t>
+              <a:t>统计一个文件非空行的字符</a:t>
             </a:r>
             <a:r>
               <a:rPr lang="en-US" altLang="zh-CN" dirty="0"/>
               <a:t>(</a:t>
             </a:r>
             <a:r>
-              <a:rPr lang="en-US" altLang="zh-CN" dirty="0" err="1"/>
-              <a:t>content,str</a:t>
-            </a:r>
-            <a:r>
-              <a:rPr lang="en-US" altLang="zh-CN" dirty="0"/>
-              <a:t>):</a:t>
-            </a:r>
-          </a:p>
-          <a:p>
-            <a:pPr marL="457200" lvl="1" indent="0">
-              <a:buNone/>
-            </a:pPr>
-            <a:r>
-              <a:rPr lang="en-US" altLang="zh-CN" dirty="0"/>
-              <a:t>	</a:t>
-            </a:r>
-            <a:r>
-              <a:rPr lang="en-US" altLang="zh-CN" dirty="0" smtClean="0"/>
-              <a:t>pass</a:t>
-            </a:r>
-          </a:p>
-          <a:p>
-            <a:r>
-              <a:rPr lang="en-US" altLang="zh-CN" dirty="0"/>
-              <a:t>python</a:t>
-            </a:r>
-            <a:r>
               <a:rPr lang="zh-CN" altLang="en-US" dirty="0"/>
-              <a:t>处理多字节语言的过程</a:t>
-            </a:r>
-            <a:endParaRPr lang="en-US" altLang="zh-CN" dirty="0"/>
-          </a:p>
-          <a:p>
-            <a:r>
-              <a:rPr lang="en-US" altLang="zh-CN" dirty="0" smtClean="0"/>
-              <a:t>string-&gt;*decode()-&gt;</a:t>
-            </a:r>
-            <a:r>
-              <a:rPr lang="en-US" altLang="zh-CN" dirty="0" err="1" smtClean="0"/>
-              <a:t>unicode</a:t>
-            </a:r>
-            <a:r>
-              <a:rPr lang="en-US" altLang="zh-CN" dirty="0" smtClean="0"/>
-              <a:t>-&gt;process()-&gt;encode()-&gt;string</a:t>
-            </a:r>
-          </a:p>
-          <a:p>
-            <a:r>
-              <a:rPr lang="en-US" altLang="zh-CN" dirty="0" smtClean="0"/>
-              <a:t>Python</a:t>
-            </a:r>
-            <a:r>
-              <a:rPr lang="zh-CN" altLang="en-US" dirty="0" smtClean="0"/>
-              <a:t>显示多</a:t>
+              <a:t>包括中文</a:t>
+            </a:r>
+            <a:r>
+              <a:rPr lang="en-US" altLang="zh-CN" dirty="0"/>
+              <a:t>)</a:t>
             </a:r>
             <a:r>
               <a:rPr lang="zh-CN" altLang="en-US" dirty="0"/>
-              <a:t>字节</a:t>
-            </a:r>
-            <a:r>
-              <a:rPr lang="zh-CN" altLang="en-US" dirty="0" smtClean="0"/>
-              <a:t>语言到终端的过程</a:t>
-            </a:r>
-            <a:endParaRPr lang="en-US" altLang="zh-CN" dirty="0" smtClean="0"/>
-          </a:p>
-          <a:p>
-            <a:r>
-              <a:rPr lang="en-US" altLang="zh-CN" dirty="0" smtClean="0"/>
-              <a:t>string-&gt;*decode</a:t>
-            </a:r>
-            <a:r>
-              <a:rPr lang="en-US" altLang="zh-CN" dirty="0"/>
-              <a:t>()-&gt;</a:t>
-            </a:r>
-            <a:r>
-              <a:rPr lang="en-US" altLang="zh-CN" dirty="0" err="1"/>
-              <a:t>unicode</a:t>
-            </a:r>
-            <a:r>
-              <a:rPr lang="en-US" altLang="zh-CN" dirty="0"/>
-              <a:t>-&gt;process</a:t>
-            </a:r>
-            <a:r>
-              <a:rPr lang="en-US" altLang="zh-CN" dirty="0" smtClean="0"/>
-              <a:t>()-&gt;*encode</a:t>
-            </a:r>
-            <a:r>
-              <a:rPr lang="en-US" altLang="zh-CN" dirty="0"/>
-              <a:t>()-&gt;</a:t>
-            </a:r>
-            <a:r>
-              <a:rPr lang="en-US" altLang="zh-CN" dirty="0" smtClean="0"/>
-              <a:t>string-&gt;</a:t>
-            </a:r>
-            <a:r>
-              <a:rPr lang="en-US" altLang="zh-CN" dirty="0" err="1" smtClean="0"/>
-              <a:t>stdout</a:t>
-            </a:r>
-            <a:endParaRPr lang="en-US" altLang="zh-CN" dirty="0" smtClean="0"/>
-          </a:p>
-          <a:p>
-            <a:pPr marL="457200" lvl="1" indent="0">
-              <a:buNone/>
-            </a:pPr>
-            <a:endParaRPr lang="en-US" altLang="zh-CN" dirty="0" smtClean="0"/>
-          </a:p>
-          <a:p>
-            <a:pPr marL="457200" lvl="1" indent="0">
-              <a:buNone/>
-            </a:pPr>
-            <a:endParaRPr lang="en-US" altLang="zh-CN" dirty="0"/>
+              <a:t>数。</a:t>
+            </a:r>
           </a:p>
         </p:txBody>
       </p:sp>
     </p:spTree>
     <p:extLst>
       <p:ext uri="{BB962C8B-B14F-4D97-AF65-F5344CB8AC3E}">
-        <p14:creationId xmlns:p14="http://schemas.microsoft.com/office/powerpoint/2010/main" val="181092399"/>
+        <p14:creationId xmlns:p14="http://schemas.microsoft.com/office/powerpoint/2010/main" val="1972975326"/>
       </p:ext>
     </p:extLst>
   </p:cSld>
@@ -3697,264 +3550,195 @@
           <a:lstStyle/>
           <a:p>
             <a:r>
+              <a:rPr lang="zh-CN" altLang="en-US" dirty="0" smtClean="0"/>
+              <a:t>小结</a:t>
+            </a:r>
+            <a:r>
+              <a:rPr lang="en-US" altLang="zh-CN" dirty="0" smtClean="0"/>
+              <a:t>(1)</a:t>
+            </a:r>
+            <a:endParaRPr lang="zh-CN" altLang="en-US" dirty="0"/>
+          </a:p>
+        </p:txBody>
+      </p:sp>
+      <p:sp>
+        <p:nvSpPr>
+          <p:cNvPr id="3" name="内容占位符 2"/>
+          <p:cNvSpPr>
+            <a:spLocks noGrp="1"/>
+          </p:cNvSpPr>
+          <p:nvPr>
+            <p:ph idx="1"/>
+          </p:nvPr>
+        </p:nvSpPr>
+        <p:spPr/>
+        <p:txBody>
+          <a:bodyPr>
+            <a:normAutofit fontScale="92500" lnSpcReduction="10000"/>
+          </a:bodyPr>
+          <a:lstStyle/>
+          <a:p>
+            <a:r>
               <a:rPr lang="zh-CN" altLang="en-US" dirty="0"/>
-              <a:t>小结</a:t>
-            </a:r>
-            <a:r>
-              <a:rPr lang="en-US" altLang="zh-CN" dirty="0" smtClean="0"/>
-              <a:t>(3)</a:t>
-            </a:r>
-            <a:endParaRPr lang="zh-CN" altLang="en-US" dirty="0"/>
-          </a:p>
-        </p:txBody>
-      </p:sp>
-      <p:sp>
-        <p:nvSpPr>
-          <p:cNvPr id="3" name="内容占位符 2"/>
-          <p:cNvSpPr>
-            <a:spLocks noGrp="1"/>
-          </p:cNvSpPr>
-          <p:nvPr>
-            <p:ph idx="1"/>
-          </p:nvPr>
-        </p:nvSpPr>
-        <p:spPr/>
-        <p:txBody>
-          <a:bodyPr>
-            <a:normAutofit fontScale="85000" lnSpcReduction="20000"/>
-          </a:bodyPr>
-          <a:lstStyle/>
-          <a:p>
-            <a:r>
-              <a:rPr lang="zh-CN" altLang="en-US" dirty="0" smtClean="0"/>
-              <a:t>中文乱码问题</a:t>
+              <a:t>去除</a:t>
+            </a:r>
+            <a:r>
+              <a:rPr lang="en-US" altLang="zh-CN" dirty="0"/>
+              <a:t>line</a:t>
+            </a:r>
+            <a:r>
+              <a:rPr lang="zh-CN" altLang="en-US" dirty="0"/>
+              <a:t>两端多余的空符号</a:t>
+            </a:r>
+            <a:r>
+              <a:rPr lang="en-US" altLang="zh-CN" dirty="0"/>
+              <a:t>(</a:t>
+            </a:r>
+            <a:r>
+              <a:rPr lang="zh-CN" altLang="en-US" dirty="0"/>
+              <a:t>包括</a:t>
+            </a:r>
+            <a:r>
+              <a:rPr lang="en-US" altLang="zh-CN" dirty="0"/>
+              <a:t>tab/space/</a:t>
+            </a:r>
+            <a:r>
+              <a:rPr lang="zh-CN" altLang="en-US" dirty="0"/>
+              <a:t>换行等</a:t>
+            </a:r>
+            <a:r>
+              <a:rPr lang="en-US" altLang="zh-CN" dirty="0" smtClean="0"/>
+              <a:t>)(</a:t>
+            </a:r>
+            <a:r>
+              <a:rPr lang="zh-CN" altLang="en-US" dirty="0" smtClean="0"/>
+              <a:t>以下用</a:t>
+            </a:r>
+            <a:r>
+              <a:rPr lang="en-US" altLang="zh-CN" dirty="0" smtClean="0"/>
+              <a:t>_</a:t>
+            </a:r>
+            <a:r>
+              <a:rPr lang="zh-CN" altLang="en-US" dirty="0" smtClean="0"/>
+              <a:t>代替空格</a:t>
+            </a:r>
+            <a:r>
+              <a:rPr lang="en-US" altLang="zh-CN" dirty="0" smtClean="0"/>
+              <a:t>)</a:t>
+            </a:r>
+            <a:endParaRPr lang="en-US" altLang="zh-CN" dirty="0"/>
+          </a:p>
+          <a:p>
+            <a:r>
+              <a:rPr lang="en-US" altLang="zh-CN" dirty="0" smtClean="0"/>
+              <a:t>line=</a:t>
+            </a:r>
+            <a:r>
+              <a:rPr lang="en-US" altLang="zh-CN" dirty="0" err="1" smtClean="0"/>
+              <a:t>line.strip</a:t>
+            </a:r>
+            <a:r>
+              <a:rPr lang="en-US" altLang="zh-CN" dirty="0" smtClean="0"/>
+              <a:t>() </a:t>
+            </a:r>
+            <a:r>
+              <a:rPr lang="zh-CN" altLang="en-US" dirty="0" smtClean="0"/>
+              <a:t>如</a:t>
+            </a:r>
+            <a:r>
+              <a:rPr lang="en-US" altLang="zh-CN" dirty="0" smtClean="0"/>
+              <a:t>__apple__</a:t>
+            </a:r>
+            <a:r>
+              <a:rPr lang="zh-CN" altLang="en-US" dirty="0" smtClean="0"/>
+              <a:t>结果为</a:t>
+            </a:r>
+            <a:r>
+              <a:rPr lang="en-US" altLang="zh-CN" dirty="0" smtClean="0"/>
+              <a:t>apple</a:t>
+            </a:r>
+            <a:r>
+              <a:rPr lang="en-US" altLang="zh-CN" dirty="0"/>
+              <a:t> </a:t>
             </a:r>
             <a:endParaRPr lang="en-US" altLang="zh-CN" dirty="0" smtClean="0"/>
           </a:p>
           <a:p>
             <a:r>
-              <a:rPr lang="zh-CN" altLang="en-US" dirty="0" smtClean="0"/>
-              <a:t>读入</a:t>
-            </a:r>
-            <a:r>
-              <a:rPr lang="en-US" altLang="zh-CN" dirty="0" smtClean="0"/>
-              <a:t>string</a:t>
-            </a:r>
-            <a:r>
-              <a:rPr lang="zh-CN" altLang="en-US" dirty="0" smtClean="0"/>
-              <a:t>时，采用错误</a:t>
-            </a:r>
-            <a:r>
               <a:rPr lang="zh-CN" altLang="en-US" dirty="0"/>
-              <a:t>字符</a:t>
-            </a:r>
-            <a:r>
-              <a:rPr lang="zh-CN" altLang="en-US" dirty="0" smtClean="0"/>
-              <a:t>集来解码</a:t>
-            </a:r>
-            <a:r>
-              <a:rPr lang="en-US" altLang="zh-CN" dirty="0" smtClean="0"/>
-              <a:t>(decode),</a:t>
-            </a:r>
-            <a:r>
-              <a:rPr lang="zh-CN" altLang="en-US" dirty="0" smtClean="0"/>
-              <a:t>一般情况下</a:t>
-            </a:r>
-            <a:r>
-              <a:rPr lang="en-US" altLang="zh-CN" dirty="0" smtClean="0"/>
-              <a:t>python</a:t>
-            </a:r>
-            <a:r>
-              <a:rPr lang="zh-CN" altLang="en-US" dirty="0" smtClean="0"/>
-              <a:t>会抛出异常</a:t>
+              <a:t>把</a:t>
+            </a:r>
+            <a:r>
+              <a:rPr lang="en-US" altLang="zh-CN" dirty="0"/>
+              <a:t>line</a:t>
+            </a:r>
+            <a:r>
+              <a:rPr lang="zh-CN" altLang="en-US" dirty="0"/>
+              <a:t>按它们之间的空格切割开，现成</a:t>
+            </a:r>
+            <a:r>
+              <a:rPr lang="zh-CN" altLang="en-US" dirty="0" smtClean="0"/>
+              <a:t>数组</a:t>
             </a:r>
             <a:endParaRPr lang="en-US" altLang="zh-CN" dirty="0" smtClean="0"/>
           </a:p>
           <a:p>
             <a:r>
-              <a:rPr lang="zh-CN" altLang="en-US" dirty="0" smtClean="0"/>
-              <a:t>如果按</a:t>
-            </a:r>
-            <a:r>
-              <a:rPr lang="en-US" altLang="zh-CN" dirty="0" smtClean="0"/>
-              <a:t>string</a:t>
-            </a:r>
-            <a:r>
-              <a:rPr lang="zh-CN" altLang="en-US" dirty="0" smtClean="0"/>
-              <a:t>方法来处理多字节文字</a:t>
-            </a:r>
-            <a:r>
-              <a:rPr lang="en-US" altLang="zh-CN" dirty="0" smtClean="0"/>
-              <a:t>,</a:t>
+              <a:rPr lang="en-US" altLang="zh-CN" dirty="0" smtClean="0"/>
+              <a:t>info=</a:t>
+            </a:r>
+            <a:r>
+              <a:rPr lang="en-US" altLang="zh-CN" dirty="0" err="1" smtClean="0"/>
+              <a:t>line.split</a:t>
+            </a:r>
+            <a:r>
+              <a:rPr lang="en-US" altLang="zh-CN" dirty="0" smtClean="0"/>
+              <a:t>() </a:t>
+            </a:r>
+            <a:r>
+              <a:rPr lang="zh-CN" altLang="en-US" dirty="0" smtClean="0"/>
+              <a:t>如</a:t>
+            </a:r>
+            <a:r>
+              <a:rPr lang="en-US" altLang="zh-CN" dirty="0" err="1" smtClean="0"/>
+              <a:t>apple__computer</a:t>
+            </a:r>
+            <a:r>
+              <a:rPr lang="en-US" altLang="zh-CN" dirty="0" smtClean="0"/>
+              <a:t>_</a:t>
+            </a:r>
+          </a:p>
+          <a:p>
+            <a:r>
+              <a:rPr lang="en-US" altLang="zh-CN" dirty="0" smtClean="0"/>
+              <a:t>info[0]#apple</a:t>
+            </a:r>
+          </a:p>
+          <a:p>
+            <a:r>
+              <a:rPr lang="en-US" altLang="zh-CN" dirty="0" smtClean="0"/>
+              <a:t>info[1]#null</a:t>
+            </a:r>
+          </a:p>
+          <a:p>
+            <a:r>
+              <a:rPr lang="en-US" altLang="zh-CN" dirty="0" smtClean="0"/>
+              <a:t>info[2]#computer</a:t>
+            </a:r>
+          </a:p>
+          <a:p>
+            <a:r>
+              <a:rPr lang="en-US" altLang="zh-CN" dirty="0" smtClean="0"/>
+              <a:t>info[4]#null</a:t>
             </a:r>
             <a:endParaRPr lang="en-US" altLang="zh-CN" dirty="0"/>
-          </a:p>
-          <a:p>
-            <a:r>
-              <a:rPr lang="en-US" altLang="zh-CN" dirty="0" err="1" smtClean="0"/>
-              <a:t>stringChar</a:t>
-            </a:r>
-            <a:r>
-              <a:rPr lang="en-US" altLang="zh-CN" dirty="0" smtClean="0"/>
-              <a:t>=‘</a:t>
-            </a:r>
-            <a:r>
-              <a:rPr lang="zh-CN" altLang="en-US" dirty="0" smtClean="0"/>
-              <a:t>你</a:t>
-            </a:r>
-            <a:r>
-              <a:rPr lang="en-US" altLang="zh-CN" dirty="0" smtClean="0"/>
-              <a:t>’ #</a:t>
-            </a:r>
-            <a:r>
-              <a:rPr lang="en-US" altLang="zh-CN" dirty="0" err="1" smtClean="0"/>
-              <a:t>stringChar</a:t>
-            </a:r>
-            <a:r>
-              <a:rPr lang="en-US" altLang="zh-CN" dirty="0" smtClean="0"/>
-              <a:t>[0]</a:t>
-            </a:r>
-            <a:r>
-              <a:rPr lang="zh-CN" altLang="en-US" dirty="0" smtClean="0"/>
-              <a:t>为一个字节的字符</a:t>
-            </a:r>
-            <a:endParaRPr lang="en-US" altLang="zh-CN" dirty="0" smtClean="0"/>
-          </a:p>
-          <a:p>
-            <a:r>
-              <a:rPr lang="en-US" altLang="zh-CN" dirty="0" err="1"/>
-              <a:t>unicode</a:t>
-            </a:r>
-            <a:r>
-              <a:rPr lang="en-US" altLang="zh-CN" dirty="0" err="1" smtClean="0"/>
-              <a:t>Char</a:t>
-            </a:r>
-            <a:r>
-              <a:rPr lang="en-US" altLang="zh-CN" dirty="0" smtClean="0"/>
-              <a:t>=u‘</a:t>
-            </a:r>
-            <a:r>
-              <a:rPr lang="zh-CN" altLang="en-US" dirty="0"/>
-              <a:t>你</a:t>
-            </a:r>
-            <a:r>
-              <a:rPr lang="en-US" altLang="zh-CN" dirty="0"/>
-              <a:t>’ </a:t>
-            </a:r>
-            <a:r>
-              <a:rPr lang="en-US" altLang="zh-CN" dirty="0" smtClean="0"/>
-              <a:t>#</a:t>
-            </a:r>
-            <a:r>
-              <a:rPr lang="en-US" altLang="zh-CN" dirty="0" err="1" smtClean="0"/>
-              <a:t>stringChar</a:t>
-            </a:r>
-            <a:r>
-              <a:rPr lang="en-US" altLang="zh-CN" dirty="0" smtClean="0"/>
-              <a:t>[0]</a:t>
-            </a:r>
-            <a:r>
-              <a:rPr lang="zh-CN" altLang="en-US" dirty="0" smtClean="0"/>
-              <a:t>为</a:t>
-            </a:r>
-            <a:r>
-              <a:rPr lang="en-US" altLang="zh-CN" dirty="0" smtClean="0"/>
-              <a:t>’</a:t>
-            </a:r>
-            <a:r>
-              <a:rPr lang="zh-CN" altLang="en-US" dirty="0" smtClean="0"/>
-              <a:t>你</a:t>
-            </a:r>
-            <a:r>
-              <a:rPr lang="en-US" altLang="zh-CN" dirty="0" smtClean="0"/>
-              <a:t>’</a:t>
-            </a:r>
-          </a:p>
-          <a:p>
-            <a:r>
-              <a:rPr lang="zh-CN" altLang="en-US" dirty="0" smtClean="0"/>
-              <a:t>中文显示乱</a:t>
-            </a:r>
-            <a:r>
-              <a:rPr lang="zh-CN" altLang="en-US" dirty="0"/>
-              <a:t>码</a:t>
-            </a:r>
-            <a:r>
-              <a:rPr lang="zh-CN" altLang="en-US" dirty="0" smtClean="0"/>
-              <a:t>问题</a:t>
-            </a:r>
-            <a:endParaRPr lang="en-US" altLang="zh-CN" dirty="0" smtClean="0"/>
-          </a:p>
-          <a:p>
-            <a:r>
-              <a:rPr lang="en-US" altLang="zh-CN" dirty="0" smtClean="0"/>
-              <a:t>1.</a:t>
-            </a:r>
-            <a:r>
-              <a:rPr lang="zh-CN" altLang="en-US" dirty="0" smtClean="0"/>
-              <a:t>同上面一样</a:t>
-            </a:r>
-            <a:endParaRPr lang="en-US" altLang="zh-CN" dirty="0" smtClean="0"/>
-          </a:p>
-          <a:p>
-            <a:r>
-              <a:rPr lang="en-US" altLang="zh-CN" dirty="0" smtClean="0"/>
-              <a:t>2.</a:t>
-            </a:r>
-            <a:r>
-              <a:rPr lang="zh-CN" altLang="en-US" dirty="0" smtClean="0"/>
-              <a:t>在把</a:t>
-            </a:r>
-            <a:r>
-              <a:rPr lang="en-US" altLang="zh-CN" dirty="0" err="1" smtClean="0"/>
-              <a:t>unicode</a:t>
-            </a:r>
-            <a:r>
-              <a:rPr lang="zh-CN" altLang="en-US" dirty="0" smtClean="0"/>
-              <a:t>输出</a:t>
-            </a:r>
-            <a:r>
-              <a:rPr lang="en-US" altLang="zh-CN" dirty="0" smtClean="0"/>
-              <a:t>string</a:t>
-            </a:r>
-            <a:r>
-              <a:rPr lang="zh-CN" altLang="en-US" dirty="0" smtClean="0"/>
-              <a:t>是采用了一个字符集来编码</a:t>
-            </a:r>
-            <a:r>
-              <a:rPr lang="en-US" altLang="zh-CN" dirty="0" smtClean="0"/>
-              <a:t>encode</a:t>
-            </a:r>
-            <a:r>
-              <a:rPr lang="zh-CN" altLang="en-US" dirty="0" smtClean="0"/>
-              <a:t>，但该字符集终端不支持显示</a:t>
-            </a:r>
-            <a:endParaRPr lang="en-US" altLang="zh-CN" dirty="0" smtClean="0"/>
-          </a:p>
-          <a:p>
-            <a:r>
-              <a:rPr lang="zh-CN" altLang="en-US" dirty="0" smtClean="0"/>
-              <a:t>终端输出必须是</a:t>
-            </a:r>
-            <a:r>
-              <a:rPr lang="en-US" altLang="zh-CN" dirty="0" smtClean="0"/>
-              <a:t>string </a:t>
-            </a:r>
-            <a:r>
-              <a:rPr lang="zh-CN" altLang="en-US" dirty="0" smtClean="0"/>
-              <a:t>才行</a:t>
-            </a:r>
-            <a:endParaRPr lang="en-US" altLang="zh-CN" dirty="0"/>
-          </a:p>
-          <a:p>
-            <a:endParaRPr lang="zh-CN" altLang="en-US" dirty="0"/>
           </a:p>
         </p:txBody>
       </p:sp>
     </p:spTree>
     <p:extLst>
       <p:ext uri="{BB962C8B-B14F-4D97-AF65-F5344CB8AC3E}">
-        <p14:creationId xmlns:p14="http://schemas.microsoft.com/office/powerpoint/2010/main" val="4017642145"/>
+        <p14:creationId xmlns:p14="http://schemas.microsoft.com/office/powerpoint/2010/main" val="3820029847"/>
       </p:ext>
     </p:extLst>
   </p:cSld>
@@ -4004,12 +3788,12 @@
           <a:lstStyle/>
           <a:p>
             <a:r>
-              <a:rPr lang="en-US" altLang="zh-CN" dirty="0"/>
-              <a:t>Example </a:t>
-            </a:r>
-            <a:r>
-              <a:rPr lang="en-US" altLang="zh-CN" dirty="0" smtClean="0"/>
-              <a:t>04</a:t>
+              <a:rPr lang="zh-CN" altLang="en-US" dirty="0" smtClean="0"/>
+              <a:t>小结</a:t>
+            </a:r>
+            <a:r>
+              <a:rPr lang="en-US" altLang="zh-CN" dirty="0" smtClean="0"/>
+              <a:t>(2)</a:t>
             </a:r>
             <a:endParaRPr lang="zh-CN" altLang="en-US" dirty="0"/>
           </a:p>
@@ -4027,36 +3811,172 @@
         </p:nvSpPr>
         <p:spPr/>
         <p:txBody>
-          <a:bodyPr/>
-          <a:lstStyle/>
-          <a:p>
+          <a:bodyPr>
+            <a:normAutofit fontScale="92500" lnSpcReduction="10000"/>
+          </a:bodyPr>
+          <a:lstStyle/>
+          <a:p>
+            <a:r>
+              <a:rPr lang="zh-CN" altLang="en-US" dirty="0" smtClean="0"/>
+              <a:t>判断</a:t>
+            </a:r>
+            <a:r>
+              <a:rPr lang="en-US" altLang="zh-CN" dirty="0" smtClean="0"/>
+              <a:t>content</a:t>
+            </a:r>
+            <a:r>
+              <a:rPr lang="zh-CN" altLang="en-US" dirty="0" smtClean="0"/>
+              <a:t>是否</a:t>
+            </a:r>
             <a:r>
               <a:rPr lang="zh-CN" altLang="en-US" dirty="0"/>
-              <a:t>统计一个文件非空行的英文字符</a:t>
-            </a:r>
-            <a:r>
-              <a:rPr lang="zh-CN" altLang="en-US" dirty="0" smtClean="0"/>
-              <a:t>的</a:t>
+              <a:t>为</a:t>
+            </a:r>
+            <a:r>
+              <a:rPr lang="en-US" altLang="zh-CN" dirty="0"/>
+              <a:t>string</a:t>
+            </a:r>
+            <a:r>
+              <a:rPr lang="zh-CN" altLang="en-US" dirty="0" smtClean="0"/>
+              <a:t>类型</a:t>
+            </a:r>
+            <a:r>
+              <a:rPr lang="en-US" altLang="zh-CN" dirty="0" smtClean="0"/>
+              <a:t>.</a:t>
+            </a:r>
+          </a:p>
+          <a:p>
+            <a:r>
+              <a:rPr lang="en-US" altLang="zh-CN" dirty="0"/>
+              <a:t>if </a:t>
+            </a:r>
+            <a:r>
+              <a:rPr lang="en-US" altLang="zh-CN" dirty="0" err="1"/>
+              <a:t>isinstance</a:t>
+            </a:r>
+            <a:r>
+              <a:rPr lang="en-US" altLang="zh-CN" dirty="0"/>
+              <a:t>(</a:t>
+            </a:r>
+            <a:r>
+              <a:rPr lang="en-US" altLang="zh-CN" dirty="0" err="1"/>
+              <a:t>content,str</a:t>
+            </a:r>
+            <a:r>
+              <a:rPr lang="en-US" altLang="zh-CN" dirty="0"/>
+              <a:t>):</a:t>
+            </a:r>
+          </a:p>
+          <a:p>
+            <a:pPr marL="457200" lvl="1" indent="0">
+              <a:buNone/>
+            </a:pPr>
+            <a:r>
+              <a:rPr lang="en-US" altLang="zh-CN" dirty="0"/>
+              <a:t>	</a:t>
+            </a:r>
+            <a:r>
+              <a:rPr lang="en-US" altLang="zh-CN" dirty="0" smtClean="0"/>
+              <a:t>pass</a:t>
+            </a:r>
+          </a:p>
+          <a:p>
+            <a:r>
+              <a:rPr lang="en-US" altLang="zh-CN" dirty="0"/>
+              <a:t>python</a:t>
             </a:r>
             <a:r>
               <a:rPr lang="zh-CN" altLang="en-US" dirty="0"/>
-              <a:t>词频</a:t>
-            </a:r>
-            <a:r>
-              <a:rPr lang="zh-CN" altLang="en-US" dirty="0" smtClean="0"/>
-              <a:t>。</a:t>
-            </a:r>
-            <a:endParaRPr lang="zh-CN" altLang="en-US" dirty="0"/>
-          </a:p>
-          <a:p>
-            <a:endParaRPr lang="zh-CN" altLang="en-US" dirty="0"/>
+              <a:t>处理多字节语言的过程</a:t>
+            </a:r>
+            <a:endParaRPr lang="en-US" altLang="zh-CN" dirty="0"/>
+          </a:p>
+          <a:p>
+            <a:r>
+              <a:rPr lang="en-US" altLang="zh-CN" dirty="0" smtClean="0"/>
+              <a:t>string-&gt;*decode()-&gt;</a:t>
+            </a:r>
+            <a:r>
+              <a:rPr lang="en-US" altLang="zh-CN" dirty="0" err="1" smtClean="0"/>
+              <a:t>unicode</a:t>
+            </a:r>
+            <a:r>
+              <a:rPr lang="en-US" altLang="zh-CN" dirty="0" smtClean="0"/>
+              <a:t>-&gt;process()-&gt;encode()-&gt;string</a:t>
+            </a:r>
+          </a:p>
+          <a:p>
+            <a:r>
+              <a:rPr lang="en-US" altLang="zh-CN" dirty="0" smtClean="0"/>
+              <a:t>Python</a:t>
+            </a:r>
+            <a:r>
+              <a:rPr lang="zh-CN" altLang="en-US" dirty="0" smtClean="0"/>
+              <a:t>显示多</a:t>
+            </a:r>
+            <a:r>
+              <a:rPr lang="zh-CN" altLang="en-US" dirty="0"/>
+              <a:t>字节</a:t>
+            </a:r>
+            <a:r>
+              <a:rPr lang="zh-CN" altLang="en-US" dirty="0" smtClean="0"/>
+              <a:t>语言到终端的过程</a:t>
+            </a:r>
+            <a:endParaRPr lang="en-US" altLang="zh-CN" dirty="0" smtClean="0"/>
+          </a:p>
+          <a:p>
+            <a:r>
+              <a:rPr lang="en-US" altLang="zh-CN" dirty="0" smtClean="0"/>
+              <a:t>string-&gt;*decode</a:t>
+            </a:r>
+            <a:r>
+              <a:rPr lang="en-US" altLang="zh-CN" dirty="0"/>
+              <a:t>()-&gt;</a:t>
+            </a:r>
+            <a:r>
+              <a:rPr lang="en-US" altLang="zh-CN" dirty="0" err="1"/>
+              <a:t>unicode</a:t>
+            </a:r>
+            <a:r>
+              <a:rPr lang="en-US" altLang="zh-CN" dirty="0"/>
+              <a:t>-&gt;process</a:t>
+            </a:r>
+            <a:r>
+              <a:rPr lang="en-US" altLang="zh-CN" dirty="0" smtClean="0"/>
+              <a:t>()-&gt;*encode</a:t>
+            </a:r>
+            <a:r>
+              <a:rPr lang="en-US" altLang="zh-CN" dirty="0"/>
+              <a:t>()-&gt;</a:t>
+            </a:r>
+            <a:r>
+              <a:rPr lang="en-US" altLang="zh-CN" dirty="0" smtClean="0"/>
+              <a:t>string-&gt;</a:t>
+            </a:r>
+            <a:r>
+              <a:rPr lang="en-US" altLang="zh-CN" dirty="0" err="1" smtClean="0"/>
+              <a:t>stdout</a:t>
+            </a:r>
+            <a:endParaRPr lang="en-US" altLang="zh-CN" dirty="0" smtClean="0"/>
+          </a:p>
+          <a:p>
+            <a:pPr marL="457200" lvl="1" indent="0">
+              <a:buNone/>
+            </a:pPr>
+            <a:endParaRPr lang="en-US" altLang="zh-CN" dirty="0" smtClean="0"/>
+          </a:p>
+          <a:p>
+            <a:pPr marL="457200" lvl="1" indent="0">
+              <a:buNone/>
+            </a:pPr>
+            <a:endParaRPr lang="en-US" altLang="zh-CN" dirty="0"/>
           </a:p>
         </p:txBody>
       </p:sp>
     </p:spTree>
     <p:extLst>
       <p:ext uri="{BB962C8B-B14F-4D97-AF65-F5344CB8AC3E}">
-        <p14:creationId xmlns:p14="http://schemas.microsoft.com/office/powerpoint/2010/main" val="3069210271"/>
+        <p14:creationId xmlns:p14="http://schemas.microsoft.com/office/powerpoint/2010/main" val="181092399"/>
       </p:ext>
     </p:extLst>
   </p:cSld>
@@ -4111,7 +4031,7 @@
             </a:r>
             <a:r>
               <a:rPr lang="en-US" altLang="zh-CN" dirty="0" smtClean="0"/>
-              <a:t>(1)</a:t>
+              <a:t>(3)</a:t>
             </a:r>
             <a:endParaRPr lang="zh-CN" altLang="en-US" dirty="0"/>
           </a:p>
@@ -4129,177 +4049,229 @@
         </p:nvSpPr>
         <p:spPr/>
         <p:txBody>
-          <a:bodyPr/>
-          <a:lstStyle/>
-          <a:p>
-            <a:r>
-              <a:rPr lang="en-US" altLang="zh-CN" dirty="0" smtClean="0"/>
-              <a:t>Python</a:t>
-            </a:r>
-            <a:r>
-              <a:rPr lang="zh-CN" altLang="en-US" dirty="0" smtClean="0"/>
-              <a:t>常用数据结构</a:t>
+          <a:bodyPr>
+            <a:normAutofit fontScale="85000" lnSpcReduction="20000"/>
+          </a:bodyPr>
+          <a:lstStyle/>
+          <a:p>
+            <a:r>
+              <a:rPr lang="zh-CN" altLang="en-US" dirty="0" smtClean="0"/>
+              <a:t>中文乱码问题</a:t>
             </a:r>
             <a:endParaRPr lang="en-US" altLang="zh-CN" dirty="0" smtClean="0"/>
           </a:p>
           <a:p>
             <a:r>
-              <a:rPr lang="en-US" altLang="zh-CN" dirty="0"/>
-              <a:t>s</a:t>
-            </a:r>
-            <a:r>
-              <a:rPr lang="en-US" altLang="zh-CN" dirty="0" smtClean="0"/>
-              <a:t>tring</a:t>
-            </a:r>
-            <a:r>
-              <a:rPr lang="zh-CN" altLang="en-US" dirty="0" smtClean="0"/>
-              <a:t>类 如 </a:t>
-            </a:r>
-            <a:r>
-              <a:rPr lang="en-US" altLang="zh-CN" dirty="0" smtClean="0"/>
-              <a:t>“hello world”, ‘apple’ string</a:t>
-            </a:r>
-            <a:r>
-              <a:rPr lang="zh-CN" altLang="en-US" dirty="0" smtClean="0"/>
-              <a:t>类可以看成是一个包含单字节的数组</a:t>
+              <a:rPr lang="zh-CN" altLang="en-US" dirty="0" smtClean="0"/>
+              <a:t>读入</a:t>
+            </a:r>
+            <a:r>
+              <a:rPr lang="en-US" altLang="zh-CN" dirty="0" smtClean="0"/>
+              <a:t>string</a:t>
+            </a:r>
+            <a:r>
+              <a:rPr lang="zh-CN" altLang="en-US" dirty="0" smtClean="0"/>
+              <a:t>时，采用错误</a:t>
+            </a:r>
+            <a:r>
+              <a:rPr lang="zh-CN" altLang="en-US" dirty="0"/>
+              <a:t>字符</a:t>
+            </a:r>
+            <a:r>
+              <a:rPr lang="zh-CN" altLang="en-US" dirty="0" smtClean="0"/>
+              <a:t>集来解码</a:t>
+            </a:r>
+            <a:r>
+              <a:rPr lang="en-US" altLang="zh-CN" dirty="0" smtClean="0"/>
+              <a:t>(decode),</a:t>
+            </a:r>
+            <a:r>
+              <a:rPr lang="zh-CN" altLang="en-US" dirty="0" smtClean="0"/>
+              <a:t>一般情况下</a:t>
+            </a:r>
+            <a:r>
+              <a:rPr lang="en-US" altLang="zh-CN" dirty="0" smtClean="0"/>
+              <a:t>python</a:t>
+            </a:r>
+            <a:r>
+              <a:rPr lang="zh-CN" altLang="en-US" dirty="0" smtClean="0"/>
+              <a:t>会抛出异常</a:t>
             </a:r>
             <a:endParaRPr lang="en-US" altLang="zh-CN" dirty="0" smtClean="0"/>
           </a:p>
           <a:p>
             <a:r>
+              <a:rPr lang="zh-CN" altLang="en-US" dirty="0" smtClean="0"/>
+              <a:t>如果按</a:t>
+            </a:r>
+            <a:r>
+              <a:rPr lang="en-US" altLang="zh-CN" dirty="0" smtClean="0"/>
+              <a:t>string</a:t>
+            </a:r>
+            <a:r>
+              <a:rPr lang="zh-CN" altLang="en-US" dirty="0" smtClean="0"/>
+              <a:t>方法来处理多字节文字</a:t>
+            </a:r>
+            <a:r>
+              <a:rPr lang="en-US" altLang="zh-CN" dirty="0" smtClean="0"/>
+              <a:t>,</a:t>
+            </a:r>
+            <a:endParaRPr lang="en-US" altLang="zh-CN" dirty="0"/>
+          </a:p>
+          <a:p>
+            <a:r>
+              <a:rPr lang="en-US" altLang="zh-CN" dirty="0" err="1" smtClean="0"/>
+              <a:t>stringChar</a:t>
+            </a:r>
+            <a:r>
+              <a:rPr lang="en-US" altLang="zh-CN" dirty="0" smtClean="0"/>
+              <a:t>=‘</a:t>
+            </a:r>
+            <a:r>
+              <a:rPr lang="zh-CN" altLang="en-US" dirty="0" smtClean="0"/>
+              <a:t>你</a:t>
+            </a:r>
+            <a:r>
+              <a:rPr lang="en-US" altLang="zh-CN" dirty="0" smtClean="0"/>
+              <a:t>’ #</a:t>
+            </a:r>
+            <a:r>
+              <a:rPr lang="en-US" altLang="zh-CN" dirty="0" err="1" smtClean="0"/>
+              <a:t>stringChar</a:t>
+            </a:r>
+            <a:r>
+              <a:rPr lang="en-US" altLang="zh-CN" dirty="0" smtClean="0"/>
+              <a:t>[0]</a:t>
+            </a:r>
+            <a:r>
+              <a:rPr lang="zh-CN" altLang="en-US" dirty="0" smtClean="0"/>
+              <a:t>为一个字节的字符</a:t>
+            </a:r>
+            <a:endParaRPr lang="en-US" altLang="zh-CN" dirty="0" smtClean="0"/>
+          </a:p>
+          <a:p>
+            <a:r>
               <a:rPr lang="en-US" altLang="zh-CN" dirty="0" err="1"/>
-              <a:t>u</a:t>
+              <a:t>unicode</a:t>
             </a:r>
             <a:r>
               <a:rPr lang="en-US" altLang="zh-CN" dirty="0" err="1" smtClean="0"/>
-              <a:t>nicode</a:t>
-            </a:r>
-            <a:r>
-              <a:rPr lang="zh-CN" altLang="en-US" dirty="0" smtClean="0"/>
-              <a:t>类 </a:t>
+              <a:t>Char</a:t>
+            </a:r>
+            <a:r>
+              <a:rPr lang="en-US" altLang="zh-CN" dirty="0" smtClean="0"/>
+              <a:t>=u‘</a:t>
+            </a:r>
+            <a:r>
+              <a:rPr lang="zh-CN" altLang="en-US" dirty="0"/>
+              <a:t>你</a:t>
+            </a:r>
+            <a:r>
+              <a:rPr lang="en-US" altLang="zh-CN" dirty="0"/>
+              <a:t>’ </a:t>
+            </a:r>
+            <a:r>
+              <a:rPr lang="en-US" altLang="zh-CN" dirty="0" smtClean="0"/>
+              <a:t>#</a:t>
             </a:r>
             <a:r>
               <a:rPr lang="en-US" altLang="zh-CN" dirty="0" err="1" smtClean="0"/>
-              <a:t>u”hello</a:t>
-            </a:r>
-            <a:r>
-              <a:rPr lang="en-US" altLang="zh-CN" dirty="0" smtClean="0"/>
-              <a:t> </a:t>
-            </a:r>
-            <a:r>
-              <a:rPr lang="en-US" altLang="zh-CN" dirty="0" err="1"/>
-              <a:t>world</a:t>
+              <a:t>stringChar</a:t>
+            </a:r>
+            <a:r>
+              <a:rPr lang="en-US" altLang="zh-CN" dirty="0" smtClean="0"/>
+              <a:t>[0]</a:t>
+            </a:r>
+            <a:r>
+              <a:rPr lang="zh-CN" altLang="en-US" dirty="0" smtClean="0"/>
+              <a:t>为</a:t>
+            </a:r>
+            <a:r>
+              <a:rPr lang="en-US" altLang="zh-CN" dirty="0" smtClean="0"/>
+              <a:t>’</a:t>
+            </a:r>
+            <a:r>
+              <a:rPr lang="zh-CN" altLang="en-US" dirty="0" smtClean="0"/>
+              <a:t>你</a:t>
+            </a:r>
+            <a:r>
+              <a:rPr lang="en-US" altLang="zh-CN" dirty="0" smtClean="0"/>
+              <a:t>’</a:t>
+            </a:r>
+          </a:p>
+          <a:p>
+            <a:r>
+              <a:rPr lang="zh-CN" altLang="en-US" dirty="0" smtClean="0"/>
+              <a:t>中文显示乱</a:t>
+            </a:r>
+            <a:r>
+              <a:rPr lang="zh-CN" altLang="en-US" dirty="0"/>
+              <a:t>码</a:t>
+            </a:r>
+            <a:r>
+              <a:rPr lang="zh-CN" altLang="en-US" dirty="0" smtClean="0"/>
+              <a:t>问题</a:t>
+            </a:r>
+            <a:endParaRPr lang="en-US" altLang="zh-CN" dirty="0" smtClean="0"/>
+          </a:p>
+          <a:p>
+            <a:r>
+              <a:rPr lang="en-US" altLang="zh-CN" dirty="0" smtClean="0"/>
+              <a:t>1.</a:t>
+            </a:r>
+            <a:r>
+              <a:rPr lang="zh-CN" altLang="en-US" dirty="0" smtClean="0"/>
+              <a:t>同上面一样</a:t>
+            </a:r>
+            <a:endParaRPr lang="en-US" altLang="zh-CN" dirty="0" smtClean="0"/>
+          </a:p>
+          <a:p>
+            <a:r>
+              <a:rPr lang="en-US" altLang="zh-CN" dirty="0" smtClean="0"/>
+              <a:t>2.</a:t>
+            </a:r>
+            <a:r>
+              <a:rPr lang="zh-CN" altLang="en-US" dirty="0" smtClean="0"/>
+              <a:t>在把</a:t>
             </a:r>
             <a:r>
               <a:rPr lang="en-US" altLang="zh-CN" dirty="0" err="1" smtClean="0"/>
-              <a:t>”,u</a:t>
-            </a:r>
-            <a:r>
-              <a:rPr lang="en-US" altLang="zh-CN" dirty="0" smtClean="0"/>
-              <a:t>’</a:t>
-            </a:r>
-            <a:r>
-              <a:rPr lang="zh-CN" altLang="en-US" dirty="0" smtClean="0"/>
-              <a:t>你好</a:t>
-            </a:r>
-            <a:r>
-              <a:rPr lang="en-US" altLang="zh-CN" dirty="0" smtClean="0"/>
-              <a:t>’</a:t>
-            </a:r>
-            <a:r>
-              <a:rPr lang="zh-CN" altLang="en-US" dirty="0"/>
-              <a:t>可以看成是一个</a:t>
-            </a:r>
-            <a:r>
-              <a:rPr lang="zh-CN" altLang="en-US" dirty="0" smtClean="0"/>
-              <a:t>含该语言最小单元的数组</a:t>
+              <a:t>unicode</a:t>
+            </a:r>
+            <a:r>
+              <a:rPr lang="zh-CN" altLang="en-US" dirty="0" smtClean="0"/>
+              <a:t>输出</a:t>
+            </a:r>
+            <a:r>
+              <a:rPr lang="en-US" altLang="zh-CN" dirty="0" smtClean="0"/>
+              <a:t>string</a:t>
+            </a:r>
+            <a:r>
+              <a:rPr lang="zh-CN" altLang="en-US" dirty="0" smtClean="0"/>
+              <a:t>是采用了一个字符集来编码</a:t>
+            </a:r>
+            <a:r>
+              <a:rPr lang="en-US" altLang="zh-CN" dirty="0" smtClean="0"/>
+              <a:t>encode</a:t>
+            </a:r>
+            <a:r>
+              <a:rPr lang="zh-CN" altLang="en-US" dirty="0" smtClean="0"/>
+              <a:t>，但该字符集终端不支持显示</a:t>
             </a:r>
             <a:endParaRPr lang="en-US" altLang="zh-CN" dirty="0" smtClean="0"/>
           </a:p>
           <a:p>
             <a:r>
-              <a:rPr lang="en-US" altLang="zh-CN" dirty="0"/>
-              <a:t>l</a:t>
-            </a:r>
-            <a:r>
-              <a:rPr lang="en-US" altLang="zh-CN" dirty="0" smtClean="0"/>
-              <a:t>ist</a:t>
-            </a:r>
-            <a:r>
-              <a:rPr lang="zh-CN" altLang="en-US" dirty="0" smtClean="0"/>
-              <a:t>类 </a:t>
-            </a:r>
-            <a:r>
-              <a:rPr lang="en-US" altLang="zh-CN" dirty="0" smtClean="0"/>
-              <a:t>ok=[] </a:t>
-            </a:r>
-            <a:r>
-              <a:rPr lang="zh-CN" altLang="en-US" dirty="0" smtClean="0"/>
-              <a:t>或者</a:t>
-            </a:r>
-            <a:r>
-              <a:rPr lang="en-US" altLang="zh-CN" dirty="0" smtClean="0"/>
-              <a:t>ok=[1,2,3,]</a:t>
-            </a:r>
-            <a:r>
-              <a:rPr lang="zh-CN" altLang="en-US" dirty="0" smtClean="0"/>
-              <a:t>或者</a:t>
-            </a:r>
-            <a:r>
-              <a:rPr lang="en-US" altLang="zh-CN" dirty="0" smtClean="0"/>
-              <a:t>ok=[1,2,3]</a:t>
-            </a:r>
-          </a:p>
-          <a:p>
-            <a:r>
-              <a:rPr lang="en-US" altLang="zh-CN" dirty="0" smtClean="0"/>
-              <a:t>tuple</a:t>
-            </a:r>
-            <a:r>
-              <a:rPr lang="zh-CN" altLang="en-US" dirty="0" smtClean="0"/>
-              <a:t>类是一个只读</a:t>
-            </a:r>
-            <a:r>
-              <a:rPr lang="en-US" altLang="zh-CN" dirty="0" smtClean="0"/>
-              <a:t>list, t=(1,2,3) </a:t>
-            </a:r>
-          </a:p>
-          <a:p>
-            <a:r>
-              <a:rPr lang="en-US" altLang="zh-CN" dirty="0" err="1"/>
-              <a:t>d</a:t>
-            </a:r>
-            <a:r>
-              <a:rPr lang="en-US" altLang="zh-CN" dirty="0" err="1" smtClean="0"/>
-              <a:t>ict</a:t>
-            </a:r>
-            <a:r>
-              <a:rPr lang="zh-CN" altLang="en-US" dirty="0" smtClean="0"/>
-              <a:t>类 </a:t>
-            </a:r>
-            <a:r>
-              <a:rPr lang="en-US" altLang="zh-CN" dirty="0" smtClean="0"/>
-              <a:t>d={}</a:t>
-            </a:r>
-            <a:r>
-              <a:rPr lang="zh-CN" altLang="en-US" dirty="0"/>
-              <a:t>或者</a:t>
-            </a:r>
-            <a:r>
-              <a:rPr lang="en-US" altLang="zh-CN" dirty="0" smtClean="0"/>
-              <a:t>ok={1:’a’,2:’b’,}</a:t>
-            </a:r>
-            <a:r>
-              <a:rPr lang="zh-CN" altLang="en-US" dirty="0" smtClean="0"/>
-              <a:t>或者</a:t>
-            </a:r>
-            <a:r>
-              <a:rPr lang="en-US" altLang="zh-CN" dirty="0"/>
-              <a:t>{1:’a’,2:’b</a:t>
-            </a:r>
-            <a:r>
-              <a:rPr lang="en-US" altLang="zh-CN" dirty="0" smtClean="0"/>
-              <a:t>’}</a:t>
+              <a:rPr lang="zh-CN" altLang="en-US" dirty="0" smtClean="0"/>
+              <a:t>终端输出必须是</a:t>
+            </a:r>
+            <a:r>
+              <a:rPr lang="en-US" altLang="zh-CN" dirty="0" smtClean="0"/>
+              <a:t>string </a:t>
+            </a:r>
+            <a:r>
+              <a:rPr lang="zh-CN" altLang="en-US" dirty="0" smtClean="0"/>
+              <a:t>才行</a:t>
             </a:r>
             <a:endParaRPr lang="en-US" altLang="zh-CN" dirty="0"/>
           </a:p>
@@ -4311,7 +4283,7 @@
     </p:spTree>
     <p:extLst>
       <p:ext uri="{BB962C8B-B14F-4D97-AF65-F5344CB8AC3E}">
-        <p14:creationId xmlns:p14="http://schemas.microsoft.com/office/powerpoint/2010/main" val="2971113696"/>
+        <p14:creationId xmlns:p14="http://schemas.microsoft.com/office/powerpoint/2010/main" val="4017642145"/>
       </p:ext>
     </p:extLst>
   </p:cSld>
@@ -4361,233 +4333,49 @@
           <a:lstStyle/>
           <a:p>
             <a:r>
+              <a:rPr lang="en-US" altLang="zh-CN" dirty="0"/>
+              <a:t>Example </a:t>
+            </a:r>
+            <a:r>
+              <a:rPr lang="en-US" altLang="zh-CN" dirty="0" smtClean="0"/>
+              <a:t>04</a:t>
+            </a:r>
+            <a:endParaRPr lang="zh-CN" altLang="en-US" dirty="0"/>
+          </a:p>
+        </p:txBody>
+      </p:sp>
+      <p:sp>
+        <p:nvSpPr>
+          <p:cNvPr id="3" name="内容占位符 2"/>
+          <p:cNvSpPr>
+            <a:spLocks noGrp="1"/>
+          </p:cNvSpPr>
+          <p:nvPr>
+            <p:ph idx="1"/>
+          </p:nvPr>
+        </p:nvSpPr>
+        <p:spPr/>
+        <p:txBody>
+          <a:bodyPr/>
+          <a:lstStyle/>
+          <a:p>
+            <a:r>
               <a:rPr lang="zh-CN" altLang="en-US" dirty="0"/>
-              <a:t>小结</a:t>
-            </a:r>
-            <a:r>
-              <a:rPr lang="en-US" altLang="zh-CN" dirty="0"/>
-              <a:t>(2)</a:t>
+              <a:t>统计一个文件非空行的英文字符</a:t>
+            </a:r>
+            <a:r>
+              <a:rPr lang="zh-CN" altLang="en-US" dirty="0" smtClean="0"/>
+              <a:t>的</a:t>
+            </a:r>
+            <a:r>
+              <a:rPr lang="zh-CN" altLang="en-US" dirty="0"/>
+              <a:t>词频</a:t>
+            </a:r>
+            <a:r>
+              <a:rPr lang="zh-CN" altLang="en-US" dirty="0" smtClean="0"/>
+              <a:t>。</a:t>
             </a:r>
             <a:endParaRPr lang="zh-CN" altLang="en-US" dirty="0"/>
-          </a:p>
-        </p:txBody>
-      </p:sp>
-      <p:sp>
-        <p:nvSpPr>
-          <p:cNvPr id="3" name="内容占位符 2"/>
-          <p:cNvSpPr>
-            <a:spLocks noGrp="1"/>
-          </p:cNvSpPr>
-          <p:nvPr>
-            <p:ph idx="1"/>
-          </p:nvPr>
-        </p:nvSpPr>
-        <p:spPr/>
-        <p:txBody>
-          <a:bodyPr>
-            <a:normAutofit fontScale="85000" lnSpcReduction="20000"/>
-          </a:bodyPr>
-          <a:lstStyle/>
-          <a:p>
-            <a:r>
-              <a:rPr lang="zh-CN" altLang="en-US" dirty="0" smtClean="0"/>
-              <a:t>标准数据结构的基本操作说明</a:t>
-            </a:r>
-            <a:endParaRPr lang="en-US" altLang="zh-CN" dirty="0" smtClean="0"/>
-          </a:p>
-          <a:p>
-            <a:r>
-              <a:rPr lang="zh-CN" altLang="en-US" dirty="0" smtClean="0"/>
-              <a:t>见</a:t>
-            </a:r>
-            <a:endParaRPr lang="en-US" altLang="zh-CN" dirty="0" smtClean="0"/>
-          </a:p>
-          <a:p>
-            <a:r>
-              <a:rPr lang="en-US" altLang="zh-CN" dirty="0" err="1" smtClean="0"/>
-              <a:t>unicode</a:t>
-            </a:r>
-            <a:r>
-              <a:rPr lang="zh-CN" altLang="en-US" dirty="0" smtClean="0"/>
-              <a:t>类似</a:t>
-            </a:r>
-            <a:r>
-              <a:rPr lang="en-US" altLang="zh-CN" dirty="0" smtClean="0"/>
-              <a:t>string</a:t>
-            </a:r>
-          </a:p>
-          <a:p>
-            <a:r>
-              <a:rPr lang="en-US" altLang="zh-CN" dirty="0" smtClean="0"/>
-              <a:t>string: split() strip() decode() find() join</a:t>
-            </a:r>
-            <a:r>
-              <a:rPr lang="en-US" altLang="zh-CN" dirty="0"/>
-              <a:t>() </a:t>
-            </a:r>
-            <a:r>
-              <a:rPr lang="en-US" altLang="zh-CN" dirty="0" err="1"/>
-              <a:t>len</a:t>
-            </a:r>
-            <a:r>
-              <a:rPr lang="en-US" altLang="zh-CN" dirty="0"/>
-              <a:t>() </a:t>
-            </a:r>
-            <a:endParaRPr lang="en-US" altLang="zh-CN" dirty="0" smtClean="0"/>
-          </a:p>
-          <a:p>
-            <a:r>
-              <a:rPr lang="en-US" altLang="zh-CN" dirty="0" smtClean="0"/>
-              <a:t>list: append() extend() </a:t>
-            </a:r>
-            <a:r>
-              <a:rPr lang="en-US" altLang="zh-CN" dirty="0" err="1" smtClean="0"/>
-              <a:t>len</a:t>
-            </a:r>
-            <a:r>
-              <a:rPr lang="en-US" altLang="zh-CN" dirty="0" smtClean="0"/>
-              <a:t>() pop() remove()</a:t>
-            </a:r>
-          </a:p>
-          <a:p>
-            <a:r>
-              <a:rPr lang="en-US" altLang="zh-CN" dirty="0" err="1"/>
-              <a:t>d</a:t>
-            </a:r>
-            <a:r>
-              <a:rPr lang="en-US" altLang="zh-CN" dirty="0" err="1" smtClean="0"/>
-              <a:t>ict</a:t>
-            </a:r>
-            <a:r>
-              <a:rPr lang="en-US" altLang="zh-CN" dirty="0"/>
-              <a:t>:</a:t>
-            </a:r>
-            <a:r>
-              <a:rPr lang="en-US" altLang="zh-CN" dirty="0" smtClean="0"/>
-              <a:t> </a:t>
-            </a:r>
-            <a:r>
-              <a:rPr lang="en-US" altLang="zh-CN" dirty="0" err="1"/>
-              <a:t>len</a:t>
-            </a:r>
-            <a:r>
-              <a:rPr lang="en-US" altLang="zh-CN" dirty="0"/>
-              <a:t>() </a:t>
-            </a:r>
-            <a:r>
-              <a:rPr lang="en-US" altLang="zh-CN" dirty="0" smtClean="0"/>
-              <a:t> keys() values() </a:t>
-            </a:r>
-            <a:r>
-              <a:rPr lang="en-US" altLang="zh-CN" dirty="0" err="1" smtClean="0"/>
-              <a:t>iterms</a:t>
-            </a:r>
-            <a:r>
-              <a:rPr lang="en-US" altLang="zh-CN" dirty="0" smtClean="0"/>
-              <a:t>() </a:t>
-            </a:r>
-            <a:r>
-              <a:rPr lang="en-US" altLang="zh-CN" dirty="0" err="1" smtClean="0"/>
-              <a:t>iteritems</a:t>
-            </a:r>
-            <a:r>
-              <a:rPr lang="en-US" altLang="zh-CN" dirty="0" smtClean="0"/>
-              <a:t>() get() </a:t>
-            </a:r>
-            <a:r>
-              <a:rPr lang="en-US" altLang="zh-CN" dirty="0" err="1" smtClean="0"/>
-              <a:t>setdefault</a:t>
-            </a:r>
-            <a:r>
-              <a:rPr lang="en-US" altLang="zh-CN" dirty="0" smtClean="0"/>
-              <a:t>()</a:t>
-            </a:r>
-          </a:p>
-          <a:p>
-            <a:r>
-              <a:rPr lang="zh-CN" altLang="en-US" dirty="0" smtClean="0"/>
-              <a:t>以上类型都支持按位移方式进行取写值</a:t>
-            </a:r>
-            <a:endParaRPr lang="en-US" altLang="zh-CN" dirty="0" smtClean="0"/>
-          </a:p>
-          <a:p>
-            <a:r>
-              <a:rPr lang="zh-CN" altLang="en-US" dirty="0" smtClean="0"/>
-              <a:t>如</a:t>
-            </a:r>
-            <a:r>
-              <a:rPr lang="en-US" altLang="zh-CN" dirty="0"/>
-              <a:t>s</a:t>
-            </a:r>
-            <a:r>
-              <a:rPr lang="en-US" altLang="zh-CN" dirty="0" smtClean="0"/>
-              <a:t>[1]=‘a’ </a:t>
-            </a:r>
-          </a:p>
-          <a:p>
-            <a:r>
-              <a:rPr lang="en-US" altLang="zh-CN" dirty="0"/>
-              <a:t>s</a:t>
-            </a:r>
-            <a:r>
-              <a:rPr lang="en-US" altLang="zh-CN" dirty="0" smtClean="0"/>
-              <a:t>[1:3]#</a:t>
-            </a:r>
-            <a:r>
-              <a:rPr lang="zh-CN" altLang="en-US" dirty="0" smtClean="0"/>
-              <a:t>取位置从</a:t>
-            </a:r>
-            <a:r>
-              <a:rPr lang="en-US" altLang="zh-CN" dirty="0" smtClean="0"/>
-              <a:t>1</a:t>
-            </a:r>
-            <a:r>
-              <a:rPr lang="zh-CN" altLang="en-US" dirty="0" smtClean="0"/>
-              <a:t>到</a:t>
-            </a:r>
-            <a:r>
-              <a:rPr lang="en-US" altLang="zh-CN" dirty="0" smtClean="0"/>
-              <a:t>2</a:t>
-            </a:r>
-            <a:r>
-              <a:rPr lang="zh-CN" altLang="en-US" dirty="0" smtClean="0"/>
-              <a:t>即</a:t>
-            </a:r>
-            <a:r>
-              <a:rPr lang="en-US" altLang="zh-CN" dirty="0" smtClean="0"/>
-              <a:t>[1,3)</a:t>
-            </a:r>
-            <a:r>
-              <a:rPr lang="zh-CN" altLang="en-US" dirty="0" smtClean="0"/>
-              <a:t>整数的内容</a:t>
-            </a:r>
-            <a:endParaRPr lang="en-US" altLang="zh-CN" dirty="0" smtClean="0"/>
-          </a:p>
-          <a:p>
-            <a:r>
-              <a:rPr lang="en-US" altLang="zh-CN" dirty="0"/>
-              <a:t>t</a:t>
-            </a:r>
-            <a:r>
-              <a:rPr lang="en-US" altLang="zh-CN" dirty="0" smtClean="0"/>
-              <a:t>uple</a:t>
-            </a:r>
-            <a:r>
-              <a:rPr lang="zh-CN" altLang="en-US" dirty="0" smtClean="0"/>
-              <a:t>类别只支持</a:t>
-            </a:r>
-            <a:r>
-              <a:rPr lang="zh-CN" altLang="en-US" dirty="0"/>
-              <a:t>按位移</a:t>
-            </a:r>
-            <a:r>
-              <a:rPr lang="zh-CN" altLang="en-US" dirty="0" smtClean="0"/>
-              <a:t>方式进行取值</a:t>
-            </a:r>
-            <a:endParaRPr lang="en-US" altLang="zh-CN" dirty="0"/>
-          </a:p>
-          <a:p>
-            <a:endParaRPr lang="en-US" altLang="zh-CN" dirty="0" smtClean="0"/>
           </a:p>
           <a:p>
             <a:endParaRPr lang="zh-CN" altLang="en-US" dirty="0"/>
@@ -4597,7 +4385,7 @@
     </p:spTree>
     <p:extLst>
       <p:ext uri="{BB962C8B-B14F-4D97-AF65-F5344CB8AC3E}">
-        <p14:creationId xmlns:p14="http://schemas.microsoft.com/office/powerpoint/2010/main" val="65873979"/>
+        <p14:creationId xmlns:p14="http://schemas.microsoft.com/office/powerpoint/2010/main" val="3069210271"/>
       </p:ext>
     </p:extLst>
   </p:cSld>
@@ -4652,7 +4440,7 @@
             </a:r>
             <a:r>
               <a:rPr lang="en-US" altLang="zh-CN" dirty="0" smtClean="0"/>
-              <a:t>(3)</a:t>
+              <a:t>(1)</a:t>
             </a:r>
             <a:endParaRPr lang="zh-CN" altLang="en-US" dirty="0"/>
           </a:p>
@@ -4674,101 +4462,175 @@
           <a:lstStyle/>
           <a:p>
             <a:r>
-              <a:rPr lang="zh-CN" altLang="en-US" dirty="0" smtClean="0"/>
-              <a:t>格式化打印类是</a:t>
-            </a:r>
-            <a:r>
-              <a:rPr lang="en-US" altLang="zh-CN" dirty="0" smtClean="0"/>
-              <a:t>c</a:t>
-            </a:r>
-            <a:r>
-              <a:rPr lang="zh-CN" altLang="en-US" dirty="0" smtClean="0"/>
-              <a:t>的</a:t>
+              <a:rPr lang="en-US" altLang="zh-CN" dirty="0" smtClean="0"/>
+              <a:t>Python</a:t>
+            </a:r>
+            <a:r>
+              <a:rPr lang="zh-CN" altLang="en-US" dirty="0" smtClean="0"/>
+              <a:t>常用数据结构</a:t>
+            </a:r>
+            <a:endParaRPr lang="en-US" altLang="zh-CN" dirty="0" smtClean="0"/>
+          </a:p>
+          <a:p>
+            <a:r>
+              <a:rPr lang="en-US" altLang="zh-CN" dirty="0"/>
+              <a:t>s</a:t>
+            </a:r>
+            <a:r>
+              <a:rPr lang="en-US" altLang="zh-CN" dirty="0" smtClean="0"/>
+              <a:t>tring</a:t>
+            </a:r>
+            <a:r>
+              <a:rPr lang="zh-CN" altLang="en-US" dirty="0" smtClean="0"/>
+              <a:t>类 如 </a:t>
+            </a:r>
+            <a:r>
+              <a:rPr lang="en-US" altLang="zh-CN" dirty="0" smtClean="0"/>
+              <a:t>“hello world”, ‘apple’ string</a:t>
+            </a:r>
+            <a:r>
+              <a:rPr lang="zh-CN" altLang="en-US" dirty="0" smtClean="0"/>
+              <a:t>类可以看成是一个包含单字节的数组</a:t>
+            </a:r>
+            <a:endParaRPr lang="en-US" altLang="zh-CN" dirty="0" smtClean="0"/>
+          </a:p>
+          <a:p>
+            <a:r>
+              <a:rPr lang="en-US" altLang="zh-CN" dirty="0" err="1"/>
+              <a:t>u</a:t>
             </a:r>
             <a:r>
               <a:rPr lang="en-US" altLang="zh-CN" dirty="0" err="1" smtClean="0"/>
-              <a:t>printf</a:t>
-            </a:r>
-            <a:r>
-              <a:rPr lang="zh-CN" altLang="en-US" dirty="0" smtClean="0"/>
-              <a:t>函数</a:t>
+              <a:t>nicode</a:t>
+            </a:r>
+            <a:r>
+              <a:rPr lang="zh-CN" altLang="en-US" dirty="0" smtClean="0"/>
+              <a:t>类 </a:t>
+            </a:r>
+            <a:r>
+              <a:rPr lang="en-US" altLang="zh-CN" dirty="0" err="1" smtClean="0"/>
+              <a:t>u”hello</a:t>
+            </a:r>
+            <a:r>
+              <a:rPr lang="en-US" altLang="zh-CN" dirty="0" smtClean="0"/>
+              <a:t> </a:t>
+            </a:r>
+            <a:r>
+              <a:rPr lang="en-US" altLang="zh-CN" dirty="0" err="1"/>
+              <a:t>world</a:t>
+            </a:r>
+            <a:r>
+              <a:rPr lang="en-US" altLang="zh-CN" dirty="0" err="1" smtClean="0"/>
+              <a:t>”,u</a:t>
+            </a:r>
+            <a:r>
+              <a:rPr lang="en-US" altLang="zh-CN" dirty="0" smtClean="0"/>
+              <a:t>’</a:t>
+            </a:r>
+            <a:r>
+              <a:rPr lang="zh-CN" altLang="en-US" dirty="0" smtClean="0"/>
+              <a:t>你好</a:t>
+            </a:r>
+            <a:r>
+              <a:rPr lang="en-US" altLang="zh-CN" dirty="0" smtClean="0"/>
+              <a:t>’</a:t>
+            </a:r>
+            <a:r>
+              <a:rPr lang="zh-CN" altLang="en-US" dirty="0"/>
+              <a:t>可以看成是一个</a:t>
+            </a:r>
+            <a:r>
+              <a:rPr lang="zh-CN" altLang="en-US" dirty="0" smtClean="0"/>
+              <a:t>含该语言最小单元的数组</a:t>
             </a:r>
             <a:endParaRPr lang="en-US" altLang="zh-CN" dirty="0" smtClean="0"/>
           </a:p>
           <a:p>
             <a:r>
-              <a:rPr lang="en-US" altLang="zh-CN" dirty="0" smtClean="0"/>
-              <a:t>print </a:t>
-            </a:r>
-            <a:r>
-              <a:rPr lang="en-US" altLang="zh-CN" dirty="0"/>
-              <a:t>"[%s]:%d"%(</a:t>
-            </a:r>
+              <a:rPr lang="en-US" altLang="zh-CN" dirty="0"/>
+              <a:t>l</a:t>
+            </a:r>
+            <a:r>
+              <a:rPr lang="en-US" altLang="zh-CN" dirty="0" smtClean="0"/>
+              <a:t>ist</a:t>
+            </a:r>
+            <a:r>
+              <a:rPr lang="zh-CN" altLang="en-US" dirty="0" smtClean="0"/>
+              <a:t>类 </a:t>
+            </a:r>
+            <a:r>
+              <a:rPr lang="en-US" altLang="zh-CN" dirty="0" smtClean="0"/>
+              <a:t>ok=[] </a:t>
+            </a:r>
+            <a:r>
+              <a:rPr lang="zh-CN" altLang="en-US" dirty="0" smtClean="0"/>
+              <a:t>或者</a:t>
+            </a:r>
+            <a:r>
+              <a:rPr lang="en-US" altLang="zh-CN" dirty="0" smtClean="0"/>
+              <a:t>ok=[1,2,3,]</a:t>
+            </a:r>
+            <a:r>
+              <a:rPr lang="zh-CN" altLang="en-US" dirty="0" smtClean="0"/>
+              <a:t>或者</a:t>
+            </a:r>
+            <a:r>
+              <a:rPr lang="en-US" altLang="zh-CN" dirty="0" smtClean="0"/>
+              <a:t>ok=[1,2,3]</a:t>
+            </a:r>
+          </a:p>
+          <a:p>
+            <a:r>
+              <a:rPr lang="en-US" altLang="zh-CN" dirty="0" smtClean="0"/>
+              <a:t>tuple</a:t>
+            </a:r>
+            <a:r>
+              <a:rPr lang="zh-CN" altLang="en-US" dirty="0" smtClean="0"/>
+              <a:t>类是一个只读</a:t>
+            </a:r>
+            <a:r>
+              <a:rPr lang="en-US" altLang="zh-CN" dirty="0" smtClean="0"/>
+              <a:t>list, t=(1,2,3) </a:t>
+            </a:r>
+          </a:p>
+          <a:p>
             <a:r>
               <a:rPr lang="en-US" altLang="zh-CN" dirty="0" err="1"/>
-              <a:t>word,times</a:t>
-            </a:r>
-            <a:r>
-              <a:rPr lang="en-US" altLang="zh-CN" dirty="0" smtClean="0"/>
-              <a:t>)</a:t>
-            </a:r>
-          </a:p>
-          <a:p>
-            <a:r>
-              <a:rPr lang="en-US" altLang="zh-CN" dirty="0" smtClean="0"/>
-              <a:t>#[apple]:1 &lt;= </a:t>
-            </a:r>
-            <a:r>
-              <a:rPr lang="en-US" altLang="zh-CN" dirty="0"/>
-              <a:t>"[%s]:%d</a:t>
-            </a:r>
-            <a:r>
-              <a:rPr lang="en-US" altLang="zh-CN" dirty="0" smtClean="0"/>
-              <a:t>"%(‘apple’,1)</a:t>
-            </a:r>
-          </a:p>
-          <a:p>
-            <a:r>
-              <a:rPr lang="en-US" altLang="zh-CN" dirty="0" smtClean="0"/>
-              <a:t>%s</a:t>
-            </a:r>
-            <a:r>
-              <a:rPr lang="zh-CN" altLang="en-US" dirty="0" smtClean="0"/>
-              <a:t>为</a:t>
-            </a:r>
-            <a:r>
-              <a:rPr lang="en-US" altLang="zh-CN" dirty="0" smtClean="0"/>
-              <a:t>string</a:t>
-            </a:r>
-          </a:p>
-          <a:p>
-            <a:r>
-              <a:rPr lang="en-US" altLang="zh-CN" dirty="0" smtClean="0"/>
-              <a:t>%d</a:t>
-            </a:r>
-            <a:r>
-              <a:rPr lang="zh-CN" altLang="en-US" dirty="0" smtClean="0"/>
-              <a:t>为</a:t>
+              <a:t>d</a:t>
             </a:r>
             <a:r>
               <a:rPr lang="en-US" altLang="zh-CN" dirty="0" err="1" smtClean="0"/>
-              <a:t>int</a:t>
-            </a:r>
-            <a:endParaRPr lang="en-US" altLang="zh-CN" dirty="0" smtClean="0"/>
-          </a:p>
-          <a:p>
-            <a:r>
-              <a:rPr lang="en-US" altLang="zh-CN" dirty="0" smtClean="0"/>
-              <a:t>%f</a:t>
-            </a:r>
-            <a:r>
-              <a:rPr lang="zh-CN" altLang="en-US" dirty="0" smtClean="0"/>
-              <a:t>为</a:t>
-            </a:r>
-            <a:r>
-              <a:rPr lang="en-US" altLang="zh-CN" dirty="0" smtClean="0"/>
-              <a:t>double</a:t>
-            </a:r>
+              <a:t>ict</a:t>
+            </a:r>
+            <a:r>
+              <a:rPr lang="zh-CN" altLang="en-US" dirty="0" smtClean="0"/>
+              <a:t>类 </a:t>
+            </a:r>
+            <a:r>
+              <a:rPr lang="en-US" altLang="zh-CN" dirty="0" smtClean="0"/>
+              <a:t>d={}</a:t>
+            </a:r>
+            <a:r>
+              <a:rPr lang="zh-CN" altLang="en-US" dirty="0"/>
+              <a:t>或者</a:t>
+            </a:r>
+            <a:r>
+              <a:rPr lang="en-US" altLang="zh-CN" dirty="0" smtClean="0"/>
+              <a:t>ok={1:’a’,2:’b’,}</a:t>
+            </a:r>
+            <a:r>
+              <a:rPr lang="zh-CN" altLang="en-US" dirty="0" smtClean="0"/>
+              <a:t>或者</a:t>
+            </a:r>
+            <a:r>
+              <a:rPr lang="en-US" altLang="zh-CN" dirty="0"/>
+              <a:t>{1:’a’,2:’b</a:t>
+            </a:r>
+            <a:r>
+              <a:rPr lang="en-US" altLang="zh-CN" dirty="0" smtClean="0"/>
+              <a:t>’}</a:t>
+            </a:r>
+            <a:endParaRPr lang="en-US" altLang="zh-CN" dirty="0"/>
           </a:p>
           <a:p>
             <a:endParaRPr lang="zh-CN" altLang="en-US" dirty="0"/>
@@ -4778,7 +4640,7 @@
     </p:spTree>
     <p:extLst>
       <p:ext uri="{BB962C8B-B14F-4D97-AF65-F5344CB8AC3E}">
-        <p14:creationId xmlns:p14="http://schemas.microsoft.com/office/powerpoint/2010/main" val="1927529292"/>
+        <p14:creationId xmlns:p14="http://schemas.microsoft.com/office/powerpoint/2010/main" val="2971113696"/>
       </p:ext>
     </p:extLst>
   </p:cSld>
@@ -4828,12 +4690,12 @@
           <a:lstStyle/>
           <a:p>
             <a:r>
-              <a:rPr lang="en-US" altLang="zh-CN" dirty="0"/>
-              <a:t>Example </a:t>
-            </a:r>
-            <a:r>
-              <a:rPr lang="en-US" altLang="zh-CN" dirty="0" smtClean="0"/>
-              <a:t>05</a:t>
+              <a:rPr lang="zh-CN" altLang="en-US" dirty="0"/>
+              <a:t>小结</a:t>
+            </a:r>
+            <a:r>
+              <a:rPr lang="en-US" altLang="zh-CN" dirty="0"/>
+              <a:t>(2)</a:t>
             </a:r>
             <a:endParaRPr lang="zh-CN" altLang="en-US" dirty="0"/>
           </a:p>
@@ -4851,33 +4713,210 @@
         </p:nvSpPr>
         <p:spPr/>
         <p:txBody>
-          <a:bodyPr/>
-          <a:lstStyle/>
-          <a:p>
-            <a:r>
-              <a:rPr lang="zh-CN" altLang="en-US" dirty="0" smtClean="0"/>
-              <a:t>从一个</a:t>
-            </a:r>
-            <a:r>
-              <a:rPr lang="en-US" altLang="zh-CN" dirty="0" smtClean="0"/>
-              <a:t>excel</a:t>
-            </a:r>
-            <a:r>
-              <a:rPr lang="zh-CN" altLang="en-US" dirty="0" smtClean="0"/>
-              <a:t>文件读入</a:t>
+          <a:bodyPr>
+            <a:normAutofit fontScale="85000" lnSpcReduction="20000"/>
+          </a:bodyPr>
+          <a:lstStyle/>
+          <a:p>
+            <a:r>
+              <a:rPr lang="zh-CN" altLang="en-US" dirty="0" smtClean="0"/>
+              <a:t>标准数据结构的基本操作说明</a:t>
+            </a:r>
+            <a:endParaRPr lang="en-US" altLang="zh-CN" dirty="0" smtClean="0"/>
+          </a:p>
+          <a:p>
+            <a:r>
+              <a:rPr lang="zh-CN" altLang="en-US" dirty="0" smtClean="0"/>
+              <a:t>见</a:t>
+            </a:r>
+            <a:endParaRPr lang="en-US" altLang="zh-CN" dirty="0" smtClean="0"/>
+          </a:p>
+          <a:p>
+            <a:r>
+              <a:rPr lang="en-US" altLang="zh-CN" dirty="0" err="1" smtClean="0"/>
+              <a:t>unicode</a:t>
+            </a:r>
+            <a:r>
+              <a:rPr lang="zh-CN" altLang="en-US" dirty="0" smtClean="0"/>
+              <a:t>类似</a:t>
+            </a:r>
+            <a:r>
+              <a:rPr lang="en-US" altLang="zh-CN" dirty="0" smtClean="0"/>
+              <a:t>string</a:t>
+            </a:r>
+          </a:p>
+          <a:p>
+            <a:r>
+              <a:rPr lang="en-US" altLang="zh-CN" dirty="0" smtClean="0"/>
+              <a:t>string: split() strip() decode() find() join</a:t>
+            </a:r>
+            <a:r>
+              <a:rPr lang="en-US" altLang="zh-CN" dirty="0"/>
+              <a:t>() </a:t>
+            </a:r>
+            <a:r>
+              <a:rPr lang="en-US" altLang="zh-CN" dirty="0" err="1"/>
+              <a:t>len</a:t>
+            </a:r>
+            <a:r>
+              <a:rPr lang="en-US" altLang="zh-CN" dirty="0"/>
+              <a:t>() </a:t>
+            </a:r>
+            <a:endParaRPr lang="en-US" altLang="zh-CN" dirty="0" smtClean="0"/>
+          </a:p>
+          <a:p>
+            <a:r>
+              <a:rPr lang="en-US" altLang="zh-CN" dirty="0" smtClean="0"/>
+              <a:t>list: append() extend() </a:t>
+            </a:r>
+            <a:r>
+              <a:rPr lang="en-US" altLang="zh-CN" dirty="0" err="1" smtClean="0"/>
+              <a:t>len</a:t>
+            </a:r>
+            <a:r>
+              <a:rPr lang="en-US" altLang="zh-CN" dirty="0" smtClean="0"/>
+              <a:t>() pop() remove()</a:t>
+            </a:r>
+          </a:p>
+          <a:p>
+            <a:r>
+              <a:rPr lang="en-US" altLang="zh-CN" dirty="0" err="1"/>
+              <a:t>d</a:t>
+            </a:r>
+            <a:r>
+              <a:rPr lang="en-US" altLang="zh-CN" dirty="0" err="1" smtClean="0"/>
+              <a:t>ict</a:t>
+            </a:r>
+            <a:r>
+              <a:rPr lang="en-US" altLang="zh-CN" dirty="0"/>
+              <a:t>:</a:t>
+            </a:r>
+            <a:r>
+              <a:rPr lang="en-US" altLang="zh-CN" dirty="0" smtClean="0"/>
+              <a:t> </a:t>
+            </a:r>
+            <a:r>
+              <a:rPr lang="en-US" altLang="zh-CN" dirty="0" err="1"/>
+              <a:t>len</a:t>
+            </a:r>
+            <a:r>
+              <a:rPr lang="en-US" altLang="zh-CN" dirty="0"/>
+              <a:t>() </a:t>
+            </a:r>
+            <a:r>
+              <a:rPr lang="en-US" altLang="zh-CN" dirty="0" smtClean="0"/>
+              <a:t> keys() values() </a:t>
+            </a:r>
+            <a:r>
+              <a:rPr lang="en-US" altLang="zh-CN" dirty="0" err="1" smtClean="0"/>
+              <a:t>iterms</a:t>
+            </a:r>
+            <a:r>
+              <a:rPr lang="en-US" altLang="zh-CN" dirty="0" smtClean="0"/>
+              <a:t>() </a:t>
+            </a:r>
+            <a:r>
+              <a:rPr lang="en-US" altLang="zh-CN" dirty="0" err="1" smtClean="0"/>
+              <a:t>iteritems</a:t>
+            </a:r>
+            <a:r>
+              <a:rPr lang="en-US" altLang="zh-CN" dirty="0" smtClean="0"/>
+              <a:t>() get() </a:t>
+            </a:r>
+            <a:r>
+              <a:rPr lang="en-US" altLang="zh-CN" dirty="0" err="1" smtClean="0"/>
+              <a:t>setdefault</a:t>
+            </a:r>
+            <a:r>
+              <a:rPr lang="en-US" altLang="zh-CN" dirty="0" smtClean="0"/>
+              <a:t>()</a:t>
+            </a:r>
+          </a:p>
+          <a:p>
+            <a:r>
+              <a:rPr lang="zh-CN" altLang="en-US" dirty="0" smtClean="0"/>
+              <a:t>以上类型都支持按位移方式进行取写值</a:t>
+            </a:r>
+            <a:endParaRPr lang="en-US" altLang="zh-CN" dirty="0" smtClean="0"/>
+          </a:p>
+          <a:p>
+            <a:r>
+              <a:rPr lang="zh-CN" altLang="en-US" dirty="0" smtClean="0"/>
+              <a:t>如</a:t>
+            </a:r>
+            <a:r>
+              <a:rPr lang="en-US" altLang="zh-CN" dirty="0"/>
+              <a:t>s</a:t>
+            </a:r>
+            <a:r>
+              <a:rPr lang="en-US" altLang="zh-CN" dirty="0" smtClean="0"/>
+              <a:t>[1]=‘a’ </a:t>
+            </a:r>
+          </a:p>
+          <a:p>
+            <a:r>
+              <a:rPr lang="en-US" altLang="zh-CN" dirty="0"/>
+              <a:t>s</a:t>
+            </a:r>
+            <a:r>
+              <a:rPr lang="en-US" altLang="zh-CN" dirty="0" smtClean="0"/>
+              <a:t>[1:3]#</a:t>
+            </a:r>
+            <a:r>
+              <a:rPr lang="zh-CN" altLang="en-US" dirty="0" smtClean="0"/>
+              <a:t>取位置从</a:t>
+            </a:r>
+            <a:r>
+              <a:rPr lang="en-US" altLang="zh-CN" dirty="0" smtClean="0"/>
+              <a:t>1</a:t>
+            </a:r>
+            <a:r>
+              <a:rPr lang="zh-CN" altLang="en-US" dirty="0" smtClean="0"/>
+              <a:t>到</a:t>
+            </a:r>
+            <a:r>
+              <a:rPr lang="en-US" altLang="zh-CN" dirty="0" smtClean="0"/>
+              <a:t>2</a:t>
+            </a:r>
+            <a:r>
+              <a:rPr lang="zh-CN" altLang="en-US" dirty="0" smtClean="0"/>
+              <a:t>即</a:t>
+            </a:r>
+            <a:r>
+              <a:rPr lang="en-US" altLang="zh-CN" dirty="0" smtClean="0"/>
+              <a:t>[1,3)</a:t>
+            </a:r>
+            <a:r>
+              <a:rPr lang="zh-CN" altLang="en-US" dirty="0" smtClean="0"/>
+              <a:t>整数的内容</a:t>
+            </a:r>
+            <a:endParaRPr lang="en-US" altLang="zh-CN" dirty="0" smtClean="0"/>
+          </a:p>
+          <a:p>
+            <a:r>
+              <a:rPr lang="en-US" altLang="zh-CN" dirty="0"/>
+              <a:t>t</a:t>
+            </a:r>
+            <a:r>
+              <a:rPr lang="en-US" altLang="zh-CN" dirty="0" smtClean="0"/>
+              <a:t>uple</a:t>
+            </a:r>
+            <a:r>
+              <a:rPr lang="zh-CN" altLang="en-US" dirty="0" smtClean="0"/>
+              <a:t>类别只支持</a:t>
             </a:r>
             <a:r>
               <a:rPr lang="zh-CN" altLang="en-US" dirty="0"/>
-              <a:t>所需数据</a:t>
-            </a:r>
-            <a:r>
-              <a:rPr lang="en-US" altLang="zh-CN" dirty="0"/>
-              <a:t>,</a:t>
-            </a:r>
-            <a:r>
-              <a:rPr lang="zh-CN" altLang="en-US" dirty="0"/>
-              <a:t>并导出为文本</a:t>
-            </a:r>
+              <a:t>按位移</a:t>
+            </a:r>
+            <a:r>
+              <a:rPr lang="zh-CN" altLang="en-US" dirty="0" smtClean="0"/>
+              <a:t>方式进行取值</a:t>
+            </a:r>
+            <a:endParaRPr lang="en-US" altLang="zh-CN" dirty="0"/>
+          </a:p>
+          <a:p>
+            <a:endParaRPr lang="en-US" altLang="zh-CN" dirty="0" smtClean="0"/>
           </a:p>
           <a:p>
             <a:endParaRPr lang="zh-CN" altLang="en-US" dirty="0"/>
@@ -4887,7 +4926,7 @@
     </p:spTree>
     <p:extLst>
       <p:ext uri="{BB962C8B-B14F-4D97-AF65-F5344CB8AC3E}">
-        <p14:creationId xmlns:p14="http://schemas.microsoft.com/office/powerpoint/2010/main" val="1720805940"/>
+        <p14:creationId xmlns:p14="http://schemas.microsoft.com/office/powerpoint/2010/main" val="65873979"/>
       </p:ext>
     </p:extLst>
   </p:cSld>
@@ -4942,7 +4981,7 @@
             </a:r>
             <a:r>
               <a:rPr lang="en-US" altLang="zh-CN" dirty="0" smtClean="0"/>
-              <a:t>(1)</a:t>
+              <a:t>(3)</a:t>
             </a:r>
             <a:endParaRPr lang="zh-CN" altLang="en-US" dirty="0"/>
           </a:p>
@@ -4960,183 +4999,115 @@
         </p:nvSpPr>
         <p:spPr/>
         <p:txBody>
-          <a:bodyPr>
-            <a:normAutofit fontScale="92500" lnSpcReduction="10000"/>
-          </a:bodyPr>
-          <a:lstStyle/>
-          <a:p>
-            <a:r>
-              <a:rPr lang="en-US" altLang="zh-CN" dirty="0"/>
-              <a:t>import </a:t>
+          <a:bodyPr/>
+          <a:lstStyle/>
+          <a:p>
+            <a:r>
+              <a:rPr lang="zh-CN" altLang="en-US" dirty="0" smtClean="0"/>
+              <a:t>格式化打印类是</a:t>
+            </a:r>
+            <a:r>
+              <a:rPr lang="en-US" altLang="zh-CN" dirty="0" smtClean="0"/>
+              <a:t>c</a:t>
+            </a:r>
+            <a:r>
+              <a:rPr lang="zh-CN" altLang="en-US" dirty="0" smtClean="0"/>
+              <a:t>的</a:t>
             </a:r>
             <a:r>
               <a:rPr lang="en-US" altLang="zh-CN" dirty="0" err="1" smtClean="0"/>
-              <a:t>xlrd</a:t>
+              <a:t>printf</a:t>
+            </a:r>
+            <a:r>
+              <a:rPr lang="zh-CN" altLang="en-US" dirty="0" smtClean="0"/>
+              <a:t>函数</a:t>
             </a:r>
             <a:endParaRPr lang="en-US" altLang="zh-CN" dirty="0" smtClean="0"/>
           </a:p>
           <a:p>
             <a:r>
-              <a:rPr lang="zh-CN" altLang="en-US" dirty="0" smtClean="0"/>
-              <a:t>使用模块</a:t>
-            </a:r>
-            <a:r>
-              <a:rPr lang="en-US" altLang="zh-CN" dirty="0" err="1" smtClean="0"/>
-              <a:t>xlrd</a:t>
-            </a:r>
-            <a:r>
-              <a:rPr lang="zh-CN" altLang="en-US" dirty="0" smtClean="0"/>
-              <a:t> 安装 </a:t>
-            </a:r>
-            <a:r>
-              <a:rPr lang="en-US" altLang="zh-CN" dirty="0">
-                <a:hlinkClick r:id="rId2"/>
-              </a:rPr>
-              <a:t>http://</a:t>
-            </a:r>
-            <a:r>
-              <a:rPr lang="en-US" altLang="zh-CN" dirty="0" smtClean="0">
-                <a:hlinkClick r:id="rId2"/>
-              </a:rPr>
-              <a:t>pypi.python.org/pypi/xlrd</a:t>
-            </a:r>
-            <a:endParaRPr lang="en-US" altLang="zh-CN" dirty="0" smtClean="0"/>
-          </a:p>
-          <a:p>
-            <a:r>
-              <a:rPr lang="zh-CN" altLang="en-US" dirty="0" smtClean="0"/>
-              <a:t> </a:t>
-            </a:r>
-            <a:r>
-              <a:rPr lang="en-US" altLang="zh-CN" dirty="0"/>
-              <a:t>for </a:t>
+              <a:rPr lang="en-US" altLang="zh-CN" dirty="0" smtClean="0"/>
+              <a:t>print </a:t>
+            </a:r>
+            <a:r>
+              <a:rPr lang="en-US" altLang="zh-CN" dirty="0"/>
+              <a:t>"[%s]:%d"%(</a:t>
             </a:r>
             <a:r>
               <a:rPr lang="en-US" altLang="zh-CN" dirty="0" err="1"/>
-              <a:t>rownum</a:t>
-            </a:r>
-            <a:r>
-              <a:rPr lang="en-US" altLang="zh-CN" dirty="0"/>
-              <a:t> in range(</a:t>
-            </a:r>
-            <a:r>
-              <a:rPr lang="en-US" altLang="zh-CN" dirty="0" err="1"/>
-              <a:t>sh.nrows</a:t>
-            </a:r>
-            <a:r>
-              <a:rPr lang="en-US" altLang="zh-CN" dirty="0" smtClean="0"/>
-              <a:t>):</a:t>
-            </a:r>
-          </a:p>
-          <a:p>
-            <a:pPr marL="457200" lvl="1" indent="0">
-              <a:buNone/>
-            </a:pPr>
-            <a:r>
-              <a:rPr lang="en-US" altLang="zh-CN" dirty="0"/>
-              <a:t>	</a:t>
-            </a:r>
-            <a:r>
-              <a:rPr lang="en-US" altLang="zh-CN" dirty="0" smtClean="0"/>
-              <a:t>print </a:t>
-            </a:r>
-            <a:r>
-              <a:rPr lang="en-US" altLang="zh-CN" dirty="0" err="1"/>
-              <a:t>rownum</a:t>
-            </a:r>
-            <a:endParaRPr lang="en-US" altLang="zh-CN" dirty="0" smtClean="0"/>
-          </a:p>
-          <a:p>
-            <a:r>
-              <a:rPr lang="zh-CN" altLang="en-US" dirty="0" smtClean="0"/>
-              <a:t>产生</a:t>
-            </a:r>
-            <a:r>
-              <a:rPr lang="zh-CN" altLang="en-US" dirty="0"/>
-              <a:t>从</a:t>
-            </a:r>
-            <a:r>
-              <a:rPr lang="en-US" altLang="zh-CN" dirty="0"/>
-              <a:t>[</a:t>
-            </a:r>
-            <a:r>
-              <a:rPr lang="en-US" altLang="zh-CN" dirty="0" smtClean="0"/>
-              <a:t>0,sh.nrows</a:t>
-            </a:r>
-            <a:r>
-              <a:rPr lang="en-US" altLang="zh-CN" dirty="0"/>
+              <a:t>word,times</a:t>
+            </a:r>
+            <a:r>
+              <a:rPr lang="en-US" altLang="zh-CN" dirty="0" smtClean="0"/>
               <a:t>)</a:t>
             </a:r>
-            <a:r>
-              <a:rPr lang="zh-CN" altLang="en-US" dirty="0"/>
-              <a:t>的</a:t>
-            </a:r>
-            <a:r>
-              <a:rPr lang="zh-CN" altLang="en-US" dirty="0" smtClean="0"/>
-              <a:t>整数</a:t>
-            </a:r>
-            <a:endParaRPr lang="en-US" altLang="zh-CN" dirty="0" smtClean="0"/>
-          </a:p>
-          <a:p>
-            <a:r>
-              <a:rPr lang="en-US" altLang="zh-CN" dirty="0" err="1"/>
-              <a:t>sh.cell</a:t>
-            </a:r>
-            <a:r>
-              <a:rPr lang="en-US" altLang="zh-CN" dirty="0"/>
-              <a:t>(</a:t>
-            </a:r>
-            <a:r>
-              <a:rPr lang="en-US" altLang="zh-CN" dirty="0" err="1"/>
-              <a:t>rownum,rcolnum</a:t>
-            </a:r>
-            <a:r>
-              <a:rPr lang="en-US" altLang="zh-CN" dirty="0"/>
-              <a:t>).</a:t>
-            </a:r>
-            <a:r>
-              <a:rPr lang="en-US" altLang="zh-CN" dirty="0" smtClean="0"/>
-              <a:t>value</a:t>
-            </a:r>
-          </a:p>
-          <a:p>
-            <a:r>
-              <a:rPr lang="en-US" altLang="zh-CN" dirty="0" smtClean="0"/>
-              <a:t>value</a:t>
-            </a:r>
-            <a:r>
-              <a:rPr lang="zh-CN" altLang="en-US" dirty="0" smtClean="0"/>
-              <a:t>是一般包括以下类型</a:t>
-            </a:r>
-            <a:endParaRPr lang="en-US" altLang="zh-CN" dirty="0" smtClean="0"/>
-          </a:p>
-          <a:p>
+          </a:p>
+          <a:p>
+            <a:r>
+              <a:rPr lang="en-US" altLang="zh-CN" dirty="0" smtClean="0"/>
+              <a:t>#[apple]:1 &lt;= </a:t>
+            </a:r>
+            <a:r>
+              <a:rPr lang="en-US" altLang="zh-CN" dirty="0"/>
+              <a:t>"[%s]:%d</a:t>
+            </a:r>
+            <a:r>
+              <a:rPr lang="en-US" altLang="zh-CN" dirty="0" smtClean="0"/>
+              <a:t>"%(‘apple’,1)</a:t>
+            </a:r>
+          </a:p>
+          <a:p>
+            <a:r>
+              <a:rPr lang="en-US" altLang="zh-CN" dirty="0" smtClean="0"/>
+              <a:t>%s</a:t>
+            </a:r>
+            <a:r>
+              <a:rPr lang="zh-CN" altLang="en-US" dirty="0" smtClean="0"/>
+              <a:t>为</a:t>
+            </a:r>
+            <a:r>
+              <a:rPr lang="en-US" altLang="zh-CN" dirty="0" smtClean="0"/>
+              <a:t>string</a:t>
+            </a:r>
+          </a:p>
+          <a:p>
+            <a:r>
+              <a:rPr lang="en-US" altLang="zh-CN" dirty="0" smtClean="0"/>
+              <a:t>%d</a:t>
+            </a:r>
+            <a:r>
+              <a:rPr lang="zh-CN" altLang="en-US" dirty="0" smtClean="0"/>
+              <a:t>为</a:t>
+            </a:r>
             <a:r>
               <a:rPr lang="en-US" altLang="zh-CN" dirty="0" err="1" smtClean="0"/>
               <a:t>int</a:t>
             </a:r>
-            <a:r>
-              <a:rPr lang="en-US" altLang="zh-CN" dirty="0" smtClean="0"/>
-              <a:t> float(double) </a:t>
-            </a:r>
-            <a:r>
-              <a:rPr lang="en-US" altLang="zh-CN" dirty="0" err="1" smtClean="0"/>
-              <a:t>unicode</a:t>
-            </a:r>
-            <a:r>
-              <a:rPr lang="en-US" altLang="zh-CN" dirty="0" smtClean="0"/>
-              <a:t> string </a:t>
-            </a:r>
-          </a:p>
-          <a:p>
-            <a:endParaRPr lang="en-US" altLang="zh-CN" dirty="0"/>
+            <a:endParaRPr lang="en-US" altLang="zh-CN" dirty="0" smtClean="0"/>
+          </a:p>
+          <a:p>
+            <a:r>
+              <a:rPr lang="en-US" altLang="zh-CN" dirty="0" smtClean="0"/>
+              <a:t>%f</a:t>
+            </a:r>
+            <a:r>
+              <a:rPr lang="zh-CN" altLang="en-US" dirty="0" smtClean="0"/>
+              <a:t>为</a:t>
+            </a:r>
+            <a:r>
+              <a:rPr lang="en-US" altLang="zh-CN" dirty="0" smtClean="0"/>
+              <a:t>double</a:t>
+            </a:r>
+          </a:p>
+          <a:p>
+            <a:endParaRPr lang="zh-CN" altLang="en-US" dirty="0"/>
           </a:p>
         </p:txBody>
       </p:sp>
     </p:spTree>
     <p:extLst>
       <p:ext uri="{BB962C8B-B14F-4D97-AF65-F5344CB8AC3E}">
-        <p14:creationId xmlns:p14="http://schemas.microsoft.com/office/powerpoint/2010/main" val="461998412"/>
+        <p14:creationId xmlns:p14="http://schemas.microsoft.com/office/powerpoint/2010/main" val="1927529292"/>
       </p:ext>
     </p:extLst>
   </p:cSld>
@@ -5186,178 +5157,66 @@
           <a:lstStyle/>
           <a:p>
             <a:r>
+              <a:rPr lang="en-US" altLang="zh-CN" dirty="0"/>
+              <a:t>Example </a:t>
+            </a:r>
+            <a:r>
+              <a:rPr lang="en-US" altLang="zh-CN" dirty="0" smtClean="0"/>
+              <a:t>05</a:t>
+            </a:r>
+            <a:endParaRPr lang="zh-CN" altLang="en-US" dirty="0"/>
+          </a:p>
+        </p:txBody>
+      </p:sp>
+      <p:sp>
+        <p:nvSpPr>
+          <p:cNvPr id="3" name="内容占位符 2"/>
+          <p:cNvSpPr>
+            <a:spLocks noGrp="1"/>
+          </p:cNvSpPr>
+          <p:nvPr>
+            <p:ph idx="1"/>
+          </p:nvPr>
+        </p:nvSpPr>
+        <p:spPr/>
+        <p:txBody>
+          <a:bodyPr/>
+          <a:lstStyle/>
+          <a:p>
+            <a:r>
+              <a:rPr lang="zh-CN" altLang="en-US" dirty="0" smtClean="0"/>
+              <a:t>从一个</a:t>
+            </a:r>
+            <a:r>
+              <a:rPr lang="en-US" altLang="zh-CN" dirty="0" smtClean="0"/>
+              <a:t>excel</a:t>
+            </a:r>
+            <a:r>
+              <a:rPr lang="zh-CN" altLang="en-US" dirty="0" smtClean="0"/>
+              <a:t>文件读入</a:t>
+            </a:r>
+            <a:r>
               <a:rPr lang="zh-CN" altLang="en-US" dirty="0"/>
-              <a:t>小结</a:t>
-            </a:r>
-            <a:r>
-              <a:rPr lang="en-US" altLang="zh-CN" dirty="0" smtClean="0"/>
-              <a:t>(2)</a:t>
-            </a:r>
+              <a:t>所需数据</a:t>
+            </a:r>
+            <a:r>
+              <a:rPr lang="en-US" altLang="zh-CN" dirty="0"/>
+              <a:t>,</a:t>
+            </a:r>
+            <a:r>
+              <a:rPr lang="zh-CN" altLang="en-US" dirty="0"/>
+              <a:t>并导出为文本</a:t>
+            </a:r>
+          </a:p>
+          <a:p>
             <a:endParaRPr lang="zh-CN" altLang="en-US" dirty="0"/>
-          </a:p>
-        </p:txBody>
-      </p:sp>
-      <p:sp>
-        <p:nvSpPr>
-          <p:cNvPr id="3" name="内容占位符 2"/>
-          <p:cNvSpPr>
-            <a:spLocks noGrp="1"/>
-          </p:cNvSpPr>
-          <p:nvPr>
-            <p:ph idx="1"/>
-          </p:nvPr>
-        </p:nvSpPr>
-        <p:spPr/>
-        <p:txBody>
-          <a:bodyPr/>
-          <a:lstStyle/>
-          <a:p>
-            <a:r>
-              <a:rPr lang="en-US" altLang="zh-CN" dirty="0"/>
-              <a:t> w=open(</a:t>
-            </a:r>
-            <a:r>
-              <a:rPr lang="en-US" altLang="zh-CN" dirty="0" err="1"/>
-              <a:t>outf</a:t>
-            </a:r>
-            <a:r>
-              <a:rPr lang="en-US" altLang="zh-CN" dirty="0" smtClean="0"/>
-              <a:t>,‘w’) #</a:t>
-            </a:r>
-            <a:r>
-              <a:rPr lang="zh-CN" altLang="en-US" dirty="0" smtClean="0"/>
-              <a:t>按写</a:t>
-            </a:r>
-            <a:r>
-              <a:rPr lang="en-US" altLang="zh-CN" dirty="0" smtClean="0"/>
-              <a:t>(w)</a:t>
-            </a:r>
-            <a:r>
-              <a:rPr lang="zh-CN" altLang="en-US" dirty="0" smtClean="0"/>
-              <a:t>的模式打开</a:t>
-            </a:r>
-            <a:r>
-              <a:rPr lang="zh-CN" altLang="en-US" dirty="0"/>
-              <a:t>文件</a:t>
-            </a:r>
-            <a:r>
-              <a:rPr lang="en-US" altLang="zh-CN" dirty="0" err="1" smtClean="0"/>
-              <a:t>outf</a:t>
-            </a:r>
-            <a:endParaRPr lang="en-US" altLang="zh-CN" dirty="0" smtClean="0"/>
-          </a:p>
-          <a:p>
-            <a:r>
-              <a:rPr lang="en-US" altLang="zh-CN" dirty="0" smtClean="0"/>
-              <a:t> </a:t>
-            </a:r>
-            <a:r>
-              <a:rPr lang="en-US" altLang="zh-CN" dirty="0" err="1" smtClean="0"/>
-              <a:t>w.write</a:t>
-            </a:r>
-            <a:r>
-              <a:rPr lang="en-US" altLang="zh-CN" dirty="0" smtClean="0"/>
-              <a:t>(</a:t>
-            </a:r>
-            <a:r>
-              <a:rPr lang="en-US" altLang="zh-CN" dirty="0" err="1" smtClean="0"/>
-              <a:t>strContent</a:t>
-            </a:r>
-            <a:r>
-              <a:rPr lang="en-US" altLang="zh-CN" dirty="0" smtClean="0"/>
-              <a:t>) #</a:t>
-            </a:r>
-            <a:r>
-              <a:rPr lang="zh-CN" altLang="en-US" dirty="0"/>
-              <a:t>写入</a:t>
-            </a:r>
-            <a:r>
-              <a:rPr lang="zh-CN" altLang="en-US" dirty="0" smtClean="0"/>
-              <a:t>内容</a:t>
-            </a:r>
-            <a:r>
-              <a:rPr lang="en-US" altLang="zh-CN" dirty="0" smtClean="0"/>
-              <a:t>,</a:t>
-            </a:r>
-            <a:r>
-              <a:rPr lang="zh-CN" altLang="en-US" dirty="0" smtClean="0"/>
-              <a:t>必须是</a:t>
-            </a:r>
-            <a:r>
-              <a:rPr lang="en-US" altLang="zh-CN" dirty="0" smtClean="0"/>
-              <a:t>string</a:t>
-            </a:r>
-            <a:r>
-              <a:rPr lang="zh-CN" altLang="en-US" dirty="0" smtClean="0"/>
-              <a:t>或者</a:t>
-            </a:r>
-            <a:r>
-              <a:rPr lang="en-US" altLang="zh-CN" dirty="0" smtClean="0"/>
-              <a:t>bytes</a:t>
-            </a:r>
-            <a:endParaRPr lang="zh-CN" altLang="en-US" dirty="0"/>
-          </a:p>
-          <a:p>
-            <a:r>
-              <a:rPr lang="zh-CN" altLang="en-US" dirty="0"/>
-              <a:t> </a:t>
-            </a:r>
-            <a:r>
-              <a:rPr lang="en-US" altLang="zh-CN" dirty="0" smtClean="0"/>
-              <a:t>'\</a:t>
-            </a:r>
-            <a:r>
-              <a:rPr lang="en-US" altLang="zh-CN" dirty="0" err="1"/>
-              <a:t>n'.join</a:t>
-            </a:r>
-            <a:r>
-              <a:rPr lang="en-US" altLang="zh-CN" dirty="0"/>
-              <a:t>(out) </a:t>
-            </a:r>
-            <a:r>
-              <a:rPr lang="zh-CN" altLang="en-US" dirty="0"/>
-              <a:t>为</a:t>
-            </a:r>
-            <a:r>
-              <a:rPr lang="en-US" altLang="zh-CN" dirty="0"/>
-              <a:t>split('\n')</a:t>
-            </a:r>
-            <a:r>
-              <a:rPr lang="zh-CN" altLang="en-US" dirty="0"/>
-              <a:t>的</a:t>
-            </a:r>
-            <a:r>
-              <a:rPr lang="zh-CN" altLang="en-US" dirty="0" smtClean="0"/>
-              <a:t>逆运算</a:t>
-            </a:r>
-            <a:endParaRPr lang="en-US" altLang="zh-CN" dirty="0" smtClean="0"/>
-          </a:p>
-          <a:p>
-            <a:r>
-              <a:rPr lang="en-US" altLang="zh-CN" dirty="0" err="1"/>
-              <a:t>w.close</a:t>
-            </a:r>
-            <a:r>
-              <a:rPr lang="en-US" altLang="zh-CN" dirty="0"/>
-              <a:t>()</a:t>
-            </a:r>
-          </a:p>
-          <a:p>
-            <a:r>
-              <a:rPr lang="zh-CN" altLang="en-US" dirty="0" smtClean="0"/>
-              <a:t>关闭</a:t>
-            </a:r>
-            <a:r>
-              <a:rPr lang="zh-CN" altLang="en-US" dirty="0"/>
-              <a:t>文件，保证写入完全</a:t>
-            </a:r>
           </a:p>
         </p:txBody>
       </p:sp>
     </p:spTree>
     <p:extLst>
       <p:ext uri="{BB962C8B-B14F-4D97-AF65-F5344CB8AC3E}">
-        <p14:creationId xmlns:p14="http://schemas.microsoft.com/office/powerpoint/2010/main" val="3557331795"/>
+        <p14:creationId xmlns:p14="http://schemas.microsoft.com/office/powerpoint/2010/main" val="1720805940"/>
       </p:ext>
     </p:extLst>
   </p:cSld>
@@ -5391,9 +5250,71 @@
           <a:chExt cx="0" cy="0"/>
         </a:xfrm>
       </p:grpSpPr>
-      <p:sp>
-        <p:nvSpPr>
-          <p:cNvPr id="2" name="标题 1"/>
+      <p:pic>
+        <p:nvPicPr>
+          <p:cNvPr id="1026" name="Picture 2"/>
+          <p:cNvPicPr>
+            <a:picLocks noChangeAspect="1" noChangeArrowheads="1"/>
+          </p:cNvPicPr>
+          <p:nvPr/>
+        </p:nvPicPr>
+        <p:blipFill rotWithShape="1">
+          <a:blip r:embed="rId2">
+            <a:extLst>
+              <a:ext uri="{28A0092B-C50C-407E-A947-70E740481C1C}">
+                <a14:useLocalDpi xmlns:a14="http://schemas.microsoft.com/office/drawing/2010/main" val="0"/>
+              </a:ext>
+            </a:extLst>
+          </a:blip>
+          <a:srcRect l="250" t="-2915" r="23891" b="40917"/>
+          <a:stretch/>
+        </p:blipFill>
+        <p:spPr bwMode="auto">
+          <a:xfrm>
+            <a:off x="179512" y="2132856"/>
+            <a:ext cx="8599298" cy="4392488"/>
+          </a:xfrm>
+          <a:prstGeom prst="rect">
+            <a:avLst/>
+          </a:prstGeom>
+          <a:noFill/>
+          <a:ln>
+            <a:noFill/>
+          </a:ln>
+          <a:effectLst/>
+          <a:extLst>
+            <a:ext uri="{909E8E84-426E-40DD-AFC4-6F175D3DCCD1}">
+              <a14:hiddenFill xmlns:a14="http://schemas.microsoft.com/office/drawing/2010/main">
+                <a:solidFill>
+                  <a:schemeClr val="accent1"/>
+                </a:solidFill>
+              </a14:hiddenFill>
+            </a:ext>
+            <a:ext uri="{91240B29-F687-4F45-9708-019B960494DF}">
+              <a14:hiddenLine xmlns:a14="http://schemas.microsoft.com/office/drawing/2010/main" w="9525">
+                <a:solidFill>
+                  <a:schemeClr val="tx1"/>
+                </a:solidFill>
+                <a:miter lim="800000"/>
+                <a:headEnd/>
+                <a:tailEnd/>
+              </a14:hiddenLine>
+            </a:ext>
+            <a:ext uri="{AF507438-7753-43E0-B8FC-AC1667EBCBE1}">
+              <a14:hiddenEffects xmlns:a14="http://schemas.microsoft.com/office/drawing/2010/main">
+                <a:effectLst>
+                  <a:outerShdw dist="35921" dir="2700000" algn="ctr" rotWithShape="0">
+                    <a:schemeClr val="bg2"/>
+                  </a:outerShdw>
+                </a:effectLst>
+              </a14:hiddenEffects>
+            </a:ext>
+          </a:extLst>
+        </p:spPr>
+      </p:pic>
+      <p:sp>
+        <p:nvSpPr>
+          <p:cNvPr id="2" name="Title 1"/>
           <p:cNvSpPr>
             <a:spLocks noGrp="1"/>
           </p:cNvSpPr>
@@ -5408,7 +5329,7 @@
           <a:p>
             <a:r>
               <a:rPr lang="en-US" altLang="zh-CN" dirty="0" smtClean="0"/>
-              <a:t>Example 01</a:t>
+              <a:t>	Notepad++&amp;Python</a:t>
             </a:r>
             <a:endParaRPr lang="zh-CN" altLang="en-US" dirty="0"/>
           </a:p>
@@ -5416,7 +5337,7 @@
       </p:sp>
       <p:sp>
         <p:nvSpPr>
-          <p:cNvPr id="3" name="内容占位符 2"/>
+          <p:cNvPr id="3" name="Content Placeholder 2"/>
           <p:cNvSpPr>
             <a:spLocks noGrp="1"/>
           </p:cNvSpPr>
@@ -5429,21 +5350,14 @@
           <a:bodyPr/>
           <a:lstStyle/>
           <a:p>
-            <a:r>
-              <a:rPr lang="zh-CN" altLang="en-US" dirty="0" smtClean="0"/>
-              <a:t>从键盘里读入字符，并打印出该字符。</a:t>
-            </a:r>
-            <a:endParaRPr lang="en-US" altLang="zh-CN" dirty="0" smtClean="0"/>
-          </a:p>
-          <a:p>
-            <a:endParaRPr lang="zh-CN" altLang="en-US" dirty="0"/>
+            <a:endParaRPr lang="zh-CN" altLang="en-US"/>
           </a:p>
         </p:txBody>
       </p:sp>
     </p:spTree>
     <p:extLst>
       <p:ext uri="{BB962C8B-B14F-4D97-AF65-F5344CB8AC3E}">
-        <p14:creationId xmlns:p14="http://schemas.microsoft.com/office/powerpoint/2010/main" val="3322572617"/>
+        <p14:creationId xmlns:p14="http://schemas.microsoft.com/office/powerpoint/2010/main" val="2021833211"/>
       </p:ext>
     </p:extLst>
   </p:cSld>
@@ -5493,8 +5407,12 @@
           <a:lstStyle/>
           <a:p>
             <a:r>
-              <a:rPr lang="en-GB" altLang="zh-CN" dirty="0"/>
-              <a:t>Example 06</a:t>
+              <a:rPr lang="zh-CN" altLang="en-US" dirty="0"/>
+              <a:t>小结</a:t>
+            </a:r>
+            <a:r>
+              <a:rPr lang="en-US" altLang="zh-CN" dirty="0" smtClean="0"/>
+              <a:t>(1)</a:t>
             </a:r>
             <a:endParaRPr lang="zh-CN" altLang="en-US" dirty="0"/>
           </a:p>
@@ -5512,81 +5430,183 @@
         </p:nvSpPr>
         <p:spPr/>
         <p:txBody>
-          <a:bodyPr/>
-          <a:lstStyle/>
-          <a:p>
-            <a:r>
-              <a:rPr lang="zh-CN" altLang="zh-CN" dirty="0">
-                <a:latin typeface="Calibri" charset="0"/>
-                <a:ea typeface="宋体" charset="-122"/>
+          <a:bodyPr>
+            <a:normAutofit fontScale="92500" lnSpcReduction="10000"/>
+          </a:bodyPr>
+          <a:lstStyle/>
+          <a:p>
+            <a:r>
+              <a:rPr lang="en-US" altLang="zh-CN" dirty="0"/>
+              <a:t>import </a:t>
+            </a:r>
+            <a:r>
+              <a:rPr lang="en-US" altLang="zh-CN" dirty="0" err="1" smtClean="0"/>
+              <a:t>xlrd</a:t>
+            </a:r>
+            <a:endParaRPr lang="en-US" altLang="zh-CN" dirty="0" smtClean="0"/>
+          </a:p>
+          <a:p>
+            <a:r>
+              <a:rPr lang="zh-CN" altLang="en-US" dirty="0" smtClean="0"/>
+              <a:t>使用模块</a:t>
+            </a:r>
+            <a:r>
+              <a:rPr lang="en-US" altLang="zh-CN" dirty="0" err="1" smtClean="0"/>
+              <a:t>xlrd</a:t>
+            </a:r>
+            <a:r>
+              <a:rPr lang="zh-CN" altLang="en-US" dirty="0" smtClean="0"/>
+              <a:t> 安装 </a:t>
+            </a:r>
+            <a:r>
+              <a:rPr lang="en-US" altLang="zh-CN" dirty="0">
+                <a:hlinkClick r:id="rId2"/>
               </a:rPr>
-              <a:t>给定一个</a:t>
-            </a:r>
-            <a:r>
-              <a:rPr lang="en-GB" altLang="zh-CN" dirty="0" err="1">
-                <a:latin typeface="Calibri" charset="0"/>
+              <a:t>http://</a:t>
+            </a:r>
+            <a:r>
+              <a:rPr lang="en-US" altLang="zh-CN" dirty="0" smtClean="0">
+                <a:hlinkClick r:id="rId2"/>
               </a:rPr>
-              <a:t>url</a:t>
-            </a:r>
-            <a:r>
-              <a:rPr lang="zh-CN" altLang="zh-CN" dirty="0">
-                <a:latin typeface="Calibri" charset="0"/>
-                <a:ea typeface="宋体" charset="-122"/>
-              </a:rPr>
-              <a:t>列表下载并保存</a:t>
-            </a:r>
-            <a:r>
-              <a:rPr lang="zh-CN" altLang="zh-CN" dirty="0" smtClean="0">
-                <a:latin typeface="Calibri" charset="0"/>
-                <a:ea typeface="宋体" charset="-122"/>
-              </a:rPr>
-              <a:t>为</a:t>
-            </a:r>
-            <a:r>
-              <a:rPr lang="en-US" altLang="zh-CN" dirty="0" err="1" smtClean="0">
-                <a:latin typeface="Calibri" charset="0"/>
-                <a:ea typeface="宋体" charset="-122"/>
-              </a:rPr>
-              <a:t>bz</a:t>
-            </a:r>
-            <a:r>
-              <a:rPr lang="zh-CN" altLang="zh-CN" dirty="0" smtClean="0">
-                <a:latin typeface="Calibri" charset="0"/>
-                <a:ea typeface="宋体" charset="-122"/>
-              </a:rPr>
-              <a:t>压缩</a:t>
-            </a:r>
-            <a:r>
-              <a:rPr lang="zh-CN" altLang="zh-CN" dirty="0">
-                <a:latin typeface="Calibri" charset="0"/>
-                <a:ea typeface="宋体" charset="-122"/>
-              </a:rPr>
+              <a:t>pypi.python.org/pypi/xlrd</a:t>
+            </a:r>
+            <a:endParaRPr lang="en-US" altLang="zh-CN" dirty="0" smtClean="0"/>
+          </a:p>
+          <a:p>
+            <a:r>
+              <a:rPr lang="zh-CN" altLang="en-US" dirty="0" smtClean="0"/>
+              <a:t> </a:t>
+            </a:r>
+            <a:r>
+              <a:rPr lang="en-US" altLang="zh-CN" dirty="0"/>
+              <a:t>for </a:t>
+            </a:r>
+            <a:r>
+              <a:rPr lang="en-US" altLang="zh-CN" dirty="0" err="1"/>
+              <a:t>rownum</a:t>
+            </a:r>
+            <a:r>
+              <a:rPr lang="en-US" altLang="zh-CN" dirty="0"/>
+              <a:t> in range(</a:t>
+            </a:r>
+            <a:r>
+              <a:rPr lang="en-US" altLang="zh-CN" dirty="0" err="1"/>
+              <a:t>sh.nrows</a:t>
+            </a:r>
+            <a:r>
+              <a:rPr lang="en-US" altLang="zh-CN" dirty="0" smtClean="0"/>
+              <a:t>):</a:t>
+            </a:r>
+          </a:p>
+          <a:p>
+            <a:pPr marL="457200" lvl="1" indent="0">
+              <a:buNone/>
+            </a:pPr>
+            <a:r>
+              <a:rPr lang="en-US" altLang="zh-CN" dirty="0"/>
+              <a:t>	</a:t>
+            </a:r>
+            <a:r>
+              <a:rPr lang="en-US" altLang="zh-CN" dirty="0" smtClean="0"/>
+              <a:t>print </a:t>
+            </a:r>
+            <a:r>
+              <a:rPr lang="en-US" altLang="zh-CN" dirty="0" err="1"/>
+              <a:t>rownum</a:t>
+            </a:r>
+            <a:endParaRPr lang="en-US" altLang="zh-CN" dirty="0" smtClean="0"/>
+          </a:p>
+          <a:p>
+            <a:r>
+              <a:rPr lang="zh-CN" altLang="en-US" dirty="0" smtClean="0"/>
+              <a:t>产生</a:t>
+            </a:r>
+            <a:r>
+              <a:rPr lang="zh-CN" altLang="en-US" dirty="0"/>
+              <a:t>从</a:t>
+            </a:r>
+            <a:r>
+              <a:rPr lang="en-US" altLang="zh-CN" dirty="0"/>
+              <a:t>[</a:t>
+            </a:r>
+            <a:r>
+              <a:rPr lang="en-US" altLang="zh-CN" dirty="0" smtClean="0"/>
+              <a:t>0,sh.nrows</a:t>
+            </a:r>
+            <a:r>
+              <a:rPr lang="en-US" altLang="zh-CN" dirty="0"/>
+              <a:t>)</a:t>
+            </a:r>
+            <a:r>
+              <a:rPr lang="zh-CN" altLang="en-US" dirty="0"/>
               <a:t>的</a:t>
             </a:r>
             <a:r>
-              <a:rPr lang="en-GB" altLang="zh-CN" dirty="0">
-                <a:latin typeface="Calibri" charset="0"/>
-              </a:rPr>
-              <a:t>BDB</a:t>
-            </a:r>
-            <a:r>
-              <a:rPr lang="zh-CN" altLang="zh-CN" dirty="0" smtClean="0">
-                <a:latin typeface="Calibri" charset="0"/>
-                <a:ea typeface="宋体" charset="-122"/>
-              </a:rPr>
-              <a:t>格式</a:t>
-            </a:r>
-            <a:endParaRPr lang="zh-CN" altLang="zh-CN" dirty="0">
-              <a:latin typeface="Calibri" charset="0"/>
-              <a:ea typeface="宋体" charset="-122"/>
-            </a:endParaRPr>
+              <a:rPr lang="zh-CN" altLang="en-US" dirty="0" smtClean="0"/>
+              <a:t>整数</a:t>
+            </a:r>
+            <a:endParaRPr lang="en-US" altLang="zh-CN" dirty="0" smtClean="0"/>
+          </a:p>
+          <a:p>
+            <a:r>
+              <a:rPr lang="en-US" altLang="zh-CN" dirty="0" err="1"/>
+              <a:t>sh.cell</a:t>
+            </a:r>
+            <a:r>
+              <a:rPr lang="en-US" altLang="zh-CN" dirty="0"/>
+              <a:t>(</a:t>
+            </a:r>
+            <a:r>
+              <a:rPr lang="en-US" altLang="zh-CN" dirty="0" err="1"/>
+              <a:t>rownum,rcolnum</a:t>
+            </a:r>
+            <a:r>
+              <a:rPr lang="en-US" altLang="zh-CN" dirty="0"/>
+              <a:t>).</a:t>
+            </a:r>
+            <a:r>
+              <a:rPr lang="en-US" altLang="zh-CN" dirty="0" smtClean="0"/>
+              <a:t>value</a:t>
+            </a:r>
+          </a:p>
+          <a:p>
+            <a:r>
+              <a:rPr lang="en-US" altLang="zh-CN" dirty="0" smtClean="0"/>
+              <a:t>value</a:t>
+            </a:r>
+            <a:r>
+              <a:rPr lang="zh-CN" altLang="en-US" dirty="0" smtClean="0"/>
+              <a:t>是一般包括以下类型</a:t>
+            </a:r>
+            <a:endParaRPr lang="en-US" altLang="zh-CN" dirty="0" smtClean="0"/>
+          </a:p>
+          <a:p>
+            <a:r>
+              <a:rPr lang="en-US" altLang="zh-CN" dirty="0" err="1" smtClean="0"/>
+              <a:t>int</a:t>
+            </a:r>
+            <a:r>
+              <a:rPr lang="en-US" altLang="zh-CN" dirty="0" smtClean="0"/>
+              <a:t> float(double) </a:t>
+            </a:r>
+            <a:r>
+              <a:rPr lang="en-US" altLang="zh-CN" dirty="0" err="1" smtClean="0"/>
+              <a:t>unicode</a:t>
+            </a:r>
+            <a:r>
+              <a:rPr lang="en-US" altLang="zh-CN" dirty="0" smtClean="0"/>
+              <a:t> string </a:t>
+            </a:r>
+          </a:p>
+          <a:p>
+            <a:endParaRPr lang="en-US" altLang="zh-CN" dirty="0"/>
           </a:p>
         </p:txBody>
       </p:sp>
     </p:spTree>
     <p:extLst>
       <p:ext uri="{BB962C8B-B14F-4D97-AF65-F5344CB8AC3E}">
-        <p14:creationId xmlns:p14="http://schemas.microsoft.com/office/powerpoint/2010/main" val="1652432062"/>
+        <p14:creationId xmlns:p14="http://schemas.microsoft.com/office/powerpoint/2010/main" val="461998412"/>
       </p:ext>
     </p:extLst>
   </p:cSld>
@@ -5640,8 +5660,8 @@
               <a:t>小结</a:t>
             </a:r>
             <a:r>
-              <a:rPr lang="en-US" altLang="zh-CN" dirty="0"/>
-              <a:t>(1)</a:t>
+              <a:rPr lang="en-US" altLang="zh-CN" dirty="0" smtClean="0"/>
+              <a:t>(2)</a:t>
             </a:r>
             <a:endParaRPr lang="zh-CN" altLang="en-US" dirty="0"/>
           </a:p>
@@ -5659,202 +5679,155 @@
         </p:nvSpPr>
         <p:spPr/>
         <p:txBody>
-          <a:bodyPr>
-            <a:normAutofit fontScale="92500" lnSpcReduction="20000"/>
-          </a:bodyPr>
-          <a:lstStyle/>
-          <a:p>
-            <a:r>
-              <a:rPr lang="zh-CN" altLang="en-US" dirty="0" smtClean="0"/>
-              <a:t>多文件编写脚本</a:t>
+          <a:bodyPr/>
+          <a:lstStyle/>
+          <a:p>
+            <a:r>
+              <a:rPr lang="en-US" altLang="zh-CN" dirty="0"/>
+              <a:t> w=open(</a:t>
+            </a:r>
+            <a:r>
+              <a:rPr lang="en-US" altLang="zh-CN" dirty="0" err="1"/>
+              <a:t>outf</a:t>
+            </a:r>
+            <a:r>
+              <a:rPr lang="en-US" altLang="zh-CN" dirty="0" smtClean="0"/>
+              <a:t>,‘w’) #</a:t>
+            </a:r>
+            <a:r>
+              <a:rPr lang="zh-CN" altLang="en-US" dirty="0" smtClean="0"/>
+              <a:t>按写</a:t>
+            </a:r>
+            <a:r>
+              <a:rPr lang="en-US" altLang="zh-CN" dirty="0" smtClean="0"/>
+              <a:t>(w)</a:t>
+            </a:r>
+            <a:r>
+              <a:rPr lang="zh-CN" altLang="en-US" dirty="0" smtClean="0"/>
+              <a:t>的模式打开</a:t>
+            </a:r>
+            <a:r>
+              <a:rPr lang="zh-CN" altLang="en-US" dirty="0"/>
+              <a:t>文件</a:t>
+            </a:r>
+            <a:r>
+              <a:rPr lang="en-US" altLang="zh-CN" dirty="0" err="1" smtClean="0"/>
+              <a:t>outf</a:t>
             </a:r>
             <a:endParaRPr lang="en-US" altLang="zh-CN" dirty="0" smtClean="0"/>
           </a:p>
           <a:p>
             <a:r>
-              <a:rPr lang="zh-CN" altLang="en-US" dirty="0" smtClean="0"/>
-              <a:t>在文件</a:t>
-            </a:r>
-            <a:r>
-              <a:rPr lang="en-US" altLang="zh-CN" dirty="0" smtClean="0"/>
-              <a:t>B.py</a:t>
-            </a:r>
-            <a:r>
-              <a:rPr lang="zh-CN" altLang="en-US" dirty="0" smtClean="0"/>
-              <a:t>中要调用文件</a:t>
-            </a:r>
-            <a:r>
-              <a:rPr lang="en-US" altLang="zh-CN" dirty="0" smtClean="0"/>
-              <a:t>A.py</a:t>
-            </a:r>
-            <a:r>
-              <a:rPr lang="zh-CN" altLang="en-US" dirty="0" smtClean="0"/>
-              <a:t>的函数</a:t>
-            </a:r>
-            <a:r>
-              <a:rPr lang="en-US" altLang="zh-CN" dirty="0" smtClean="0"/>
-              <a:t>/</a:t>
-            </a:r>
-            <a:r>
-              <a:rPr lang="zh-CN" altLang="en-US" dirty="0" smtClean="0"/>
-              <a:t>类为</a:t>
-            </a:r>
-            <a:r>
-              <a:rPr lang="en-US" altLang="zh-CN" dirty="0" smtClean="0"/>
-              <a:t>name</a:t>
-            </a:r>
-            <a:r>
-              <a:rPr lang="zh-CN" altLang="en-US" dirty="0" smtClean="0"/>
-              <a:t>，需要</a:t>
-            </a:r>
-            <a:r>
-              <a:rPr lang="en-US" altLang="zh-CN" dirty="0" smtClean="0"/>
-              <a:t>import A,</a:t>
-            </a:r>
-            <a:r>
-              <a:rPr lang="zh-CN" altLang="en-US" dirty="0" smtClean="0"/>
-              <a:t>然后可以使用</a:t>
-            </a:r>
-            <a:r>
-              <a:rPr lang="en-US" altLang="zh-CN" dirty="0" smtClean="0"/>
-              <a:t>A.name()</a:t>
-            </a:r>
-            <a:r>
-              <a:rPr lang="zh-CN" altLang="en-US" dirty="0" smtClean="0"/>
-              <a:t>来调用。或者</a:t>
-            </a:r>
-            <a:r>
-              <a:rPr lang="en-US" altLang="zh-CN" dirty="0" smtClean="0"/>
-              <a:t>from A import name </a:t>
-            </a:r>
-            <a:r>
-              <a:rPr lang="zh-CN" altLang="en-US" dirty="0" smtClean="0"/>
-              <a:t>可以直接在</a:t>
-            </a:r>
-            <a:r>
-              <a:rPr lang="en-US" altLang="zh-CN" dirty="0" smtClean="0"/>
-              <a:t>B</a:t>
-            </a:r>
-            <a:r>
-              <a:rPr lang="zh-CN" altLang="en-US" dirty="0" smtClean="0"/>
-              <a:t>里调用</a:t>
-            </a:r>
-            <a:r>
-              <a:rPr lang="en-US" altLang="zh-CN" dirty="0" smtClean="0"/>
-              <a:t>name()</a:t>
-            </a:r>
-            <a:r>
-              <a:rPr lang="zh-CN" altLang="en-US" dirty="0" smtClean="0"/>
-              <a:t>，但是如果</a:t>
-            </a:r>
-            <a:r>
-              <a:rPr lang="en-US" altLang="zh-CN" dirty="0" smtClean="0"/>
-              <a:t>B</a:t>
-            </a:r>
-            <a:r>
-              <a:rPr lang="zh-CN" altLang="en-US" dirty="0" smtClean="0"/>
-              <a:t>中也有名为</a:t>
-            </a:r>
-            <a:r>
-              <a:rPr lang="en-US" altLang="zh-CN" dirty="0" smtClean="0"/>
-              <a:t>name</a:t>
-            </a:r>
-            <a:r>
-              <a:rPr lang="zh-CN" altLang="en-US" dirty="0" smtClean="0"/>
-              <a:t>的函数时，要使用</a:t>
-            </a:r>
-            <a:r>
-              <a:rPr lang="en-US" altLang="zh-CN" dirty="0" smtClean="0"/>
-              <a:t>A</a:t>
-            </a:r>
-            <a:r>
-              <a:rPr lang="zh-CN" altLang="en-US" dirty="0" smtClean="0"/>
-              <a:t>的函数</a:t>
-            </a:r>
-            <a:r>
-              <a:rPr lang="en-US" altLang="zh-CN" dirty="0" smtClean="0"/>
-              <a:t>name</a:t>
-            </a:r>
-            <a:r>
-              <a:rPr lang="zh-CN" altLang="en-US" dirty="0" smtClean="0"/>
-              <a:t>必须采用前一种方法。</a:t>
+              <a:rPr lang="en-US" altLang="zh-CN" dirty="0" smtClean="0"/>
+              <a:t> </a:t>
+            </a:r>
+            <a:r>
+              <a:rPr lang="en-US" altLang="zh-CN" dirty="0" err="1" smtClean="0"/>
+              <a:t>w.write</a:t>
+            </a:r>
+            <a:r>
+              <a:rPr lang="en-US" altLang="zh-CN" dirty="0" smtClean="0"/>
+              <a:t>(</a:t>
+            </a:r>
+            <a:r>
+              <a:rPr lang="en-US" altLang="zh-CN" dirty="0" err="1" smtClean="0"/>
+              <a:t>strContent</a:t>
+            </a:r>
+            <a:r>
+              <a:rPr lang="en-US" altLang="zh-CN" dirty="0" smtClean="0"/>
+              <a:t>) #</a:t>
+            </a:r>
+            <a:r>
+              <a:rPr lang="zh-CN" altLang="en-US" dirty="0"/>
+              <a:t>写入</a:t>
+            </a:r>
+            <a:r>
+              <a:rPr lang="zh-CN" altLang="en-US" dirty="0" smtClean="0"/>
+              <a:t>内容</a:t>
+            </a:r>
+            <a:r>
+              <a:rPr lang="en-US" altLang="zh-CN" dirty="0" smtClean="0"/>
+              <a:t>,</a:t>
+            </a:r>
+            <a:r>
+              <a:rPr lang="zh-CN" altLang="en-US" dirty="0" smtClean="0"/>
+              <a:t>必须是</a:t>
+            </a:r>
+            <a:r>
+              <a:rPr lang="en-US" altLang="zh-CN" dirty="0" smtClean="0"/>
+              <a:t>string</a:t>
+            </a:r>
+            <a:r>
+              <a:rPr lang="zh-CN" altLang="en-US" dirty="0" smtClean="0"/>
+              <a:t>或者</a:t>
+            </a:r>
+            <a:r>
+              <a:rPr lang="en-US" altLang="zh-CN" dirty="0" smtClean="0"/>
+              <a:t>bytes</a:t>
+            </a:r>
+            <a:endParaRPr lang="zh-CN" altLang="en-US" dirty="0"/>
+          </a:p>
+          <a:p>
+            <a:r>
+              <a:rPr lang="zh-CN" altLang="en-US" dirty="0"/>
+              <a:t> </a:t>
+            </a:r>
+            <a:r>
+              <a:rPr lang="en-US" altLang="zh-CN" dirty="0" smtClean="0"/>
+              <a:t>'\</a:t>
+            </a:r>
+            <a:r>
+              <a:rPr lang="en-US" altLang="zh-CN" dirty="0" err="1"/>
+              <a:t>n'.join</a:t>
+            </a:r>
+            <a:r>
+              <a:rPr lang="en-US" altLang="zh-CN" dirty="0"/>
+              <a:t>(out) </a:t>
+            </a:r>
+            <a:r>
+              <a:rPr lang="zh-CN" altLang="en-US" dirty="0"/>
+              <a:t>为</a:t>
+            </a:r>
+            <a:r>
+              <a:rPr lang="en-US" altLang="zh-CN" dirty="0"/>
+              <a:t>split('\n')</a:t>
+            </a:r>
+            <a:r>
+              <a:rPr lang="zh-CN" altLang="en-US" dirty="0"/>
+              <a:t>的</a:t>
+            </a:r>
+            <a:r>
+              <a:rPr lang="zh-CN" altLang="en-US" dirty="0" smtClean="0"/>
+              <a:t>逆运算</a:t>
             </a:r>
             <a:endParaRPr lang="en-US" altLang="zh-CN" dirty="0" smtClean="0"/>
           </a:p>
           <a:p>
             <a:r>
-              <a:rPr lang="zh-CN" altLang="en-US" dirty="0" smtClean="0"/>
-              <a:t>函数区分</a:t>
-            </a:r>
-            <a:r>
-              <a:rPr lang="en-US" altLang="zh-CN" dirty="0" smtClean="0"/>
-              <a:t>,</a:t>
-            </a:r>
-            <a:r>
-              <a:rPr lang="zh-CN" altLang="en-US" dirty="0" smtClean="0"/>
-              <a:t>仅仅按照函数名来区分，返回结果或不同参数传递都不能区分</a:t>
-            </a:r>
-            <a:r>
-              <a:rPr lang="en-US" altLang="zh-CN" dirty="0" smtClean="0"/>
-              <a:t>2</a:t>
-            </a:r>
-            <a:r>
-              <a:rPr lang="zh-CN" altLang="en-US" dirty="0" smtClean="0"/>
-              <a:t>个函数。</a:t>
-            </a:r>
-            <a:endParaRPr lang="en-US" altLang="zh-CN" dirty="0" smtClean="0"/>
-          </a:p>
-          <a:p>
-            <a:r>
               <a:rPr lang="en-US" altLang="zh-CN" dirty="0" err="1"/>
-              <a:t>d</a:t>
-            </a:r>
-            <a:r>
-              <a:rPr lang="en-US" altLang="zh-CN" dirty="0" err="1" smtClean="0"/>
-              <a:t>ef</a:t>
-            </a:r>
-            <a:r>
-              <a:rPr lang="en-US" altLang="zh-CN" dirty="0" smtClean="0"/>
-              <a:t> name():  </a:t>
-            </a:r>
-            <a:r>
-              <a:rPr lang="en-US" altLang="zh-CN" dirty="0" err="1" smtClean="0"/>
-              <a:t>def</a:t>
-            </a:r>
-            <a:r>
-              <a:rPr lang="en-US" altLang="zh-CN" dirty="0" smtClean="0"/>
-              <a:t> name(arg1):</a:t>
-            </a:r>
-            <a:r>
-              <a:rPr lang="zh-CN" altLang="en-US" dirty="0" smtClean="0"/>
-              <a:t>是无法区分的</a:t>
-            </a:r>
-            <a:endParaRPr lang="en-US" altLang="zh-CN" dirty="0" smtClean="0"/>
-          </a:p>
-          <a:p>
-            <a:r>
-              <a:rPr lang="zh-CN" altLang="en-US" dirty="0" smtClean="0"/>
-              <a:t>在</a:t>
-            </a:r>
-            <a:r>
-              <a:rPr lang="en-US" altLang="zh-CN" dirty="0" smtClean="0"/>
-              <a:t>python</a:t>
-            </a:r>
-            <a:r>
-              <a:rPr lang="zh-CN" altLang="en-US" dirty="0" smtClean="0"/>
-              <a:t>无法区分的函数，是语法错误</a:t>
-            </a:r>
-            <a:endParaRPr lang="en-US" altLang="zh-CN" dirty="0" smtClean="0"/>
-          </a:p>
-          <a:p>
-            <a:endParaRPr lang="zh-CN" altLang="en-US" dirty="0"/>
+              <a:t>w.close</a:t>
+            </a:r>
+            <a:r>
+              <a:rPr lang="en-US" altLang="zh-CN" dirty="0"/>
+              <a:t>()</a:t>
+            </a:r>
+          </a:p>
+          <a:p>
+            <a:r>
+              <a:rPr lang="zh-CN" altLang="en-US" dirty="0" smtClean="0"/>
+              <a:t>关闭</a:t>
+            </a:r>
+            <a:r>
+              <a:rPr lang="zh-CN" altLang="en-US" dirty="0"/>
+              <a:t>文件，保证写入完全</a:t>
+            </a:r>
           </a:p>
         </p:txBody>
       </p:sp>
     </p:spTree>
     <p:extLst>
       <p:ext uri="{BB962C8B-B14F-4D97-AF65-F5344CB8AC3E}">
-        <p14:creationId xmlns:p14="http://schemas.microsoft.com/office/powerpoint/2010/main" val="1731545112"/>
+        <p14:creationId xmlns:p14="http://schemas.microsoft.com/office/powerpoint/2010/main" val="3557331795"/>
       </p:ext>
     </p:extLst>
   </p:cSld>
@@ -5904,12 +5877,8 @@
           <a:lstStyle/>
           <a:p>
             <a:r>
-              <a:rPr lang="zh-CN" altLang="en-US" dirty="0"/>
-              <a:t>小结</a:t>
-            </a:r>
-            <a:r>
-              <a:rPr lang="en-US" altLang="zh-CN" dirty="0" smtClean="0"/>
-              <a:t>(2)</a:t>
+              <a:rPr lang="en-GB" altLang="zh-CN" dirty="0"/>
+              <a:t>Example 06</a:t>
             </a:r>
             <a:endParaRPr lang="zh-CN" altLang="en-US" dirty="0"/>
           </a:p>
@@ -5927,235 +5896,81 @@
         </p:nvSpPr>
         <p:spPr/>
         <p:txBody>
-          <a:bodyPr>
-            <a:normAutofit fontScale="77500" lnSpcReduction="20000"/>
-          </a:bodyPr>
-          <a:lstStyle/>
-          <a:p>
-            <a:r>
-              <a:rPr lang="zh-CN" altLang="en-US" dirty="0" smtClean="0"/>
-              <a:t>使用函数默认值</a:t>
-            </a:r>
-            <a:endParaRPr lang="en-US" altLang="zh-CN" dirty="0" smtClean="0"/>
-          </a:p>
-          <a:p>
-            <a:r>
-              <a:rPr lang="en-US" altLang="zh-CN" dirty="0" err="1"/>
-              <a:t>def</a:t>
-            </a:r>
-            <a:r>
-              <a:rPr lang="en-US" altLang="zh-CN" dirty="0"/>
-              <a:t> </a:t>
-            </a:r>
-            <a:r>
-              <a:rPr lang="en-US" altLang="zh-CN" dirty="0" err="1"/>
-              <a:t>writeDb</a:t>
-            </a:r>
-            <a:r>
-              <a:rPr lang="en-US" altLang="zh-CN" dirty="0"/>
-              <a:t>(</a:t>
-            </a:r>
-            <a:r>
-              <a:rPr lang="en-US" altLang="zh-CN" dirty="0" err="1"/>
-              <a:t>outFile</a:t>
-            </a:r>
-            <a:r>
-              <a:rPr lang="en-US" altLang="zh-CN" dirty="0"/>
-              <a:t>, </a:t>
-            </a:r>
-            <a:r>
-              <a:rPr lang="en-US" altLang="zh-CN" dirty="0" err="1"/>
-              <a:t>isOverWrite</a:t>
-            </a:r>
-            <a:r>
-              <a:rPr lang="en-US" altLang="zh-CN" dirty="0"/>
-              <a:t>=False, </a:t>
-            </a:r>
-            <a:r>
-              <a:rPr lang="en-US" altLang="zh-CN" dirty="0" err="1"/>
-              <a:t>isAppend</a:t>
-            </a:r>
-            <a:r>
-              <a:rPr lang="en-US" altLang="zh-CN" dirty="0"/>
-              <a:t>=False</a:t>
-            </a:r>
-            <a:r>
-              <a:rPr lang="en-US" altLang="zh-CN" dirty="0" smtClean="0"/>
-              <a:t>): </a:t>
-            </a:r>
-            <a:r>
-              <a:rPr lang="zh-CN" altLang="en-US" dirty="0" smtClean="0"/>
-              <a:t>即</a:t>
-            </a:r>
-            <a:r>
-              <a:rPr lang="en-US" altLang="zh-CN" dirty="0" err="1" smtClean="0"/>
-              <a:t>isOverWrite</a:t>
-            </a:r>
-            <a:r>
-              <a:rPr lang="zh-CN" altLang="en-US" dirty="0" smtClean="0"/>
-              <a:t>和</a:t>
-            </a:r>
-            <a:r>
-              <a:rPr lang="en-US" altLang="zh-CN" dirty="0" err="1" smtClean="0"/>
-              <a:t>isAppend</a:t>
-            </a:r>
-            <a:r>
-              <a:rPr lang="zh-CN" altLang="en-US" dirty="0" smtClean="0"/>
-              <a:t>不给定时，默认为</a:t>
-            </a:r>
-            <a:r>
-              <a:rPr lang="en-US" altLang="zh-CN" dirty="0" smtClean="0"/>
-              <a:t>False.</a:t>
-            </a:r>
-          </a:p>
-          <a:p>
-            <a:r>
-              <a:rPr lang="zh-CN" altLang="en-US" dirty="0" smtClean="0"/>
-              <a:t>默认参数必须中参数列表的最后</a:t>
-            </a:r>
-            <a:endParaRPr lang="en-US" altLang="zh-CN" dirty="0" smtClean="0"/>
-          </a:p>
-          <a:p>
-            <a:r>
-              <a:rPr lang="zh-CN" altLang="en-US" dirty="0" smtClean="0"/>
-              <a:t>按</a:t>
-            </a:r>
-            <a:r>
-              <a:rPr lang="en-US" altLang="zh-CN" dirty="0" smtClean="0"/>
-              <a:t>key</a:t>
-            </a:r>
-            <a:r>
-              <a:rPr lang="zh-CN" altLang="en-US" dirty="0" smtClean="0"/>
-              <a:t>方式调用函数</a:t>
-            </a:r>
-            <a:endParaRPr lang="en-US" altLang="zh-CN" dirty="0" smtClean="0"/>
-          </a:p>
-          <a:p>
-            <a:r>
-              <a:rPr lang="en-US" altLang="zh-CN" dirty="0" err="1" smtClean="0"/>
-              <a:t>writeDb</a:t>
-            </a:r>
-            <a:r>
-              <a:rPr lang="en-US" altLang="zh-CN" dirty="0" smtClean="0"/>
-              <a:t>(‘</a:t>
-            </a:r>
-            <a:r>
-              <a:rPr lang="en-US" altLang="zh-CN" dirty="0" err="1" smtClean="0"/>
-              <a:t>out.db</a:t>
-            </a:r>
-            <a:r>
-              <a:rPr lang="en-US" altLang="zh-CN" dirty="0" smtClean="0"/>
-              <a:t>’)</a:t>
-            </a:r>
-          </a:p>
-          <a:p>
-            <a:r>
-              <a:rPr lang="en-US" altLang="zh-CN" dirty="0" err="1"/>
-              <a:t>writeDb</a:t>
-            </a:r>
-            <a:r>
-              <a:rPr lang="en-US" altLang="zh-CN" dirty="0"/>
-              <a:t>(‘out.</a:t>
-            </a:r>
-            <a:r>
-              <a:rPr lang="en-US" altLang="zh-CN" dirty="0" err="1"/>
-              <a:t>db</a:t>
-            </a:r>
-            <a:r>
-              <a:rPr lang="en-US" altLang="zh-CN" dirty="0" smtClean="0"/>
-              <a:t>’,True)</a:t>
-            </a:r>
-          </a:p>
-          <a:p>
-            <a:r>
-              <a:rPr lang="en-US" altLang="zh-CN" dirty="0" err="1"/>
-              <a:t>writeDb</a:t>
-            </a:r>
-            <a:r>
-              <a:rPr lang="en-US" altLang="zh-CN" dirty="0"/>
-              <a:t>(‘out.</a:t>
-            </a:r>
-            <a:r>
-              <a:rPr lang="en-US" altLang="zh-CN" dirty="0" err="1"/>
-              <a:t>db</a:t>
-            </a:r>
-            <a:r>
-              <a:rPr lang="en-US" altLang="zh-CN" dirty="0"/>
-              <a:t>’,</a:t>
-            </a:r>
-            <a:r>
-              <a:rPr lang="en-US" altLang="zh-CN" dirty="0" err="1" smtClean="0"/>
-              <a:t>True,True</a:t>
-            </a:r>
-            <a:r>
-              <a:rPr lang="en-US" altLang="zh-CN" dirty="0" smtClean="0"/>
-              <a:t>)</a:t>
-            </a:r>
-          </a:p>
-          <a:p>
-            <a:r>
-              <a:rPr lang="en-US" altLang="zh-CN" dirty="0" err="1"/>
-              <a:t>writeDb</a:t>
-            </a:r>
-            <a:r>
-              <a:rPr lang="en-US" altLang="zh-CN" dirty="0"/>
-              <a:t>(‘out.</a:t>
-            </a:r>
-            <a:r>
-              <a:rPr lang="en-US" altLang="zh-CN" dirty="0" err="1"/>
-              <a:t>db</a:t>
-            </a:r>
-            <a:r>
-              <a:rPr lang="en-US" altLang="zh-CN" dirty="0" smtClean="0"/>
-              <a:t>’,</a:t>
-            </a:r>
-            <a:r>
-              <a:rPr lang="en-US" altLang="zh-CN" dirty="0" err="1" smtClean="0"/>
-              <a:t>isAppend</a:t>
-            </a:r>
-            <a:r>
-              <a:rPr lang="en-US" altLang="zh-CN" dirty="0" smtClean="0"/>
-              <a:t>=True)#</a:t>
-            </a:r>
-            <a:r>
-              <a:rPr lang="zh-CN" altLang="en-US" dirty="0" smtClean="0"/>
-              <a:t>类似</a:t>
-            </a:r>
-            <a:r>
-              <a:rPr lang="en-US" altLang="zh-CN" dirty="0" smtClean="0"/>
-              <a:t>R</a:t>
-            </a:r>
-            <a:r>
-              <a:rPr lang="zh-CN" altLang="en-US" dirty="0" smtClean="0"/>
-              <a:t>里面函数的调用</a:t>
-            </a:r>
-            <a:endParaRPr lang="en-US" altLang="zh-CN" dirty="0" smtClean="0"/>
-          </a:p>
-          <a:p>
-            <a:r>
-              <a:rPr lang="zh-CN" altLang="en-US" dirty="0" smtClean="0"/>
-              <a:t>函数参数列表中参数如果没有默认值，就必须在调用时全部给定。</a:t>
-            </a:r>
-            <a:endParaRPr lang="en-US" altLang="zh-CN" dirty="0"/>
-          </a:p>
-          <a:p>
-            <a:endParaRPr lang="en-US" altLang="zh-CN" dirty="0"/>
-          </a:p>
-          <a:p>
-            <a:endParaRPr lang="en-US" altLang="zh-CN" dirty="0" smtClean="0"/>
-          </a:p>
-          <a:p>
-            <a:endParaRPr lang="en-US" altLang="zh-CN" dirty="0"/>
-          </a:p>
-          <a:p>
-            <a:endParaRPr lang="zh-CN" altLang="en-US" dirty="0"/>
+          <a:bodyPr/>
+          <a:lstStyle/>
+          <a:p>
+            <a:r>
+              <a:rPr lang="zh-CN" altLang="zh-CN" dirty="0">
+                <a:latin typeface="Calibri" charset="0"/>
+                <a:ea typeface="宋体" charset="-122"/>
+              </a:rPr>
+              <a:t>给定一个</a:t>
+            </a:r>
+            <a:r>
+              <a:rPr lang="en-GB" altLang="zh-CN" dirty="0" err="1">
+                <a:latin typeface="Calibri" charset="0"/>
+              </a:rPr>
+              <a:t>url</a:t>
+            </a:r>
+            <a:r>
+              <a:rPr lang="zh-CN" altLang="zh-CN" dirty="0">
+                <a:latin typeface="Calibri" charset="0"/>
+                <a:ea typeface="宋体" charset="-122"/>
+              </a:rPr>
+              <a:t>列表下载并保存</a:t>
+            </a:r>
+            <a:r>
+              <a:rPr lang="zh-CN" altLang="zh-CN" dirty="0" smtClean="0">
+                <a:latin typeface="Calibri" charset="0"/>
+                <a:ea typeface="宋体" charset="-122"/>
+              </a:rPr>
+              <a:t>为</a:t>
+            </a:r>
+            <a:r>
+              <a:rPr lang="en-US" altLang="zh-CN" dirty="0" err="1" smtClean="0">
+                <a:latin typeface="Calibri" charset="0"/>
+                <a:ea typeface="宋体" charset="-122"/>
+              </a:rPr>
+              <a:t>bz</a:t>
+            </a:r>
+            <a:r>
+              <a:rPr lang="zh-CN" altLang="zh-CN" dirty="0" smtClean="0">
+                <a:latin typeface="Calibri" charset="0"/>
+                <a:ea typeface="宋体" charset="-122"/>
+              </a:rPr>
+              <a:t>压缩</a:t>
+            </a:r>
+            <a:r>
+              <a:rPr lang="zh-CN" altLang="zh-CN" dirty="0">
+                <a:latin typeface="Calibri" charset="0"/>
+                <a:ea typeface="宋体" charset="-122"/>
+              </a:rPr>
+              <a:t>的</a:t>
+            </a:r>
+            <a:r>
+              <a:rPr lang="en-GB" altLang="zh-CN" dirty="0">
+                <a:latin typeface="Calibri" charset="0"/>
+              </a:rPr>
+              <a:t>BDB</a:t>
+            </a:r>
+            <a:r>
+              <a:rPr lang="zh-CN" altLang="zh-CN" dirty="0" smtClean="0">
+                <a:latin typeface="Calibri" charset="0"/>
+                <a:ea typeface="宋体" charset="-122"/>
+              </a:rPr>
+              <a:t>格式</a:t>
+            </a:r>
+            <a:endParaRPr lang="zh-CN" altLang="zh-CN" dirty="0">
+              <a:latin typeface="Calibri" charset="0"/>
+              <a:ea typeface="宋体" charset="-122"/>
+            </a:endParaRPr>
           </a:p>
         </p:txBody>
       </p:sp>
     </p:spTree>
     <p:extLst>
       <p:ext uri="{BB962C8B-B14F-4D97-AF65-F5344CB8AC3E}">
-        <p14:creationId xmlns:p14="http://schemas.microsoft.com/office/powerpoint/2010/main" val="4014589790"/>
+        <p14:creationId xmlns:p14="http://schemas.microsoft.com/office/powerpoint/2010/main" val="1652432062"/>
       </p:ext>
     </p:extLst>
   </p:cSld>
@@ -6209,8 +6024,8 @@
               <a:t>小结</a:t>
             </a:r>
             <a:r>
-              <a:rPr lang="en-US" altLang="zh-CN" dirty="0" smtClean="0"/>
-              <a:t>(3)</a:t>
+              <a:rPr lang="en-US" altLang="zh-CN" dirty="0"/>
+              <a:t>(1)</a:t>
             </a:r>
             <a:endParaRPr lang="zh-CN" altLang="en-US" dirty="0"/>
           </a:p>
@@ -6229,178 +6044,193 @@
         <p:spPr/>
         <p:txBody>
           <a:bodyPr>
-            <a:normAutofit fontScale="85000" lnSpcReduction="20000"/>
+            <a:normAutofit fontScale="92500" lnSpcReduction="20000"/>
           </a:bodyPr>
           <a:lstStyle/>
           <a:p>
             <a:r>
+              <a:rPr lang="zh-CN" altLang="en-US" dirty="0" smtClean="0"/>
+              <a:t>多文件编写脚本</a:t>
+            </a:r>
+            <a:endParaRPr lang="en-US" altLang="zh-CN" dirty="0" smtClean="0"/>
+          </a:p>
+          <a:p>
+            <a:r>
+              <a:rPr lang="zh-CN" altLang="en-US" dirty="0" smtClean="0"/>
+              <a:t>在文件</a:t>
+            </a:r>
+            <a:r>
+              <a:rPr lang="en-US" altLang="zh-CN" dirty="0" smtClean="0"/>
+              <a:t>B.py</a:t>
+            </a:r>
+            <a:r>
+              <a:rPr lang="zh-CN" altLang="en-US" dirty="0" smtClean="0"/>
+              <a:t>中要调用文件</a:t>
+            </a:r>
+            <a:r>
+              <a:rPr lang="en-US" altLang="zh-CN" dirty="0" smtClean="0"/>
+              <a:t>A.py</a:t>
+            </a:r>
+            <a:r>
+              <a:rPr lang="zh-CN" altLang="en-US" dirty="0" smtClean="0"/>
+              <a:t>的函数</a:t>
+            </a:r>
+            <a:r>
+              <a:rPr lang="en-US" altLang="zh-CN" dirty="0" smtClean="0"/>
+              <a:t>/</a:t>
+            </a:r>
+            <a:r>
+              <a:rPr lang="zh-CN" altLang="en-US" dirty="0" smtClean="0"/>
+              <a:t>类为</a:t>
+            </a:r>
+            <a:r>
+              <a:rPr lang="en-US" altLang="zh-CN" dirty="0" smtClean="0"/>
+              <a:t>name</a:t>
+            </a:r>
+            <a:r>
+              <a:rPr lang="zh-CN" altLang="en-US" dirty="0" smtClean="0"/>
+              <a:t>，需要</a:t>
+            </a:r>
+            <a:r>
+              <a:rPr lang="en-US" altLang="zh-CN" dirty="0" smtClean="0"/>
+              <a:t>import A,</a:t>
+            </a:r>
+            <a:r>
+              <a:rPr lang="zh-CN" altLang="en-US" dirty="0" smtClean="0"/>
+              <a:t>然后可以使用</a:t>
+            </a:r>
+            <a:r>
+              <a:rPr lang="en-US" altLang="zh-CN" dirty="0" smtClean="0"/>
+              <a:t>A.name()</a:t>
+            </a:r>
+            <a:r>
+              <a:rPr lang="zh-CN" altLang="en-US" dirty="0" smtClean="0"/>
+              <a:t>来调用。或者</a:t>
+            </a:r>
+            <a:r>
+              <a:rPr lang="en-US" altLang="zh-CN" dirty="0" smtClean="0"/>
+              <a:t>from A import name </a:t>
+            </a:r>
+            <a:r>
+              <a:rPr lang="zh-CN" altLang="en-US" dirty="0" smtClean="0"/>
+              <a:t>可以直接在</a:t>
+            </a:r>
+            <a:r>
+              <a:rPr lang="en-US" altLang="zh-CN" dirty="0" smtClean="0"/>
+              <a:t>B</a:t>
+            </a:r>
+            <a:r>
+              <a:rPr lang="zh-CN" altLang="en-US" dirty="0" smtClean="0"/>
+              <a:t>里调用</a:t>
+            </a:r>
+            <a:r>
+              <a:rPr lang="en-US" altLang="zh-CN" dirty="0" smtClean="0"/>
+              <a:t>name()</a:t>
+            </a:r>
+            <a:r>
+              <a:rPr lang="zh-CN" altLang="en-US" dirty="0" smtClean="0"/>
+              <a:t>，但是如果</a:t>
+            </a:r>
+            <a:r>
+              <a:rPr lang="en-US" altLang="zh-CN" dirty="0" smtClean="0"/>
+              <a:t>B</a:t>
+            </a:r>
+            <a:r>
+              <a:rPr lang="zh-CN" altLang="en-US" dirty="0" smtClean="0"/>
+              <a:t>中也有名为</a:t>
+            </a:r>
+            <a:r>
+              <a:rPr lang="en-US" altLang="zh-CN" dirty="0" smtClean="0"/>
+              <a:t>name</a:t>
+            </a:r>
+            <a:r>
+              <a:rPr lang="zh-CN" altLang="en-US" dirty="0" smtClean="0"/>
+              <a:t>的函数时，要使用</a:t>
+            </a:r>
+            <a:r>
+              <a:rPr lang="en-US" altLang="zh-CN" dirty="0" smtClean="0"/>
+              <a:t>A</a:t>
+            </a:r>
+            <a:r>
+              <a:rPr lang="zh-CN" altLang="en-US" dirty="0" smtClean="0"/>
+              <a:t>的函数</a:t>
+            </a:r>
+            <a:r>
+              <a:rPr lang="en-US" altLang="zh-CN" dirty="0" smtClean="0"/>
+              <a:t>name</a:t>
+            </a:r>
+            <a:r>
+              <a:rPr lang="zh-CN" altLang="en-US" dirty="0" smtClean="0"/>
+              <a:t>必须采用前一种方法。</a:t>
+            </a:r>
+            <a:endParaRPr lang="en-US" altLang="zh-CN" dirty="0" smtClean="0"/>
+          </a:p>
+          <a:p>
+            <a:r>
+              <a:rPr lang="zh-CN" altLang="en-US" dirty="0" smtClean="0"/>
+              <a:t>函数区分</a:t>
+            </a:r>
+            <a:r>
+              <a:rPr lang="en-US" altLang="zh-CN" dirty="0" smtClean="0"/>
+              <a:t>,</a:t>
+            </a:r>
+            <a:r>
+              <a:rPr lang="zh-CN" altLang="en-US" dirty="0" smtClean="0"/>
+              <a:t>仅仅按照函数名来区分，返回结果或不同参数传递都不能区分</a:t>
+            </a:r>
+            <a:r>
+              <a:rPr lang="en-US" altLang="zh-CN" dirty="0" smtClean="0"/>
+              <a:t>2</a:t>
+            </a:r>
+            <a:r>
+              <a:rPr lang="zh-CN" altLang="en-US" dirty="0" smtClean="0"/>
+              <a:t>个函数。</a:t>
+            </a:r>
+            <a:endParaRPr lang="en-US" altLang="zh-CN" dirty="0" smtClean="0"/>
+          </a:p>
+          <a:p>
+            <a:r>
+              <a:rPr lang="en-US" altLang="zh-CN" dirty="0" err="1"/>
+              <a:t>d</a:t>
+            </a:r>
+            <a:r>
               <a:rPr lang="en-US" altLang="zh-CN" dirty="0" err="1" smtClean="0"/>
-              <a:t>bdb</a:t>
-            </a:r>
-            <a:r>
-              <a:rPr lang="zh-CN" altLang="en-US" dirty="0" smtClean="0"/>
-              <a:t>使用</a:t>
-            </a:r>
-            <a:br>
-              <a:rPr lang="zh-CN" altLang="en-US" dirty="0" smtClean="0"/>
-            </a:br>
-            <a:r>
-              <a:rPr lang="en-US" altLang="zh-CN" dirty="0" err="1"/>
-              <a:t>bsddb.btopen</a:t>
-            </a:r>
-            <a:r>
-              <a:rPr lang="en-US" altLang="zh-CN" dirty="0"/>
-              <a:t>(</a:t>
-            </a:r>
-            <a:r>
-              <a:rPr lang="en-US" altLang="zh-CN" dirty="0" err="1"/>
-              <a:t>inFile,flag</a:t>
-            </a:r>
-            <a:r>
-              <a:rPr lang="en-US" altLang="zh-CN" dirty="0" smtClean="0"/>
-              <a:t>=‘c’)</a:t>
-            </a:r>
-          </a:p>
-          <a:p>
-            <a:r>
-              <a:rPr lang="zh-CN" altLang="en-US" dirty="0" smtClean="0"/>
-              <a:t>使用</a:t>
-            </a:r>
-            <a:r>
-              <a:rPr lang="en-US" altLang="zh-CN" dirty="0" smtClean="0"/>
-              <a:t>b-tree</a:t>
-            </a:r>
-            <a:r>
-              <a:rPr lang="zh-CN" altLang="en-US" dirty="0" smtClean="0"/>
-              <a:t>的方式来创建</a:t>
+              <a:t>ef</a:t>
+            </a:r>
+            <a:r>
+              <a:rPr lang="en-US" altLang="zh-CN" dirty="0" smtClean="0"/>
+              <a:t> name():  </a:t>
             </a:r>
             <a:r>
               <a:rPr lang="en-US" altLang="zh-CN" dirty="0" err="1" smtClean="0"/>
-              <a:t>bdb</a:t>
-            </a:r>
-            <a:r>
-              <a:rPr lang="zh-CN" altLang="en-US" dirty="0" smtClean="0"/>
-              <a:t>。如无特殊要求一般采用</a:t>
-            </a:r>
-            <a:r>
-              <a:rPr lang="en-US" altLang="zh-CN" dirty="0" smtClean="0"/>
-              <a:t>b-tree</a:t>
-            </a:r>
-            <a:r>
-              <a:rPr lang="zh-CN" altLang="en-US" dirty="0" smtClean="0"/>
-              <a:t>方式</a:t>
+              <a:t>def</a:t>
+            </a:r>
+            <a:r>
+              <a:rPr lang="en-US" altLang="zh-CN" dirty="0" smtClean="0"/>
+              <a:t> name(arg1):</a:t>
+            </a:r>
+            <a:r>
+              <a:rPr lang="zh-CN" altLang="en-US" dirty="0" smtClean="0"/>
+              <a:t>是无法区分的</a:t>
             </a:r>
             <a:endParaRPr lang="en-US" altLang="zh-CN" dirty="0" smtClean="0"/>
           </a:p>
           <a:p>
             <a:r>
-              <a:rPr lang="en-US" altLang="zh-CN" dirty="0" err="1"/>
-              <a:t>b</a:t>
-            </a:r>
-            <a:r>
-              <a:rPr lang="en-US" altLang="zh-CN" dirty="0" err="1" smtClean="0"/>
-              <a:t>db</a:t>
-            </a:r>
-            <a:r>
-              <a:rPr lang="zh-CN" altLang="en-US" dirty="0" smtClean="0"/>
-              <a:t>可以看成是一个</a:t>
-            </a:r>
-            <a:r>
-              <a:rPr lang="en-US" altLang="zh-CN" dirty="0" err="1" smtClean="0"/>
-              <a:t>dict</a:t>
-            </a:r>
-            <a:r>
-              <a:rPr lang="en-US" altLang="zh-CN" dirty="0" smtClean="0"/>
-              <a:t>,</a:t>
-            </a:r>
-            <a:r>
-              <a:rPr lang="zh-CN" altLang="en-US" dirty="0" smtClean="0"/>
-              <a:t>但是在</a:t>
-            </a:r>
-            <a:r>
-              <a:rPr lang="en-US" altLang="zh-CN" dirty="0" smtClean="0"/>
-              <a:t>b-tree</a:t>
-            </a:r>
-            <a:r>
-              <a:rPr lang="zh-CN" altLang="en-US" dirty="0" smtClean="0"/>
-              <a:t>模式要求</a:t>
-            </a:r>
-            <a:r>
-              <a:rPr lang="en-US" altLang="zh-CN" dirty="0" smtClean="0"/>
-              <a:t>key</a:t>
-            </a:r>
-            <a:r>
-              <a:rPr lang="zh-CN" altLang="en-US" dirty="0" smtClean="0"/>
-              <a:t>和</a:t>
-            </a:r>
-            <a:r>
-              <a:rPr lang="en-US" altLang="zh-CN" dirty="0" smtClean="0"/>
-              <a:t>value</a:t>
-            </a:r>
-            <a:r>
-              <a:rPr lang="zh-CN" altLang="en-US" dirty="0" smtClean="0"/>
-              <a:t>为</a:t>
-            </a:r>
-            <a:r>
-              <a:rPr lang="en-US" altLang="zh-CN" dirty="0" smtClean="0"/>
-              <a:t>string/bytes</a:t>
-            </a:r>
-            <a:r>
-              <a:rPr lang="zh-CN" altLang="en-US" dirty="0" smtClean="0"/>
-              <a:t>。</a:t>
+              <a:rPr lang="zh-CN" altLang="en-US" dirty="0" smtClean="0"/>
+              <a:t>在</a:t>
+            </a:r>
+            <a:r>
+              <a:rPr lang="en-US" altLang="zh-CN" dirty="0" smtClean="0"/>
+              <a:t>python</a:t>
+            </a:r>
+            <a:r>
+              <a:rPr lang="zh-CN" altLang="en-US" dirty="0" smtClean="0"/>
+              <a:t>无法区分的函数，是语法错误</a:t>
             </a:r>
             <a:endParaRPr lang="en-US" altLang="zh-CN" dirty="0" smtClean="0"/>
           </a:p>
           <a:p>
-            <a:r>
-              <a:rPr lang="en-US" altLang="zh-CN" dirty="0" err="1"/>
-              <a:t>b</a:t>
-            </a:r>
-            <a:r>
-              <a:rPr lang="en-US" altLang="zh-CN" dirty="0" err="1" smtClean="0"/>
-              <a:t>zip</a:t>
-            </a:r>
-            <a:r>
-              <a:rPr lang="zh-CN" altLang="en-US" dirty="0" smtClean="0"/>
-              <a:t>使用</a:t>
-            </a:r>
-            <a:endParaRPr lang="en-US" altLang="zh-CN" dirty="0" smtClean="0"/>
-          </a:p>
-          <a:p>
-            <a:r>
-              <a:rPr lang="en-US" altLang="zh-CN" dirty="0" smtClean="0"/>
-              <a:t>bz2.compress()      bz2.decompress()</a:t>
-            </a:r>
-          </a:p>
-          <a:p>
-            <a:r>
-              <a:rPr lang="zh-CN" altLang="en-US" dirty="0" smtClean="0"/>
-              <a:t>要求输入为</a:t>
-            </a:r>
-            <a:r>
-              <a:rPr lang="en-US" altLang="zh-CN" dirty="0" smtClean="0"/>
-              <a:t>bytes/string</a:t>
-            </a:r>
-            <a:r>
-              <a:rPr lang="zh-CN" altLang="en-US" dirty="0" smtClean="0"/>
-              <a:t>。这里采用一次性在内存里压缩</a:t>
-            </a:r>
-            <a:r>
-              <a:rPr lang="en-US" altLang="zh-CN" dirty="0" smtClean="0"/>
-              <a:t>/</a:t>
-            </a:r>
-            <a:r>
-              <a:rPr lang="zh-CN" altLang="en-US" dirty="0" smtClean="0"/>
-              <a:t>解压的方法。若文件</a:t>
-            </a:r>
-            <a:r>
-              <a:rPr lang="en-US" altLang="zh-CN" dirty="0" smtClean="0"/>
-              <a:t>/</a:t>
-            </a:r>
-            <a:r>
-              <a:rPr lang="zh-CN" altLang="en-US" dirty="0" smtClean="0"/>
-              <a:t>对象过大，需要采用流的方式。</a:t>
-            </a:r>
             <a:endParaRPr lang="zh-CN" altLang="en-US" dirty="0"/>
           </a:p>
         </p:txBody>
@@ -6408,7 +6238,7 @@
     </p:spTree>
     <p:extLst>
       <p:ext uri="{BB962C8B-B14F-4D97-AF65-F5344CB8AC3E}">
-        <p14:creationId xmlns:p14="http://schemas.microsoft.com/office/powerpoint/2010/main" val="1684651028"/>
+        <p14:creationId xmlns:p14="http://schemas.microsoft.com/office/powerpoint/2010/main" val="1731545112"/>
       </p:ext>
     </p:extLst>
   </p:cSld>
@@ -6463,7 +6293,7 @@
             </a:r>
             <a:r>
               <a:rPr lang="en-US" altLang="zh-CN" dirty="0" smtClean="0"/>
-              <a:t>(4)</a:t>
+              <a:t>(2)</a:t>
             </a:r>
             <a:endParaRPr lang="zh-CN" altLang="en-US" dirty="0"/>
           </a:p>
@@ -6482,143 +6312,226 @@
         <p:spPr/>
         <p:txBody>
           <a:bodyPr>
-            <a:normAutofit lnSpcReduction="10000"/>
+            <a:normAutofit fontScale="77500" lnSpcReduction="20000"/>
           </a:bodyPr>
           <a:lstStyle/>
           <a:p>
             <a:r>
+              <a:rPr lang="zh-CN" altLang="en-US" dirty="0" smtClean="0"/>
+              <a:t>使用函数默认值</a:t>
+            </a:r>
+            <a:endParaRPr lang="en-US" altLang="zh-CN" dirty="0" smtClean="0"/>
+          </a:p>
+          <a:p>
+            <a:r>
+              <a:rPr lang="en-US" altLang="zh-CN" dirty="0" err="1"/>
+              <a:t>def</a:t>
+            </a:r>
+            <a:r>
+              <a:rPr lang="en-US" altLang="zh-CN" dirty="0"/>
+              <a:t> </a:t>
+            </a:r>
+            <a:r>
+              <a:rPr lang="en-US" altLang="zh-CN" dirty="0" err="1"/>
+              <a:t>writeDb</a:t>
+            </a:r>
+            <a:r>
+              <a:rPr lang="en-US" altLang="zh-CN" dirty="0"/>
+              <a:t>(</a:t>
+            </a:r>
+            <a:r>
+              <a:rPr lang="en-US" altLang="zh-CN" dirty="0" err="1"/>
+              <a:t>outFile</a:t>
+            </a:r>
+            <a:r>
+              <a:rPr lang="en-US" altLang="zh-CN" dirty="0"/>
+              <a:t>, </a:t>
+            </a:r>
+            <a:r>
+              <a:rPr lang="en-US" altLang="zh-CN" dirty="0" err="1"/>
+              <a:t>isOverWrite</a:t>
+            </a:r>
+            <a:r>
+              <a:rPr lang="en-US" altLang="zh-CN" dirty="0"/>
+              <a:t>=False, </a:t>
+            </a:r>
+            <a:r>
+              <a:rPr lang="en-US" altLang="zh-CN" dirty="0" err="1"/>
+              <a:t>isAppend</a:t>
+            </a:r>
+            <a:r>
+              <a:rPr lang="en-US" altLang="zh-CN" dirty="0"/>
+              <a:t>=False</a:t>
+            </a:r>
+            <a:r>
+              <a:rPr lang="en-US" altLang="zh-CN" dirty="0" smtClean="0"/>
+              <a:t>): </a:t>
+            </a:r>
+            <a:r>
+              <a:rPr lang="zh-CN" altLang="en-US" dirty="0" smtClean="0"/>
+              <a:t>即</a:t>
+            </a:r>
+            <a:r>
               <a:rPr lang="en-US" altLang="zh-CN" dirty="0" err="1" smtClean="0"/>
-              <a:t>url</a:t>
-            </a:r>
-            <a:r>
-              <a:rPr lang="zh-CN" altLang="en-US" dirty="0" smtClean="0"/>
-              <a:t>下载</a:t>
+              <a:t>isOverWrite</a:t>
+            </a:r>
+            <a:r>
+              <a:rPr lang="zh-CN" altLang="en-US" dirty="0" smtClean="0"/>
+              <a:t>和</a:t>
+            </a:r>
+            <a:r>
+              <a:rPr lang="en-US" altLang="zh-CN" dirty="0" err="1" smtClean="0"/>
+              <a:t>isAppend</a:t>
+            </a:r>
+            <a:r>
+              <a:rPr lang="zh-CN" altLang="en-US" dirty="0" smtClean="0"/>
+              <a:t>不给定时，默认为</a:t>
+            </a:r>
+            <a:r>
+              <a:rPr lang="en-US" altLang="zh-CN" dirty="0" smtClean="0"/>
+              <a:t>False.</a:t>
+            </a:r>
+          </a:p>
+          <a:p>
+            <a:r>
+              <a:rPr lang="zh-CN" altLang="en-US" dirty="0" smtClean="0"/>
+              <a:t>默认参数必须中参数列表的最后</a:t>
             </a:r>
             <a:endParaRPr lang="en-US" altLang="zh-CN" dirty="0" smtClean="0"/>
           </a:p>
           <a:p>
             <a:r>
-              <a:rPr lang="en-US" altLang="zh-CN" dirty="0" smtClean="0"/>
-              <a:t>sock=urllib2.urlopen(</a:t>
-            </a:r>
+              <a:rPr lang="zh-CN" altLang="en-US" dirty="0" smtClean="0"/>
+              <a:t>按</a:t>
+            </a:r>
+            <a:r>
+              <a:rPr lang="en-US" altLang="zh-CN" dirty="0" smtClean="0"/>
+              <a:t>key</a:t>
+            </a:r>
+            <a:r>
+              <a:rPr lang="zh-CN" altLang="en-US" dirty="0" smtClean="0"/>
+              <a:t>方式调用函数</a:t>
+            </a:r>
+            <a:endParaRPr lang="en-US" altLang="zh-CN" dirty="0" smtClean="0"/>
+          </a:p>
+          <a:p>
             <a:r>
               <a:rPr lang="en-US" altLang="zh-CN" dirty="0" err="1" smtClean="0"/>
-              <a:t>url,timeout</a:t>
-            </a:r>
-            <a:r>
-              <a:rPr lang="en-US" altLang="zh-CN" dirty="0" smtClean="0"/>
-              <a:t>=timeout)</a:t>
-            </a:r>
-          </a:p>
-          <a:p>
-            <a:r>
-              <a:rPr lang="zh-CN" altLang="en-US" dirty="0" smtClean="0"/>
-              <a:t>与服务器建立链接</a:t>
-            </a:r>
-            <a:r>
-              <a:rPr lang="en-US" altLang="zh-CN" dirty="0" smtClean="0"/>
-              <a:t>timeout</a:t>
-            </a:r>
-            <a:r>
-              <a:rPr lang="zh-CN" altLang="en-US" dirty="0" smtClean="0"/>
-              <a:t>必须足够大，取决于网络链接速度，一般为</a:t>
-            </a:r>
-            <a:r>
-              <a:rPr lang="en-US" altLang="zh-CN" dirty="0" smtClean="0"/>
-              <a:t>10-30s</a:t>
-            </a:r>
-          </a:p>
-          <a:p>
-            <a:r>
-              <a:rPr lang="en-US" altLang="zh-CN" dirty="0"/>
-              <a:t>page= </a:t>
-            </a:r>
+              <a:t>writeDb</a:t>
+            </a:r>
+            <a:r>
+              <a:rPr lang="en-US" altLang="zh-CN" dirty="0" smtClean="0"/>
+              <a:t>(‘</a:t>
+            </a:r>
+            <a:r>
+              <a:rPr lang="en-US" altLang="zh-CN" dirty="0" err="1" smtClean="0"/>
+              <a:t>out.db</a:t>
+            </a:r>
+            <a:r>
+              <a:rPr lang="en-US" altLang="zh-CN" dirty="0" smtClean="0"/>
+              <a:t>’)</a:t>
+            </a:r>
+          </a:p>
+          <a:p>
             <a:r>
               <a:rPr lang="en-US" altLang="zh-CN" dirty="0" err="1"/>
-              <a:t>sock.read</a:t>
-            </a:r>
-            <a:r>
-              <a:rPr lang="en-US" altLang="zh-CN" dirty="0" smtClean="0"/>
-              <a:t>() </a:t>
-            </a:r>
-            <a:r>
-              <a:rPr lang="zh-CN" altLang="en-US" dirty="0" smtClean="0"/>
-              <a:t>按流方式下载</a:t>
+              <a:t>writeDb</a:t>
+            </a:r>
+            <a:r>
+              <a:rPr lang="en-US" altLang="zh-CN" dirty="0"/>
+              <a:t>(‘out.</a:t>
+            </a:r>
+            <a:r>
+              <a:rPr lang="en-US" altLang="zh-CN" dirty="0" err="1"/>
+              <a:t>db</a:t>
+            </a:r>
+            <a:r>
+              <a:rPr lang="en-US" altLang="zh-CN" dirty="0" smtClean="0"/>
+              <a:t>’,True)</a:t>
+            </a:r>
+          </a:p>
+          <a:p>
+            <a:r>
+              <a:rPr lang="en-US" altLang="zh-CN" dirty="0" err="1"/>
+              <a:t>writeDb</a:t>
+            </a:r>
+            <a:r>
+              <a:rPr lang="en-US" altLang="zh-CN" dirty="0"/>
+              <a:t>(‘out.</a:t>
+            </a:r>
+            <a:r>
+              <a:rPr lang="en-US" altLang="zh-CN" dirty="0" err="1"/>
+              <a:t>db</a:t>
+            </a:r>
+            <a:r>
+              <a:rPr lang="en-US" altLang="zh-CN" dirty="0"/>
+              <a:t>’,</a:t>
             </a:r>
             <a:r>
               <a:rPr lang="en-US" altLang="zh-CN" dirty="0" err="1" smtClean="0"/>
-              <a:t>url</a:t>
-            </a:r>
-            <a:r>
-              <a:rPr lang="zh-CN" altLang="en-US" dirty="0" smtClean="0"/>
-              <a:t>到内存并保存为</a:t>
-            </a:r>
-            <a:r>
-              <a:rPr lang="en-US" altLang="zh-CN" dirty="0" smtClean="0"/>
-              <a:t>page</a:t>
-            </a:r>
-          </a:p>
-          <a:p>
-            <a:r>
-              <a:rPr lang="zh-CN" altLang="en-US" dirty="0" smtClean="0"/>
-              <a:t>对于写入硬盘对象</a:t>
-            </a:r>
-            <a:r>
-              <a:rPr lang="en-US" altLang="zh-CN" dirty="0" smtClean="0"/>
-              <a:t>,</a:t>
-            </a:r>
-            <a:r>
-              <a:rPr lang="zh-CN" altLang="en-US" dirty="0" smtClean="0"/>
-              <a:t>不再使用时最好采用</a:t>
-            </a:r>
-            <a:r>
-              <a:rPr lang="en-US" altLang="zh-CN" dirty="0" smtClean="0"/>
-              <a:t>close()</a:t>
-            </a:r>
-            <a:r>
-              <a:rPr lang="zh-CN" altLang="en-US" dirty="0" smtClean="0"/>
-              <a:t>里保证写入完成。</a:t>
-            </a:r>
-            <a:r>
-              <a:rPr lang="en-US" altLang="zh-CN" dirty="0" smtClean="0"/>
-              <a:t>(</a:t>
-            </a:r>
-            <a:r>
-              <a:rPr lang="zh-CN" altLang="en-US" dirty="0"/>
-              <a:t>防止</a:t>
-            </a:r>
-            <a:r>
-              <a:rPr lang="zh-CN" altLang="en-US" dirty="0" smtClean="0"/>
-              <a:t>突然断电的情况</a:t>
-            </a:r>
-            <a:r>
-              <a:rPr lang="en-US" altLang="zh-CN" dirty="0" smtClean="0"/>
-              <a:t>) </a:t>
-            </a:r>
-            <a:r>
-              <a:rPr lang="zh-CN" altLang="en-US" dirty="0" smtClean="0"/>
-              <a:t>如</a:t>
+              <a:t>True,True</a:t>
+            </a:r>
+            <a:r>
+              <a:rPr lang="en-US" altLang="zh-CN" dirty="0" smtClean="0"/>
+              <a:t>)</a:t>
+            </a:r>
+          </a:p>
+          <a:p>
+            <a:r>
+              <a:rPr lang="en-US" altLang="zh-CN" dirty="0" err="1"/>
+              <a:t>writeDb</a:t>
+            </a:r>
+            <a:r>
+              <a:rPr lang="en-US" altLang="zh-CN" dirty="0"/>
+              <a:t>(‘out.</a:t>
+            </a:r>
+            <a:r>
+              <a:rPr lang="en-US" altLang="zh-CN" dirty="0" err="1"/>
+              <a:t>db</a:t>
+            </a:r>
+            <a:r>
+              <a:rPr lang="en-US" altLang="zh-CN" dirty="0" smtClean="0"/>
+              <a:t>’,</a:t>
             </a:r>
             <a:r>
               <a:rPr lang="en-US" altLang="zh-CN" dirty="0" err="1" smtClean="0"/>
-              <a:t>dbd.close</a:t>
-            </a:r>
-            <a:r>
-              <a:rPr lang="en-US" altLang="zh-CN" dirty="0" smtClean="0"/>
-              <a:t>() </a:t>
-            </a:r>
-            <a:r>
-              <a:rPr lang="zh-CN" altLang="en-US" dirty="0" smtClean="0"/>
-              <a:t>文件</a:t>
-            </a:r>
-            <a:r>
-              <a:rPr lang="en-US" altLang="zh-CN" dirty="0" err="1" smtClean="0"/>
-              <a:t>w.close</a:t>
-            </a:r>
-            <a:r>
-              <a:rPr lang="en-US" altLang="zh-CN" dirty="0" smtClean="0"/>
-              <a:t>()</a:t>
-            </a:r>
+              <a:t>isAppend</a:t>
+            </a:r>
+            <a:r>
+              <a:rPr lang="en-US" altLang="zh-CN" dirty="0" smtClean="0"/>
+              <a:t>=True)#</a:t>
+            </a:r>
+            <a:r>
+              <a:rPr lang="zh-CN" altLang="en-US" dirty="0" smtClean="0"/>
+              <a:t>类似</a:t>
+            </a:r>
+            <a:r>
+              <a:rPr lang="en-US" altLang="zh-CN" dirty="0" smtClean="0"/>
+              <a:t>R</a:t>
+            </a:r>
+            <a:r>
+              <a:rPr lang="zh-CN" altLang="en-US" dirty="0" smtClean="0"/>
+              <a:t>里面函数的调用</a:t>
+            </a:r>
+            <a:endParaRPr lang="en-US" altLang="zh-CN" dirty="0" smtClean="0"/>
+          </a:p>
+          <a:p>
+            <a:r>
+              <a:rPr lang="zh-CN" altLang="en-US" dirty="0" smtClean="0"/>
+              <a:t>函数参数列表中参数如果没有默认值，就必须在调用时全部给定。</a:t>
+            </a:r>
+            <a:endParaRPr lang="en-US" altLang="zh-CN" dirty="0"/>
+          </a:p>
+          <a:p>
+            <a:endParaRPr lang="en-US" altLang="zh-CN" dirty="0"/>
+          </a:p>
+          <a:p>
+            <a:endParaRPr lang="en-US" altLang="zh-CN" dirty="0" smtClean="0"/>
+          </a:p>
+          <a:p>
+            <a:endParaRPr lang="en-US" altLang="zh-CN" dirty="0"/>
+          </a:p>
+          <a:p>
             <a:endParaRPr lang="zh-CN" altLang="en-US" dirty="0"/>
           </a:p>
         </p:txBody>
@@ -6626,7 +6539,7 @@
     </p:spTree>
     <p:extLst>
       <p:ext uri="{BB962C8B-B14F-4D97-AF65-F5344CB8AC3E}">
-        <p14:creationId xmlns:p14="http://schemas.microsoft.com/office/powerpoint/2010/main" val="637519190"/>
+        <p14:creationId xmlns:p14="http://schemas.microsoft.com/office/powerpoint/2010/main" val="4014589790"/>
       </p:ext>
     </p:extLst>
   </p:cSld>
@@ -6676,16 +6589,12 @@
           <a:lstStyle/>
           <a:p>
             <a:r>
-              <a:rPr lang="en-GB" altLang="zh-CN" dirty="0"/>
-              <a:t>Example </a:t>
-            </a:r>
-            <a:r>
-              <a:rPr lang="en-GB" altLang="zh-CN" dirty="0" smtClean="0"/>
-              <a:t>0</a:t>
-            </a:r>
-            <a:r>
-              <a:rPr lang="en-US" altLang="zh-CN" dirty="0" smtClean="0"/>
-              <a:t>7</a:t>
+              <a:rPr lang="zh-CN" altLang="en-US" dirty="0"/>
+              <a:t>小结</a:t>
+            </a:r>
+            <a:r>
+              <a:rPr lang="en-US" altLang="zh-CN" dirty="0" smtClean="0"/>
+              <a:t>(3)</a:t>
             </a:r>
             <a:endParaRPr lang="zh-CN" altLang="en-US" dirty="0"/>
           </a:p>
@@ -6703,121 +6612,179 @@
         </p:nvSpPr>
         <p:spPr/>
         <p:txBody>
-          <a:bodyPr/>
+          <a:bodyPr>
+            <a:normAutofit fontScale="85000" lnSpcReduction="20000"/>
+          </a:bodyPr>
           <a:lstStyle/>
           <a:p>
             <a:r>
               <a:rPr lang="en-US" altLang="zh-CN" dirty="0" err="1" smtClean="0"/>
-              <a:t>Sina</a:t>
-            </a:r>
-            <a:r>
-              <a:rPr lang="en-US" altLang="zh-CN" dirty="0" smtClean="0"/>
-              <a:t> </a:t>
+              <a:t>bdb</a:t>
+            </a:r>
+            <a:r>
+              <a:rPr lang="zh-CN" altLang="en-US" dirty="0" smtClean="0"/>
+              <a:t>使用</a:t>
+            </a:r>
+            <a:br>
+              <a:rPr lang="zh-CN" altLang="en-US" dirty="0" smtClean="0"/>
+            </a:br>
+            <a:r>
+              <a:rPr lang="en-US" altLang="zh-CN" dirty="0" err="1"/>
+              <a:t>bsddb.btopen</a:t>
+            </a:r>
+            <a:r>
+              <a:rPr lang="en-US" altLang="zh-CN" dirty="0"/>
+              <a:t>(</a:t>
+            </a:r>
+            <a:r>
+              <a:rPr lang="en-US" altLang="zh-CN" dirty="0" err="1"/>
+              <a:t>inFile,flag</a:t>
+            </a:r>
+            <a:r>
+              <a:rPr lang="en-US" altLang="zh-CN" dirty="0" smtClean="0"/>
+              <a:t>=‘c’)</a:t>
+            </a:r>
+          </a:p>
+          <a:p>
+            <a:r>
+              <a:rPr lang="zh-CN" altLang="en-US" dirty="0" smtClean="0"/>
+              <a:t>使用</a:t>
+            </a:r>
+            <a:r>
+              <a:rPr lang="en-US" altLang="zh-CN" dirty="0" smtClean="0"/>
+              <a:t>b-tree</a:t>
+            </a:r>
+            <a:r>
+              <a:rPr lang="zh-CN" altLang="en-US" dirty="0" smtClean="0"/>
+              <a:t>的方式来创建</a:t>
             </a:r>
             <a:r>
               <a:rPr lang="en-US" altLang="zh-CN" dirty="0" err="1" smtClean="0"/>
-              <a:t>weibo</a:t>
-            </a:r>
-            <a:r>
-              <a:rPr lang="en-US" altLang="zh-CN" dirty="0" smtClean="0"/>
-              <a:t> SDK</a:t>
-            </a:r>
-            <a:r>
-              <a:rPr lang="zh-CN" altLang="en-US" dirty="0" smtClean="0"/>
-              <a:t>使用的例子</a:t>
+              <a:t>bdb</a:t>
+            </a:r>
+            <a:r>
+              <a:rPr lang="zh-CN" altLang="en-US" dirty="0" smtClean="0"/>
+              <a:t>。如无特殊要求一般采用</a:t>
+            </a:r>
+            <a:r>
+              <a:rPr lang="en-US" altLang="zh-CN" dirty="0" smtClean="0"/>
+              <a:t>b-tree</a:t>
+            </a:r>
+            <a:r>
+              <a:rPr lang="zh-CN" altLang="en-US" dirty="0" smtClean="0"/>
+              <a:t>方式</a:t>
             </a:r>
             <a:endParaRPr lang="en-US" altLang="zh-CN" dirty="0" smtClean="0"/>
           </a:p>
           <a:p>
             <a:r>
-              <a:rPr lang="en-US" altLang="zh-CN" dirty="0" smtClean="0"/>
-              <a:t>1.</a:t>
-            </a:r>
-            <a:r>
-              <a:rPr lang="zh-CN" altLang="en-US" dirty="0" smtClean="0"/>
-              <a:t>通过用户</a:t>
-            </a:r>
-            <a:r>
-              <a:rPr lang="en-US" altLang="zh-CN" dirty="0" smtClean="0"/>
-              <a:t>A</a:t>
-            </a:r>
-            <a:r>
-              <a:rPr lang="zh-CN" altLang="en-US" dirty="0" smtClean="0"/>
-              <a:t>授权一个</a:t>
-            </a:r>
-            <a:r>
-              <a:rPr lang="en-US" altLang="zh-CN" dirty="0" smtClean="0"/>
-              <a:t>app</a:t>
-            </a:r>
-            <a:r>
-              <a:rPr lang="zh-CN" altLang="en-US" dirty="0" smtClean="0"/>
-              <a:t>，来发微博并获取用户</a:t>
-            </a:r>
-            <a:r>
-              <a:rPr lang="en-US" altLang="zh-CN" dirty="0"/>
-              <a:t>A</a:t>
-            </a:r>
-            <a:r>
-              <a:rPr lang="zh-CN" altLang="en-US" dirty="0" smtClean="0"/>
-              <a:t>微博</a:t>
-            </a:r>
-            <a:r>
-              <a:rPr lang="zh-CN" altLang="en-US" dirty="0"/>
-              <a:t>最新</a:t>
-            </a:r>
-            <a:r>
-              <a:rPr lang="zh-CN" altLang="en-US" dirty="0" smtClean="0"/>
-              <a:t>发布的内容</a:t>
+              <a:rPr lang="en-US" altLang="zh-CN" dirty="0" err="1"/>
+              <a:t>b</a:t>
+            </a:r>
+            <a:r>
+              <a:rPr lang="en-US" altLang="zh-CN" dirty="0" err="1" smtClean="0"/>
+              <a:t>db</a:t>
+            </a:r>
+            <a:r>
+              <a:rPr lang="zh-CN" altLang="en-US" dirty="0" smtClean="0"/>
+              <a:t>可以看成是一个</a:t>
+            </a:r>
+            <a:r>
+              <a:rPr lang="en-US" altLang="zh-CN" dirty="0" err="1" smtClean="0"/>
+              <a:t>dict</a:t>
+            </a:r>
+            <a:r>
+              <a:rPr lang="en-US" altLang="zh-CN" dirty="0" smtClean="0"/>
+              <a:t>,</a:t>
+            </a:r>
+            <a:r>
+              <a:rPr lang="zh-CN" altLang="en-US" dirty="0" smtClean="0"/>
+              <a:t>但是在</a:t>
+            </a:r>
+            <a:r>
+              <a:rPr lang="en-US" altLang="zh-CN" dirty="0" smtClean="0"/>
+              <a:t>b-tree</a:t>
+            </a:r>
+            <a:r>
+              <a:rPr lang="zh-CN" altLang="en-US" dirty="0" smtClean="0"/>
+              <a:t>模式要求</a:t>
+            </a:r>
+            <a:r>
+              <a:rPr lang="en-US" altLang="zh-CN" dirty="0" smtClean="0"/>
+              <a:t>key</a:t>
+            </a:r>
+            <a:r>
+              <a:rPr lang="zh-CN" altLang="en-US" dirty="0" smtClean="0"/>
+              <a:t>和</a:t>
+            </a:r>
+            <a:r>
+              <a:rPr lang="en-US" altLang="zh-CN" dirty="0" smtClean="0"/>
+              <a:t>value</a:t>
+            </a:r>
+            <a:r>
+              <a:rPr lang="zh-CN" altLang="en-US" dirty="0" smtClean="0"/>
+              <a:t>为</a:t>
+            </a:r>
+            <a:r>
+              <a:rPr lang="en-US" altLang="zh-CN" dirty="0" smtClean="0"/>
+              <a:t>string/bytes</a:t>
+            </a:r>
+            <a:r>
+              <a:rPr lang="zh-CN" altLang="en-US" dirty="0" smtClean="0"/>
+              <a:t>。</a:t>
             </a:r>
             <a:endParaRPr lang="en-US" altLang="zh-CN" dirty="0" smtClean="0"/>
           </a:p>
           <a:p>
+            <a:r>
+              <a:rPr lang="en-US" altLang="zh-CN" dirty="0" err="1"/>
+              <a:t>b</a:t>
+            </a:r>
+            <a:r>
+              <a:rPr lang="en-US" altLang="zh-CN" dirty="0" err="1" smtClean="0"/>
+              <a:t>zip</a:t>
+            </a:r>
+            <a:r>
+              <a:rPr lang="zh-CN" altLang="en-US" dirty="0" smtClean="0"/>
+              <a:t>使用</a:t>
+            </a:r>
             <a:endParaRPr lang="en-US" altLang="zh-CN" dirty="0" smtClean="0"/>
           </a:p>
           <a:p>
             <a:r>
               <a:rPr lang="en-US" altLang="zh-CN" dirty="0" smtClean="0"/>
-              <a:t>2.</a:t>
-            </a:r>
-            <a:r>
-              <a:rPr lang="zh-CN" altLang="en-US" dirty="0" smtClean="0"/>
-              <a:t>通过</a:t>
-            </a:r>
-            <a:r>
-              <a:rPr lang="en-US" altLang="zh-CN" dirty="0" smtClean="0"/>
-              <a:t>app</a:t>
-            </a:r>
-            <a:r>
-              <a:rPr lang="zh-CN" altLang="en-US" dirty="0"/>
-              <a:t>，来获取用户</a:t>
-            </a:r>
-            <a:r>
-              <a:rPr lang="en-US" altLang="zh-CN" dirty="0"/>
-              <a:t>B</a:t>
-            </a:r>
-            <a:r>
-              <a:rPr lang="zh-CN" altLang="en-US" dirty="0"/>
-              <a:t>微博最新发布的</a:t>
-            </a:r>
-            <a:r>
-              <a:rPr lang="zh-CN" altLang="en-US" dirty="0" smtClean="0"/>
-              <a:t>内容</a:t>
-            </a:r>
-            <a:r>
-              <a:rPr lang="en-US" altLang="zh-CN" dirty="0" smtClean="0"/>
-              <a:t>(</a:t>
-            </a:r>
-            <a:r>
-              <a:rPr lang="zh-CN" altLang="en-US" dirty="0" smtClean="0"/>
-              <a:t>不需要用户登录信息</a:t>
-            </a:r>
-            <a:r>
-              <a:rPr lang="en-US" altLang="zh-CN" dirty="0" smtClean="0"/>
-              <a:t>)</a:t>
-            </a:r>
-            <a:endParaRPr lang="en-US" altLang="zh-CN" dirty="0"/>
-          </a:p>
-          <a:p>
+              <a:t>bz2.compress()      bz2.decompress()</a:t>
+            </a:r>
+          </a:p>
+          <a:p>
+            <a:r>
+              <a:rPr lang="zh-CN" altLang="en-US" dirty="0" smtClean="0"/>
+              <a:t>要求输入为</a:t>
+            </a:r>
+            <a:r>
+              <a:rPr lang="en-US" altLang="zh-CN" dirty="0" smtClean="0"/>
+              <a:t>bytes/string</a:t>
+            </a:r>
+            <a:r>
+              <a:rPr lang="zh-CN" altLang="en-US" dirty="0" smtClean="0"/>
+              <a:t>。这里采用一次性在内存里压缩</a:t>
+            </a:r>
+            <a:r>
+              <a:rPr lang="en-US" altLang="zh-CN" dirty="0" smtClean="0"/>
+              <a:t>/</a:t>
+            </a:r>
+            <a:r>
+              <a:rPr lang="zh-CN" altLang="en-US" dirty="0" smtClean="0"/>
+              <a:t>解压的方法。若文件</a:t>
+            </a:r>
+            <a:r>
+              <a:rPr lang="en-US" altLang="zh-CN" dirty="0" smtClean="0"/>
+              <a:t>/</a:t>
+            </a:r>
+            <a:r>
+              <a:rPr lang="zh-CN" altLang="en-US" dirty="0" smtClean="0"/>
+              <a:t>对象过大，需要采用流的方式。</a:t>
+            </a:r>
             <a:endParaRPr lang="zh-CN" altLang="en-US" dirty="0"/>
           </a:p>
         </p:txBody>
@@ -6825,7 +6792,7 @@
     </p:spTree>
     <p:extLst>
       <p:ext uri="{BB962C8B-B14F-4D97-AF65-F5344CB8AC3E}">
-        <p14:creationId xmlns:p14="http://schemas.microsoft.com/office/powerpoint/2010/main" val="2809217866"/>
+        <p14:creationId xmlns:p14="http://schemas.microsoft.com/office/powerpoint/2010/main" val="1684651028"/>
       </p:ext>
     </p:extLst>
   </p:cSld>
@@ -6880,7 +6847,7 @@
             </a:r>
             <a:r>
               <a:rPr lang="en-US" altLang="zh-CN" dirty="0" smtClean="0"/>
-              <a:t>(1)</a:t>
+              <a:t>(4)</a:t>
             </a:r>
             <a:endParaRPr lang="zh-CN" altLang="en-US" dirty="0"/>
           </a:p>
@@ -6899,240 +6866,151 @@
         <p:spPr/>
         <p:txBody>
           <a:bodyPr>
-            <a:normAutofit fontScale="92500" lnSpcReduction="20000"/>
+            <a:normAutofit lnSpcReduction="10000"/>
           </a:bodyPr>
           <a:lstStyle/>
           <a:p>
             <a:r>
-              <a:rPr lang="en-US" altLang="zh-CN" dirty="0" smtClean="0"/>
-              <a:t>OAuth1.0a</a:t>
-            </a:r>
-            <a:r>
-              <a:rPr lang="zh-CN" altLang="en-US" dirty="0" smtClean="0"/>
-              <a:t>用户认证的流程</a:t>
+              <a:rPr lang="en-US" altLang="zh-CN" dirty="0" err="1" smtClean="0"/>
+              <a:t>url</a:t>
+            </a:r>
+            <a:r>
+              <a:rPr lang="zh-CN" altLang="en-US" dirty="0" smtClean="0"/>
+              <a:t>下载</a:t>
             </a:r>
             <a:endParaRPr lang="en-US" altLang="zh-CN" dirty="0" smtClean="0"/>
           </a:p>
           <a:p>
             <a:r>
               <a:rPr lang="en-US" altLang="zh-CN" dirty="0" smtClean="0"/>
-              <a:t>1.</a:t>
-            </a:r>
-            <a:r>
-              <a:rPr lang="zh-CN" altLang="en-US" dirty="0" smtClean="0"/>
-              <a:t>通过</a:t>
+              <a:t>sock=urllib2.urlopen(</a:t>
             </a:r>
             <a:r>
               <a:rPr lang="en-US" altLang="zh-CN" dirty="0" err="1" smtClean="0"/>
-              <a:t>appKey</a:t>
-            </a:r>
-            <a:r>
-              <a:rPr lang="zh-CN" altLang="en-US" dirty="0" smtClean="0"/>
-              <a:t>由</a:t>
+              <a:t>url,timeout</a:t>
+            </a:r>
+            <a:r>
+              <a:rPr lang="en-US" altLang="zh-CN" dirty="0" smtClean="0"/>
+              <a:t>=timeout)</a:t>
+            </a:r>
+          </a:p>
+          <a:p>
+            <a:r>
+              <a:rPr lang="zh-CN" altLang="en-US" dirty="0" smtClean="0"/>
+              <a:t>与服务器建立链接</a:t>
+            </a:r>
+            <a:r>
+              <a:rPr lang="en-US" altLang="zh-CN" dirty="0" smtClean="0"/>
+              <a:t>timeout</a:t>
+            </a:r>
+            <a:r>
+              <a:rPr lang="zh-CN" altLang="en-US" dirty="0" smtClean="0"/>
+              <a:t>必须足够大，取决于网络链接速度，一般为</a:t>
+            </a:r>
+            <a:r>
+              <a:rPr lang="en-US" altLang="zh-CN" dirty="0" smtClean="0"/>
+              <a:t>10-30s</a:t>
+            </a:r>
+          </a:p>
+          <a:p>
+            <a:r>
+              <a:rPr lang="en-US" altLang="zh-CN" dirty="0"/>
+              <a:t>page= </a:t>
+            </a:r>
+            <a:r>
+              <a:rPr lang="en-US" altLang="zh-CN" dirty="0" err="1"/>
+              <a:t>sock.read</a:t>
+            </a:r>
+            <a:r>
+              <a:rPr lang="en-US" altLang="zh-CN" dirty="0" smtClean="0"/>
+              <a:t>() </a:t>
+            </a:r>
+            <a:r>
+              <a:rPr lang="zh-CN" altLang="en-US" dirty="0" smtClean="0"/>
+              <a:t>按流方式下载</a:t>
             </a:r>
             <a:r>
               <a:rPr lang="en-US" altLang="zh-CN" dirty="0" err="1" smtClean="0"/>
-              <a:t>sina</a:t>
-            </a:r>
-            <a:r>
-              <a:rPr lang="zh-CN" altLang="en-US" dirty="0" smtClean="0"/>
-              <a:t>给该</a:t>
-            </a:r>
-            <a:r>
-              <a:rPr lang="en-US" altLang="zh-CN" dirty="0" smtClean="0"/>
-              <a:t>app</a:t>
-            </a:r>
-            <a:r>
-              <a:rPr lang="zh-CN" altLang="en-US" dirty="0" smtClean="0"/>
-              <a:t>做认证</a:t>
-            </a:r>
-            <a:endParaRPr lang="en-US" altLang="zh-CN" dirty="0" smtClean="0"/>
-          </a:p>
-          <a:p>
-            <a:r>
-              <a:rPr lang="en-US" altLang="zh-CN" dirty="0" smtClean="0"/>
-              <a:t>2.</a:t>
-            </a:r>
-            <a:r>
-              <a:rPr lang="zh-CN" altLang="en-US" dirty="0" smtClean="0"/>
-              <a:t>获取</a:t>
-            </a:r>
-            <a:r>
-              <a:rPr lang="en-US" altLang="zh-CN" dirty="0" smtClean="0"/>
-              <a:t>app</a:t>
-            </a:r>
-            <a:r>
-              <a:rPr lang="zh-CN" altLang="en-US" dirty="0" smtClean="0"/>
-              <a:t>认证后</a:t>
+              <a:t>url</a:t>
+            </a:r>
+            <a:r>
+              <a:rPr lang="zh-CN" altLang="en-US" dirty="0" smtClean="0"/>
+              <a:t>到内存并保存为</a:t>
+            </a:r>
+            <a:r>
+              <a:rPr lang="en-US" altLang="zh-CN" dirty="0" smtClean="0"/>
+              <a:t>page</a:t>
+            </a:r>
+          </a:p>
+          <a:p>
+            <a:r>
+              <a:rPr lang="zh-CN" altLang="en-US" dirty="0" smtClean="0"/>
+              <a:t>对于写入硬盘对象</a:t>
             </a:r>
             <a:r>
               <a:rPr lang="en-US" altLang="zh-CN" dirty="0" smtClean="0"/>
               <a:t>,</a:t>
             </a:r>
             <a:r>
+              <a:rPr lang="zh-CN" altLang="en-US" dirty="0" smtClean="0"/>
+              <a:t>不再使用时最好采用</a:t>
+            </a:r>
+            <a:r>
+              <a:rPr lang="en-US" altLang="zh-CN" dirty="0" smtClean="0"/>
+              <a:t>close()</a:t>
+            </a:r>
+            <a:r>
+              <a:rPr lang="zh-CN" altLang="en-US" dirty="0" smtClean="0"/>
+              <a:t>里保证写入完成。</a:t>
+            </a:r>
+            <a:r>
+              <a:rPr lang="en-US" altLang="zh-CN" dirty="0" smtClean="0"/>
+              <a:t>(</a:t>
+            </a:r>
+            <a:r>
               <a:rPr lang="zh-CN" altLang="en-US" dirty="0"/>
-              <a:t>通过</a:t>
-            </a:r>
-            <a:r>
-              <a:rPr lang="en-US" altLang="zh-CN" dirty="0" smtClean="0"/>
-              <a:t>app</a:t>
-            </a:r>
-            <a:r>
-              <a:rPr lang="zh-CN" altLang="en-US" dirty="0" smtClean="0"/>
-              <a:t>提示用户对其</a:t>
-            </a:r>
-            <a:r>
-              <a:rPr lang="zh-CN" altLang="en-US" dirty="0"/>
-              <a:t>进行</a:t>
-            </a:r>
-            <a:r>
-              <a:rPr lang="zh-CN" altLang="en-US" dirty="0" smtClean="0"/>
-              <a:t>授权认证</a:t>
-            </a:r>
-            <a:r>
-              <a:rPr lang="en-US" altLang="zh-CN" dirty="0" smtClean="0"/>
-              <a:t>(</a:t>
-            </a:r>
-            <a:r>
-              <a:rPr lang="zh-CN" altLang="en-US" dirty="0" smtClean="0"/>
-              <a:t>基于</a:t>
+              <a:t>防止</a:t>
+            </a:r>
+            <a:r>
+              <a:rPr lang="zh-CN" altLang="en-US" dirty="0" smtClean="0"/>
+              <a:t>突然断电的情况</a:t>
+            </a:r>
+            <a:r>
+              <a:rPr lang="en-US" altLang="zh-CN" dirty="0" smtClean="0"/>
+              <a:t>) </a:t>
+            </a:r>
+            <a:r>
+              <a:rPr lang="zh-CN" altLang="en-US" dirty="0" smtClean="0"/>
+              <a:t>如</a:t>
             </a:r>
             <a:r>
               <a:rPr lang="en-US" altLang="zh-CN" dirty="0" err="1" smtClean="0"/>
-              <a:t>sina</a:t>
-            </a:r>
-            <a:r>
-              <a:rPr lang="en-US" altLang="zh-CN" dirty="0" smtClean="0"/>
-              <a:t> Web</a:t>
-            </a:r>
-            <a:r>
-              <a:rPr lang="zh-CN" altLang="en-US" dirty="0" smtClean="0"/>
-              <a:t>认证</a:t>
-            </a:r>
-            <a:r>
-              <a:rPr lang="en-US" altLang="zh-CN" dirty="0" smtClean="0"/>
-              <a:t>)</a:t>
-            </a:r>
-            <a:r>
-              <a:rPr lang="zh-CN" altLang="en-US" dirty="0" smtClean="0"/>
-              <a:t>。</a:t>
-            </a:r>
-            <a:endParaRPr lang="en-US" altLang="zh-CN" dirty="0" smtClean="0"/>
-          </a:p>
-          <a:p>
-            <a:r>
-              <a:rPr lang="en-US" altLang="zh-CN" dirty="0" smtClean="0"/>
-              <a:t>3.</a:t>
-            </a:r>
-            <a:r>
-              <a:rPr lang="zh-CN" altLang="en-US" dirty="0" smtClean="0"/>
-              <a:t>在</a:t>
-            </a:r>
-            <a:r>
-              <a:rPr lang="zh-CN" altLang="en-US" dirty="0"/>
-              <a:t>获取</a:t>
-            </a:r>
-            <a:r>
-              <a:rPr lang="zh-CN" altLang="en-US" dirty="0" smtClean="0"/>
-              <a:t>授权认证后</a:t>
-            </a:r>
-            <a:r>
-              <a:rPr lang="en-US" altLang="zh-CN" dirty="0" smtClean="0"/>
-              <a:t>,</a:t>
-            </a:r>
-            <a:r>
-              <a:rPr lang="zh-CN" altLang="en-US" dirty="0" smtClean="0"/>
-              <a:t>通过</a:t>
+              <a:t>dbd.close</a:t>
+            </a:r>
+            <a:r>
+              <a:rPr lang="en-US" altLang="zh-CN" dirty="0" smtClean="0"/>
+              <a:t>() </a:t>
+            </a:r>
+            <a:r>
+              <a:rPr lang="zh-CN" altLang="en-US" dirty="0" smtClean="0"/>
+              <a:t>文件</a:t>
             </a:r>
             <a:r>
               <a:rPr lang="en-US" altLang="zh-CN" dirty="0" err="1" smtClean="0"/>
-              <a:t>appKey</a:t>
-            </a:r>
-            <a:r>
-              <a:rPr lang="zh-CN" altLang="en-US" dirty="0" smtClean="0"/>
-              <a:t>获取</a:t>
-            </a:r>
-            <a:r>
-              <a:rPr lang="en-US" altLang="zh-CN" dirty="0" smtClean="0"/>
-              <a:t>app</a:t>
-            </a:r>
-            <a:r>
-              <a:rPr lang="zh-CN" altLang="en-US" dirty="0" smtClean="0"/>
-              <a:t>的代理访问认证</a:t>
-            </a:r>
-            <a:endParaRPr lang="en-US" altLang="zh-CN" dirty="0" smtClean="0"/>
-          </a:p>
-          <a:p>
-            <a:r>
-              <a:rPr lang="en-US" altLang="zh-CN" dirty="0" smtClean="0"/>
-              <a:t>OAuth1.0a</a:t>
-            </a:r>
-            <a:r>
-              <a:rPr lang="zh-CN" altLang="en-US" dirty="0" smtClean="0"/>
-              <a:t>的</a:t>
-            </a:r>
-            <a:r>
-              <a:rPr lang="zh-CN" altLang="en-US" dirty="0"/>
-              <a:t>代理访问</a:t>
-            </a:r>
-            <a:r>
-              <a:rPr lang="zh-CN" altLang="en-US" dirty="0" smtClean="0"/>
-              <a:t>认证有效期是长期有效</a:t>
-            </a:r>
-            <a:r>
-              <a:rPr lang="en-US" altLang="zh-CN" dirty="0" smtClean="0"/>
-              <a:t>,</a:t>
-            </a:r>
-            <a:r>
-              <a:rPr lang="zh-CN" altLang="en-US" dirty="0" smtClean="0"/>
-              <a:t>一直到用户取消为止</a:t>
-            </a:r>
-            <a:endParaRPr lang="en-US" altLang="zh-CN" dirty="0" smtClean="0"/>
-          </a:p>
-          <a:p>
-            <a:r>
-              <a:rPr lang="en-US" altLang="zh-CN" dirty="0" smtClean="0"/>
-              <a:t>OAuth2.0</a:t>
-            </a:r>
-            <a:r>
-              <a:rPr lang="zh-CN" altLang="en-US" dirty="0" smtClean="0"/>
-              <a:t>的</a:t>
-            </a:r>
-            <a:r>
-              <a:rPr lang="zh-CN" altLang="en-US" dirty="0"/>
-              <a:t>代理访问认证有效期</a:t>
-            </a:r>
-            <a:r>
-              <a:rPr lang="zh-CN" altLang="en-US" dirty="0" smtClean="0"/>
-              <a:t>是一段时间</a:t>
-            </a:r>
-            <a:r>
-              <a:rPr lang="en-US" altLang="zh-CN" dirty="0" smtClean="0"/>
-              <a:t>(24</a:t>
-            </a:r>
-            <a:r>
-              <a:rPr lang="zh-CN" altLang="en-US" dirty="0" smtClean="0"/>
-              <a:t>小时</a:t>
-            </a:r>
-            <a:r>
-              <a:rPr lang="en-US" altLang="zh-CN" dirty="0" smtClean="0"/>
-              <a:t>)</a:t>
-            </a:r>
-            <a:r>
-              <a:rPr lang="zh-CN" altLang="en-US" dirty="0" smtClean="0"/>
-              <a:t>后自动失效</a:t>
-            </a:r>
-            <a:endParaRPr lang="en-US" altLang="zh-CN" dirty="0" smtClean="0"/>
-          </a:p>
-          <a:p>
-            <a:endParaRPr lang="en-US" altLang="zh-CN" dirty="0"/>
+              <a:t>w.close</a:t>
+            </a:r>
+            <a:r>
+              <a:rPr lang="en-US" altLang="zh-CN" dirty="0" smtClean="0"/>
+              <a:t>()</a:t>
+            </a:r>
+            <a:endParaRPr lang="zh-CN" altLang="en-US" dirty="0"/>
           </a:p>
         </p:txBody>
       </p:sp>
     </p:spTree>
     <p:extLst>
       <p:ext uri="{BB962C8B-B14F-4D97-AF65-F5344CB8AC3E}">
-        <p14:creationId xmlns:p14="http://schemas.microsoft.com/office/powerpoint/2010/main" val="3703812406"/>
+        <p14:creationId xmlns:p14="http://schemas.microsoft.com/office/powerpoint/2010/main" val="637519190"/>
       </p:ext>
     </p:extLst>
   </p:cSld>
@@ -7182,217 +7060,148 @@
           <a:lstStyle/>
           <a:p>
             <a:r>
+              <a:rPr lang="en-GB" altLang="zh-CN" dirty="0"/>
+              <a:t>Example </a:t>
+            </a:r>
+            <a:r>
+              <a:rPr lang="en-GB" altLang="zh-CN" dirty="0" smtClean="0"/>
+              <a:t>0</a:t>
+            </a:r>
+            <a:r>
+              <a:rPr lang="en-US" altLang="zh-CN" dirty="0" smtClean="0"/>
+              <a:t>7</a:t>
+            </a:r>
+            <a:endParaRPr lang="zh-CN" altLang="en-US" dirty="0"/>
+          </a:p>
+        </p:txBody>
+      </p:sp>
+      <p:sp>
+        <p:nvSpPr>
+          <p:cNvPr id="3" name="内容占位符 2"/>
+          <p:cNvSpPr>
+            <a:spLocks noGrp="1"/>
+          </p:cNvSpPr>
+          <p:nvPr>
+            <p:ph idx="1"/>
+          </p:nvPr>
+        </p:nvSpPr>
+        <p:spPr/>
+        <p:txBody>
+          <a:bodyPr/>
+          <a:lstStyle/>
+          <a:p>
+            <a:r>
+              <a:rPr lang="en-US" altLang="zh-CN" dirty="0" err="1" smtClean="0"/>
+              <a:t>Sina</a:t>
+            </a:r>
+            <a:r>
+              <a:rPr lang="en-US" altLang="zh-CN" dirty="0" smtClean="0"/>
+              <a:t> </a:t>
+            </a:r>
+            <a:r>
+              <a:rPr lang="en-US" altLang="zh-CN" dirty="0" err="1" smtClean="0"/>
+              <a:t>weibo</a:t>
+            </a:r>
+            <a:r>
+              <a:rPr lang="en-US" altLang="zh-CN" dirty="0" smtClean="0"/>
+              <a:t> SDK</a:t>
+            </a:r>
+            <a:r>
+              <a:rPr lang="zh-CN" altLang="en-US" dirty="0" smtClean="0"/>
+              <a:t>使用的例子</a:t>
+            </a:r>
+            <a:endParaRPr lang="en-US" altLang="zh-CN" dirty="0" smtClean="0"/>
+          </a:p>
+          <a:p>
+            <a:r>
+              <a:rPr lang="en-US" altLang="zh-CN" dirty="0" smtClean="0"/>
+              <a:t>1.</a:t>
+            </a:r>
+            <a:r>
+              <a:rPr lang="zh-CN" altLang="en-US" dirty="0" smtClean="0"/>
+              <a:t>通过用户</a:t>
+            </a:r>
+            <a:r>
+              <a:rPr lang="en-US" altLang="zh-CN" dirty="0" smtClean="0"/>
+              <a:t>A</a:t>
+            </a:r>
+            <a:r>
+              <a:rPr lang="zh-CN" altLang="en-US" dirty="0" smtClean="0"/>
+              <a:t>授权一个</a:t>
+            </a:r>
+            <a:r>
+              <a:rPr lang="en-US" altLang="zh-CN" dirty="0" smtClean="0"/>
+              <a:t>app</a:t>
+            </a:r>
+            <a:r>
+              <a:rPr lang="zh-CN" altLang="en-US" dirty="0" smtClean="0"/>
+              <a:t>，来发微博并获取用户</a:t>
+            </a:r>
+            <a:r>
+              <a:rPr lang="en-US" altLang="zh-CN" dirty="0"/>
+              <a:t>A</a:t>
+            </a:r>
+            <a:r>
+              <a:rPr lang="zh-CN" altLang="en-US" dirty="0" smtClean="0"/>
+              <a:t>微博</a:t>
+            </a:r>
+            <a:r>
               <a:rPr lang="zh-CN" altLang="en-US" dirty="0"/>
-              <a:t>小结</a:t>
-            </a:r>
-            <a:r>
-              <a:rPr lang="en-US" altLang="zh-CN" dirty="0" smtClean="0"/>
-              <a:t>(2)</a:t>
-            </a:r>
-            <a:endParaRPr lang="zh-CN" altLang="en-US" dirty="0"/>
-          </a:p>
-        </p:txBody>
-      </p:sp>
-      <p:sp>
-        <p:nvSpPr>
-          <p:cNvPr id="3" name="内容占位符 2"/>
-          <p:cNvSpPr>
-            <a:spLocks noGrp="1"/>
-          </p:cNvSpPr>
-          <p:nvPr>
-            <p:ph idx="1"/>
-          </p:nvPr>
-        </p:nvSpPr>
-        <p:spPr/>
-        <p:txBody>
-          <a:bodyPr>
-            <a:normAutofit fontScale="92500" lnSpcReduction="20000"/>
-          </a:bodyPr>
-          <a:lstStyle/>
-          <a:p>
-            <a:r>
-              <a:rPr lang="en-US" altLang="zh-CN" dirty="0" smtClean="0"/>
-              <a:t>1.app</a:t>
+              <a:t>最新</a:t>
+            </a:r>
+            <a:r>
+              <a:rPr lang="zh-CN" altLang="en-US" dirty="0" smtClean="0"/>
+              <a:t>发布的内容</a:t>
+            </a:r>
+            <a:endParaRPr lang="en-US" altLang="zh-CN" dirty="0" smtClean="0"/>
+          </a:p>
+          <a:p>
+            <a:endParaRPr lang="en-US" altLang="zh-CN" dirty="0" smtClean="0"/>
+          </a:p>
+          <a:p>
+            <a:r>
+              <a:rPr lang="en-US" altLang="zh-CN" dirty="0" smtClean="0"/>
+              <a:t>2.</a:t>
+            </a:r>
+            <a:r>
+              <a:rPr lang="zh-CN" altLang="en-US" dirty="0" smtClean="0"/>
+              <a:t>通过</a:t>
+            </a:r>
+            <a:r>
+              <a:rPr lang="en-US" altLang="zh-CN" dirty="0" smtClean="0"/>
+              <a:t>app</a:t>
             </a:r>
             <a:r>
               <a:rPr lang="zh-CN" altLang="en-US" dirty="0"/>
-              <a:t>认证</a:t>
-            </a:r>
-            <a:endParaRPr lang="en-US" altLang="zh-CN" dirty="0" smtClean="0"/>
-          </a:p>
-          <a:p>
-            <a:r>
-              <a:rPr lang="en-US" altLang="zh-CN" dirty="0" smtClean="0"/>
-              <a:t>client </a:t>
-            </a:r>
-            <a:r>
-              <a:rPr lang="en-US" altLang="zh-CN" dirty="0"/>
-              <a:t>= </a:t>
-            </a:r>
-            <a:r>
-              <a:rPr lang="en-US" altLang="zh-CN" dirty="0" err="1"/>
-              <a:t>APIClient</a:t>
-            </a:r>
-            <a:r>
-              <a:rPr lang="en-US" altLang="zh-CN" dirty="0"/>
+              <a:t>，来获取用户</a:t>
+            </a:r>
+            <a:r>
+              <a:rPr lang="en-US" altLang="zh-CN" dirty="0"/>
+              <a:t>B</a:t>
+            </a:r>
+            <a:r>
+              <a:rPr lang="zh-CN" altLang="en-US" dirty="0"/>
+              <a:t>微博最新发布的</a:t>
+            </a:r>
+            <a:r>
+              <a:rPr lang="zh-CN" altLang="en-US" dirty="0" smtClean="0"/>
+              <a:t>内容</a:t>
+            </a:r>
+            <a:r>
+              <a:rPr lang="en-US" altLang="zh-CN" dirty="0" smtClean="0"/>
               <a:t>(</a:t>
             </a:r>
             <a:r>
-              <a:rPr lang="en-US" altLang="zh-CN" dirty="0" err="1"/>
-              <a:t>app_key</a:t>
-            </a:r>
-            <a:r>
-              <a:rPr lang="en-US" altLang="zh-CN" dirty="0"/>
-              <a:t>=</a:t>
-            </a:r>
-            <a:r>
-              <a:rPr lang="en-US" altLang="zh-CN" dirty="0" err="1"/>
-              <a:t>appKey</a:t>
-            </a:r>
-            <a:r>
-              <a:rPr lang="en-US" altLang="zh-CN" dirty="0"/>
-              <a:t>, </a:t>
-            </a:r>
-            <a:r>
-              <a:rPr lang="en-US" altLang="zh-CN" dirty="0" err="1"/>
-              <a:t>app_secret</a:t>
-            </a:r>
-            <a:r>
-              <a:rPr lang="en-US" altLang="zh-CN" dirty="0"/>
-              <a:t>=</a:t>
-            </a:r>
-            <a:r>
-              <a:rPr lang="en-US" altLang="zh-CN" dirty="0" err="1"/>
-              <a:t>appSecret</a:t>
-            </a:r>
-            <a:r>
-              <a:rPr lang="en-US" altLang="zh-CN" dirty="0"/>
+              <a:rPr lang="zh-CN" altLang="en-US" dirty="0" smtClean="0"/>
+              <a:t>不需要用户登录信息</a:t>
+            </a:r>
+            <a:r>
+              <a:rPr lang="en-US" altLang="zh-CN" dirty="0" smtClean="0"/>
               <a:t>)</a:t>
             </a:r>
-          </a:p>
-          <a:p>
-            <a:r>
-              <a:rPr lang="en-US" altLang="zh-CN" dirty="0" err="1" smtClean="0"/>
-              <a:t>request_token</a:t>
-            </a:r>
-            <a:r>
-              <a:rPr lang="en-US" altLang="zh-CN" dirty="0" smtClean="0"/>
-              <a:t> </a:t>
-            </a:r>
-            <a:r>
-              <a:rPr lang="en-US" altLang="zh-CN" dirty="0"/>
-              <a:t>= </a:t>
-            </a:r>
-            <a:r>
-              <a:rPr lang="en-US" altLang="zh-CN" dirty="0" err="1"/>
-              <a:t>client.get_request_token</a:t>
-            </a:r>
-            <a:r>
-              <a:rPr lang="en-US" altLang="zh-CN" dirty="0" smtClean="0"/>
-              <a:t>()</a:t>
-            </a:r>
-          </a:p>
-          <a:p>
-            <a:r>
-              <a:rPr lang="en-US" altLang="zh-CN" dirty="0" smtClean="0"/>
-              <a:t>2.</a:t>
-            </a:r>
-            <a:r>
-              <a:rPr lang="zh-CN" altLang="en-US" dirty="0"/>
-              <a:t>授权认证</a:t>
-            </a:r>
-            <a:r>
-              <a:rPr lang="en-US" altLang="zh-CN" dirty="0" err="1" smtClean="0"/>
-              <a:t>url</a:t>
-            </a:r>
-            <a:r>
-              <a:rPr lang="en-US" altLang="zh-CN" dirty="0"/>
-              <a:t>="http://api.t.sina.com.cn/</a:t>
-            </a:r>
-            <a:r>
-              <a:rPr lang="en-US" altLang="zh-CN" dirty="0" err="1"/>
-              <a:t>oauth</a:t>
-            </a:r>
-            <a:r>
-              <a:rPr lang="en-US" altLang="zh-CN" dirty="0"/>
-              <a:t>/</a:t>
-            </a:r>
-            <a:r>
-              <a:rPr lang="en-US" altLang="zh-CN" dirty="0" err="1"/>
-              <a:t>authorize?oauth_token</a:t>
-            </a:r>
-            <a:r>
-              <a:rPr lang="en-US" altLang="zh-CN" dirty="0"/>
-              <a:t>=%s"%(</a:t>
-            </a:r>
-            <a:r>
-              <a:rPr lang="en-US" altLang="zh-CN" dirty="0" err="1"/>
-              <a:t>request_token.oauth_token</a:t>
-            </a:r>
-            <a:r>
-              <a:rPr lang="en-US" altLang="zh-CN" dirty="0"/>
-              <a:t>)</a:t>
-            </a:r>
-          </a:p>
-          <a:p>
-            <a:r>
-              <a:rPr lang="en-US" altLang="zh-CN" dirty="0" err="1" smtClean="0"/>
-              <a:t>webbrowser.open</a:t>
-            </a:r>
-            <a:r>
-              <a:rPr lang="en-US" altLang="zh-CN" dirty="0" smtClean="0"/>
-              <a:t>(</a:t>
-            </a:r>
-            <a:r>
-              <a:rPr lang="en-US" altLang="zh-CN" dirty="0" err="1" smtClean="0"/>
-              <a:t>url</a:t>
-            </a:r>
-            <a:r>
-              <a:rPr lang="en-US" altLang="zh-CN" dirty="0"/>
-              <a:t>)</a:t>
-            </a:r>
-          </a:p>
-          <a:p>
-            <a:r>
-              <a:rPr lang="en-US" altLang="zh-CN" dirty="0" err="1" smtClean="0"/>
-              <a:t>oauth_verifier</a:t>
-            </a:r>
-            <a:r>
-              <a:rPr lang="en-US" altLang="zh-CN" dirty="0" smtClean="0"/>
-              <a:t> </a:t>
-            </a:r>
-            <a:r>
-              <a:rPr lang="en-US" altLang="zh-CN" dirty="0"/>
-              <a:t>= </a:t>
-            </a:r>
-            <a:r>
-              <a:rPr lang="en-US" altLang="zh-CN" dirty="0" err="1"/>
-              <a:t>raw_input</a:t>
-            </a:r>
-            <a:r>
-              <a:rPr lang="en-US" altLang="zh-CN" dirty="0" smtClean="0"/>
-              <a:t>(‘PIN</a:t>
-            </a:r>
-            <a:r>
-              <a:rPr lang="en-US" altLang="zh-CN" dirty="0"/>
-              <a:t>: </a:t>
-            </a:r>
-            <a:r>
-              <a:rPr lang="en-US" altLang="zh-CN" dirty="0" smtClean="0"/>
-              <a:t>’).</a:t>
-            </a:r>
-            <a:r>
-              <a:rPr lang="en-US" altLang="zh-CN" dirty="0"/>
-              <a:t>strip</a:t>
-            </a:r>
-            <a:r>
-              <a:rPr lang="en-US" altLang="zh-CN" dirty="0" smtClean="0"/>
-              <a:t>()#</a:t>
-            </a:r>
-            <a:r>
-              <a:rPr lang="zh-CN" altLang="en-US" dirty="0" smtClean="0"/>
-              <a:t>获取授权认证码</a:t>
-            </a:r>
+            <a:endParaRPr lang="en-US" altLang="zh-CN" dirty="0"/>
+          </a:p>
+          <a:p>
             <a:endParaRPr lang="zh-CN" altLang="en-US" dirty="0"/>
           </a:p>
         </p:txBody>
@@ -7400,7 +7209,7 @@
     </p:spTree>
     <p:extLst>
       <p:ext uri="{BB962C8B-B14F-4D97-AF65-F5344CB8AC3E}">
-        <p14:creationId xmlns:p14="http://schemas.microsoft.com/office/powerpoint/2010/main" val="3108391682"/>
+        <p14:creationId xmlns:p14="http://schemas.microsoft.com/office/powerpoint/2010/main" val="2809217866"/>
       </p:ext>
     </p:extLst>
   </p:cSld>
@@ -7455,7 +7264,7 @@
             </a:r>
             <a:r>
               <a:rPr lang="en-US" altLang="zh-CN" dirty="0" smtClean="0"/>
-              <a:t>(3)</a:t>
+              <a:t>(1)</a:t>
             </a:r>
             <a:endParaRPr lang="zh-CN" altLang="en-US" dirty="0"/>
           </a:p>
@@ -7473,152 +7282,241 @@
         </p:nvSpPr>
         <p:spPr/>
         <p:txBody>
-          <a:bodyPr/>
-          <a:lstStyle/>
-          <a:p>
-            <a:r>
-              <a:rPr lang="en-US" altLang="zh-CN" dirty="0"/>
+          <a:bodyPr>
+            <a:normAutofit fontScale="92500" lnSpcReduction="20000"/>
+          </a:bodyPr>
+          <a:lstStyle/>
+          <a:p>
+            <a:r>
+              <a:rPr lang="en-US" altLang="zh-CN" dirty="0" smtClean="0"/>
+              <a:t>OAuth1.0a</a:t>
+            </a:r>
+            <a:r>
+              <a:rPr lang="zh-CN" altLang="en-US" dirty="0" smtClean="0"/>
+              <a:t>用户认证的流程</a:t>
+            </a:r>
+            <a:endParaRPr lang="en-US" altLang="zh-CN" dirty="0" smtClean="0"/>
+          </a:p>
+          <a:p>
+            <a:r>
+              <a:rPr lang="en-US" altLang="zh-CN" dirty="0" smtClean="0"/>
+              <a:t>1.</a:t>
+            </a:r>
+            <a:r>
+              <a:rPr lang="zh-CN" altLang="en-US" dirty="0" smtClean="0"/>
+              <a:t>通过</a:t>
+            </a:r>
+            <a:r>
+              <a:rPr lang="en-US" altLang="zh-CN" dirty="0" err="1" smtClean="0"/>
+              <a:t>appKey</a:t>
+            </a:r>
+            <a:r>
+              <a:rPr lang="zh-CN" altLang="en-US" dirty="0" smtClean="0"/>
+              <a:t>由</a:t>
+            </a:r>
+            <a:r>
+              <a:rPr lang="en-US" altLang="zh-CN" dirty="0" err="1" smtClean="0"/>
+              <a:t>sina</a:t>
+            </a:r>
+            <a:r>
+              <a:rPr lang="zh-CN" altLang="en-US" dirty="0" smtClean="0"/>
+              <a:t>给该</a:t>
+            </a:r>
+            <a:r>
+              <a:rPr lang="en-US" altLang="zh-CN" dirty="0" smtClean="0"/>
+              <a:t>app</a:t>
+            </a:r>
+            <a:r>
+              <a:rPr lang="zh-CN" altLang="en-US" dirty="0" smtClean="0"/>
+              <a:t>做认证</a:t>
+            </a:r>
+            <a:endParaRPr lang="en-US" altLang="zh-CN" dirty="0" smtClean="0"/>
+          </a:p>
+          <a:p>
+            <a:r>
+              <a:rPr lang="en-US" altLang="zh-CN" dirty="0" smtClean="0"/>
+              <a:t>2.</a:t>
+            </a:r>
+            <a:r>
+              <a:rPr lang="zh-CN" altLang="en-US" dirty="0" smtClean="0"/>
+              <a:t>获取</a:t>
+            </a:r>
+            <a:r>
+              <a:rPr lang="en-US" altLang="zh-CN" dirty="0" smtClean="0"/>
+              <a:t>app</a:t>
+            </a:r>
+            <a:r>
+              <a:rPr lang="zh-CN" altLang="en-US" dirty="0" smtClean="0"/>
+              <a:t>认证后</a:t>
+            </a:r>
+            <a:r>
+              <a:rPr lang="en-US" altLang="zh-CN" dirty="0" smtClean="0"/>
+              <a:t>,</a:t>
+            </a:r>
+            <a:r>
+              <a:rPr lang="zh-CN" altLang="en-US" dirty="0"/>
+              <a:t>通过</a:t>
+            </a:r>
+            <a:r>
+              <a:rPr lang="en-US" altLang="zh-CN" dirty="0" smtClean="0"/>
+              <a:t>app</a:t>
+            </a:r>
+            <a:r>
+              <a:rPr lang="zh-CN" altLang="en-US" dirty="0" smtClean="0"/>
+              <a:t>提示用户对其</a:t>
+            </a:r>
+            <a:r>
+              <a:rPr lang="zh-CN" altLang="en-US" dirty="0"/>
+              <a:t>进行</a:t>
+            </a:r>
+            <a:r>
+              <a:rPr lang="zh-CN" altLang="en-US" dirty="0" smtClean="0"/>
+              <a:t>授权认证</a:t>
+            </a:r>
+            <a:r>
+              <a:rPr lang="en-US" altLang="zh-CN" dirty="0" smtClean="0"/>
+              <a:t>(</a:t>
+            </a:r>
+            <a:r>
+              <a:rPr lang="zh-CN" altLang="en-US" dirty="0" smtClean="0"/>
+              <a:t>基于</a:t>
+            </a:r>
+            <a:r>
+              <a:rPr lang="en-US" altLang="zh-CN" dirty="0" err="1" smtClean="0"/>
+              <a:t>sina</a:t>
+            </a:r>
+            <a:r>
+              <a:rPr lang="en-US" altLang="zh-CN" dirty="0" smtClean="0"/>
+              <a:t> Web</a:t>
+            </a:r>
+            <a:r>
+              <a:rPr lang="zh-CN" altLang="en-US" dirty="0" smtClean="0"/>
+              <a:t>认证</a:t>
+            </a:r>
+            <a:r>
+              <a:rPr lang="en-US" altLang="zh-CN" dirty="0" smtClean="0"/>
+              <a:t>)</a:t>
+            </a:r>
+            <a:r>
+              <a:rPr lang="zh-CN" altLang="en-US" dirty="0" smtClean="0"/>
+              <a:t>。</a:t>
+            </a:r>
+            <a:endParaRPr lang="en-US" altLang="zh-CN" dirty="0" smtClean="0"/>
+          </a:p>
+          <a:p>
+            <a:r>
+              <a:rPr lang="en-US" altLang="zh-CN" dirty="0" smtClean="0"/>
               <a:t>3.</a:t>
             </a:r>
             <a:r>
+              <a:rPr lang="zh-CN" altLang="en-US" dirty="0" smtClean="0"/>
+              <a:t>在</a:t>
+            </a:r>
+            <a:r>
               <a:rPr lang="zh-CN" altLang="en-US" dirty="0"/>
-              <a:t>代理访问认证</a:t>
+              <a:t>获取</a:t>
+            </a:r>
+            <a:r>
+              <a:rPr lang="zh-CN" altLang="en-US" dirty="0" smtClean="0"/>
+              <a:t>授权认证后</a:t>
+            </a:r>
+            <a:r>
+              <a:rPr lang="en-US" altLang="zh-CN" dirty="0" smtClean="0"/>
+              <a:t>,</a:t>
+            </a:r>
+            <a:r>
+              <a:rPr lang="zh-CN" altLang="en-US" dirty="0" smtClean="0"/>
+              <a:t>通过</a:t>
+            </a:r>
+            <a:r>
+              <a:rPr lang="en-US" altLang="zh-CN" dirty="0" err="1" smtClean="0"/>
+              <a:t>appKey</a:t>
+            </a:r>
+            <a:r>
+              <a:rPr lang="zh-CN" altLang="en-US" dirty="0" smtClean="0"/>
+              <a:t>获取</a:t>
+            </a:r>
+            <a:r>
+              <a:rPr lang="en-US" altLang="zh-CN" dirty="0" smtClean="0"/>
+              <a:t>app</a:t>
+            </a:r>
+            <a:r>
+              <a:rPr lang="zh-CN" altLang="en-US" dirty="0" smtClean="0"/>
+              <a:t>的代理访问认证</a:t>
             </a:r>
             <a:endParaRPr lang="en-US" altLang="zh-CN" dirty="0" smtClean="0"/>
           </a:p>
           <a:p>
             <a:r>
-              <a:rPr lang="en-US" altLang="zh-CN" dirty="0" err="1" smtClean="0"/>
-              <a:t>request_token</a:t>
-            </a:r>
-            <a:r>
-              <a:rPr lang="en-US" altLang="zh-CN" dirty="0" smtClean="0"/>
-              <a:t> </a:t>
-            </a:r>
-            <a:r>
-              <a:rPr lang="en-US" altLang="zh-CN" dirty="0"/>
-              <a:t>= </a:t>
-            </a:r>
-            <a:r>
-              <a:rPr lang="en-US" altLang="zh-CN" dirty="0" err="1"/>
-              <a:t>OAuthToken</a:t>
-            </a:r>
-            <a:r>
-              <a:rPr lang="en-US" altLang="zh-CN" dirty="0"/>
-              <a:t>(</a:t>
-            </a:r>
-            <a:r>
-              <a:rPr lang="en-US" altLang="zh-CN" dirty="0" err="1"/>
-              <a:t>request_token.oauth_token</a:t>
-            </a:r>
-            <a:r>
-              <a:rPr lang="en-US" altLang="zh-CN" dirty="0"/>
-              <a:t>, </a:t>
-            </a:r>
-            <a:r>
-              <a:rPr lang="en-US" altLang="zh-CN" dirty="0" err="1"/>
-              <a:t>request_token.oauth_token_secret</a:t>
-            </a:r>
-            <a:r>
-              <a:rPr lang="en-US" altLang="zh-CN" dirty="0"/>
-              <a:t>, </a:t>
-            </a:r>
-            <a:r>
-              <a:rPr lang="en-US" altLang="zh-CN" dirty="0" err="1"/>
-              <a:t>oauth_verifier</a:t>
-            </a:r>
-            <a:r>
-              <a:rPr lang="en-US" altLang="zh-CN" dirty="0"/>
+              <a:rPr lang="en-US" altLang="zh-CN" dirty="0" smtClean="0"/>
+              <a:t>OAuth1.0a</a:t>
+            </a:r>
+            <a:r>
+              <a:rPr lang="zh-CN" altLang="en-US" dirty="0" smtClean="0"/>
+              <a:t>的</a:t>
+            </a:r>
+            <a:r>
+              <a:rPr lang="zh-CN" altLang="en-US" dirty="0"/>
+              <a:t>代理访问</a:t>
+            </a:r>
+            <a:r>
+              <a:rPr lang="zh-CN" altLang="en-US" dirty="0" smtClean="0"/>
+              <a:t>认证有效期是长期有效</a:t>
+            </a:r>
+            <a:r>
+              <a:rPr lang="en-US" altLang="zh-CN" dirty="0" smtClean="0"/>
+              <a:t>,</a:t>
+            </a:r>
+            <a:r>
+              <a:rPr lang="zh-CN" altLang="en-US" dirty="0" smtClean="0"/>
+              <a:t>一直到用户取消为止</a:t>
+            </a:r>
+            <a:endParaRPr lang="en-US" altLang="zh-CN" dirty="0" smtClean="0"/>
+          </a:p>
+          <a:p>
+            <a:r>
+              <a:rPr lang="en-US" altLang="zh-CN" dirty="0" smtClean="0"/>
+              <a:t>OAuth2.0</a:t>
+            </a:r>
+            <a:r>
+              <a:rPr lang="zh-CN" altLang="en-US" dirty="0" smtClean="0"/>
+              <a:t>的</a:t>
+            </a:r>
+            <a:r>
+              <a:rPr lang="zh-CN" altLang="en-US" dirty="0"/>
+              <a:t>代理访问认证有效期</a:t>
+            </a:r>
+            <a:r>
+              <a:rPr lang="zh-CN" altLang="en-US" dirty="0" smtClean="0"/>
+              <a:t>是一段时间</a:t>
+            </a:r>
+            <a:r>
+              <a:rPr lang="en-US" altLang="zh-CN" dirty="0" smtClean="0"/>
+              <a:t>(24</a:t>
+            </a:r>
+            <a:r>
+              <a:rPr lang="zh-CN" altLang="en-US" dirty="0" smtClean="0"/>
+              <a:t>小时</a:t>
+            </a:r>
+            <a:r>
+              <a:rPr lang="en-US" altLang="zh-CN" dirty="0" smtClean="0"/>
               <a:t>)</a:t>
             </a:r>
-          </a:p>
-          <a:p>
-            <a:r>
-              <a:rPr lang="en-US" altLang="zh-CN" dirty="0" smtClean="0"/>
-              <a:t>client </a:t>
-            </a:r>
-            <a:r>
-              <a:rPr lang="en-US" altLang="zh-CN" dirty="0"/>
-              <a:t>= </a:t>
-            </a:r>
-            <a:r>
-              <a:rPr lang="en-US" altLang="zh-CN" dirty="0" err="1"/>
-              <a:t>APIClient</a:t>
-            </a:r>
-            <a:r>
-              <a:rPr lang="en-US" altLang="zh-CN" dirty="0"/>
-              <a:t>(</a:t>
-            </a:r>
-            <a:r>
-              <a:rPr lang="en-US" altLang="zh-CN" dirty="0" err="1"/>
-              <a:t>app_key</a:t>
-            </a:r>
-            <a:r>
-              <a:rPr lang="en-US" altLang="zh-CN" dirty="0"/>
-              <a:t>=</a:t>
-            </a:r>
-            <a:r>
-              <a:rPr lang="en-US" altLang="zh-CN" dirty="0" err="1"/>
-              <a:t>appKey</a:t>
-            </a:r>
-            <a:r>
-              <a:rPr lang="en-US" altLang="zh-CN" dirty="0"/>
-              <a:t>, </a:t>
-            </a:r>
-            <a:r>
-              <a:rPr lang="en-US" altLang="zh-CN" dirty="0" err="1"/>
-              <a:t>app_secret</a:t>
-            </a:r>
-            <a:r>
-              <a:rPr lang="en-US" altLang="zh-CN" dirty="0"/>
-              <a:t>=</a:t>
-            </a:r>
-            <a:r>
-              <a:rPr lang="en-US" altLang="zh-CN" dirty="0" err="1"/>
-              <a:t>appSecret</a:t>
-            </a:r>
-            <a:r>
-              <a:rPr lang="en-US" altLang="zh-CN" dirty="0"/>
-              <a:t>, token=</a:t>
-            </a:r>
-            <a:r>
-              <a:rPr lang="en-US" altLang="zh-CN" dirty="0" err="1"/>
-              <a:t>request_token</a:t>
-            </a:r>
-            <a:r>
-              <a:rPr lang="en-US" altLang="zh-CN" dirty="0"/>
-              <a:t>)</a:t>
-            </a:r>
-          </a:p>
-          <a:p>
-            <a:r>
-              <a:rPr lang="en-US" altLang="zh-CN" dirty="0"/>
-              <a:t>        </a:t>
-            </a:r>
-            <a:r>
-              <a:rPr lang="en-US" altLang="zh-CN" dirty="0" err="1"/>
-              <a:t>access_token</a:t>
-            </a:r>
-            <a:r>
-              <a:rPr lang="en-US" altLang="zh-CN" dirty="0"/>
-              <a:t> = </a:t>
-            </a:r>
-            <a:r>
-              <a:rPr lang="en-US" altLang="zh-CN" dirty="0" err="1"/>
-              <a:t>client.get_access_token</a:t>
-            </a:r>
-            <a:r>
-              <a:rPr lang="en-US" altLang="zh-CN" dirty="0"/>
-              <a:t>()</a:t>
-            </a:r>
-            <a:endParaRPr lang="zh-CN" altLang="en-US" dirty="0"/>
+            <a:r>
+              <a:rPr lang="zh-CN" altLang="en-US" dirty="0" smtClean="0"/>
+              <a:t>后自动失效</a:t>
+            </a:r>
+            <a:endParaRPr lang="en-US" altLang="zh-CN" dirty="0" smtClean="0"/>
+          </a:p>
+          <a:p>
+            <a:endParaRPr lang="en-US" altLang="zh-CN" dirty="0"/>
           </a:p>
         </p:txBody>
       </p:sp>
     </p:spTree>
     <p:extLst>
       <p:ext uri="{BB962C8B-B14F-4D97-AF65-F5344CB8AC3E}">
-        <p14:creationId xmlns:p14="http://schemas.microsoft.com/office/powerpoint/2010/main" val="3108960493"/>
+        <p14:creationId xmlns:p14="http://schemas.microsoft.com/office/powerpoint/2010/main" val="3703812406"/>
       </p:ext>
     </p:extLst>
   </p:cSld>
@@ -7673,7 +7571,7 @@
             </a:r>
             <a:r>
               <a:rPr lang="en-US" altLang="zh-CN" dirty="0" smtClean="0"/>
-              <a:t>(4)</a:t>
+              <a:t>(2)</a:t>
             </a:r>
             <a:endParaRPr lang="zh-CN" altLang="en-US" dirty="0"/>
           </a:p>
@@ -7696,64 +7594,24 @@
           </a:bodyPr>
           <a:lstStyle/>
           <a:p>
-            <a:pPr marL="0" indent="0">
-              <a:buNone/>
-            </a:pPr>
-            <a:r>
-              <a:rPr lang="zh-CN" altLang="en-US" dirty="0" smtClean="0"/>
-              <a:t>使用</a:t>
-            </a:r>
-            <a:r>
-              <a:rPr lang="en-US" altLang="zh-CN" dirty="0" err="1" smtClean="0"/>
-              <a:t>appKey</a:t>
-            </a:r>
-            <a:r>
-              <a:rPr lang="zh-CN" altLang="en-US" dirty="0" smtClean="0"/>
-              <a:t>不要用户登录的方式查看某</a:t>
-            </a:r>
-            <a:r>
-              <a:rPr lang="en-US" altLang="zh-CN" dirty="0" smtClean="0"/>
-              <a:t>user</a:t>
-            </a:r>
-            <a:r>
-              <a:rPr lang="zh-CN" altLang="en-US" dirty="0" smtClean="0"/>
-              <a:t>的微博</a:t>
+            <a:r>
+              <a:rPr lang="en-US" altLang="zh-CN" dirty="0" smtClean="0"/>
+              <a:t>1.app</a:t>
+            </a:r>
+            <a:r>
+              <a:rPr lang="zh-CN" altLang="en-US" dirty="0"/>
+              <a:t>认证</a:t>
             </a:r>
             <a:endParaRPr lang="en-US" altLang="zh-CN" dirty="0" smtClean="0"/>
           </a:p>
           <a:p>
-            <a:pPr marL="0" indent="0">
-              <a:buNone/>
-            </a:pPr>
-            <a:r>
-              <a:rPr lang="zh-CN" altLang="en-US" dirty="0" smtClean="0"/>
-              <a:t>需要修改</a:t>
-            </a:r>
-            <a:r>
-              <a:rPr lang="en-US" altLang="zh-CN" dirty="0" smtClean="0"/>
-              <a:t>python </a:t>
-            </a:r>
-            <a:r>
-              <a:rPr lang="en-US" altLang="zh-CN" dirty="0" err="1" smtClean="0"/>
-              <a:t>sina</a:t>
-            </a:r>
-            <a:r>
-              <a:rPr lang="en-US" altLang="zh-CN" dirty="0" smtClean="0"/>
-              <a:t> SDK</a:t>
-            </a:r>
-            <a:r>
-              <a:rPr lang="zh-CN" altLang="en-US" dirty="0" smtClean="0"/>
-              <a:t>一小部分代码。之后按照以下步骤即可</a:t>
-            </a:r>
-            <a:endParaRPr lang="en-US" altLang="zh-CN" dirty="0" smtClean="0"/>
-          </a:p>
-          <a:p>
-            <a:pPr marL="0" indent="0">
-              <a:buNone/>
-            </a:pPr>
-            <a:r>
-              <a:rPr lang="en-US" altLang="zh-CN" dirty="0"/>
-              <a:t>client = </a:t>
+            <a:r>
+              <a:rPr lang="en-US" altLang="zh-CN" dirty="0" smtClean="0"/>
+              <a:t>client </a:t>
+            </a:r>
+            <a:r>
+              <a:rPr lang="en-US" altLang="zh-CN" dirty="0"/>
+              <a:t>= </a:t>
             </a:r>
             <a:r>
               <a:rPr lang="en-US" altLang="zh-CN" dirty="0" err="1"/>
@@ -7789,23 +7647,7 @@
             </a:r>
             <a:r>
               <a:rPr lang="en-US" altLang="zh-CN" dirty="0" err="1"/>
-              <a:t>appSecret,</a:t>
-            </a:r>
-            <a:r>
-              <a:rPr lang="en-US" altLang="zh-CN" dirty="0" err="1">
-                <a:solidFill>
-                  <a:srgbClr val="FF0000"/>
-                </a:solidFill>
-              </a:rPr>
-              <a:t>isAuthorization</a:t>
-            </a:r>
-            <a:r>
-              <a:rPr lang="en-US" altLang="zh-CN" dirty="0">
-                <a:solidFill>
-                  <a:srgbClr val="FF0000"/>
-                </a:solidFill>
-              </a:rPr>
-              <a:t>=False</a:t>
+              <a:t>appSecret</a:t>
             </a:r>
             <a:r>
               <a:rPr lang="en-US" altLang="zh-CN" dirty="0"/>
@@ -7813,82 +7655,127 @@
             </a:r>
           </a:p>
           <a:p>
-            <a:pPr marL="0" indent="0">
-              <a:buNone/>
-            </a:pPr>
-            <a:r>
-              <a:rPr lang="zh-CN" altLang="en-US" dirty="0" smtClean="0"/>
-              <a:t>通过</a:t>
-            </a:r>
-            <a:r>
-              <a:rPr lang="en-US" altLang="zh-CN" dirty="0" smtClean="0"/>
-              <a:t>client.get.statuses</a:t>
-            </a:r>
-            <a:r>
-              <a:rPr lang="en-US" altLang="zh-CN" dirty="0"/>
-              <a:t>__</a:t>
+            <a:r>
+              <a:rPr lang="en-US" altLang="zh-CN" dirty="0" err="1" smtClean="0"/>
+              <a:t>request_token</a:t>
+            </a:r>
+            <a:r>
+              <a:rPr lang="en-US" altLang="zh-CN" dirty="0" smtClean="0"/>
+              <a:t> </a:t>
+            </a:r>
+            <a:r>
+              <a:rPr lang="en-US" altLang="zh-CN" dirty="0"/>
+              <a:t>= </a:t>
             </a:r>
             <a:r>
               <a:rPr lang="en-US" altLang="zh-CN" dirty="0" err="1"/>
-              <a:t>user_timeline</a:t>
-            </a:r>
-            <a:r>
-              <a:rPr lang="en-US" altLang="zh-CN" dirty="0"/>
-              <a:t>(source=</a:t>
+              <a:t>client.get_request_token</a:t>
+            </a:r>
+            <a:r>
+              <a:rPr lang="en-US" altLang="zh-CN" dirty="0" smtClean="0"/>
+              <a:t>()</a:t>
+            </a:r>
+          </a:p>
+          <a:p>
+            <a:r>
+              <a:rPr lang="en-US" altLang="zh-CN" dirty="0" smtClean="0"/>
+              <a:t>2.</a:t>
+            </a:r>
+            <a:r>
+              <a:rPr lang="zh-CN" altLang="en-US" dirty="0"/>
+              <a:t>授权认证</a:t>
+            </a:r>
+            <a:r>
+              <a:rPr lang="en-US" altLang="zh-CN" dirty="0" err="1" smtClean="0"/>
+              <a:t>url</a:t>
+            </a:r>
+            <a:r>
+              <a:rPr lang="en-US" altLang="zh-CN" dirty="0"/>
+              <a:t>="http://api.t.sina.com.cn/</a:t>
             </a:r>
             <a:r>
               <a:rPr lang="en-US" altLang="zh-CN" dirty="0" err="1"/>
-              <a:t>appKey</a:t>
-            </a:r>
-            <a:r>
-              <a:rPr lang="en-US" altLang="zh-CN" dirty="0"/>
-              <a:t>, </a:t>
+              <a:t>oauth</a:t>
+            </a:r>
+            <a:r>
+              <a:rPr lang="en-US" altLang="zh-CN" dirty="0"/>
+              <a:t>/</a:t>
             </a:r>
             <a:r>
               <a:rPr lang="en-US" altLang="zh-CN" dirty="0" err="1"/>
-              <a:t>screen_name</a:t>
-            </a:r>
-            <a:r>
-              <a:rPr lang="en-US" altLang="zh-CN" dirty="0"/>
-              <a:t>=name</a:t>
-            </a:r>
-            <a:r>
-              <a:rPr lang="en-US" altLang="zh-CN" dirty="0" smtClean="0"/>
-              <a:t>) </a:t>
-            </a:r>
-            <a:r>
-              <a:rPr lang="zh-CN" altLang="en-US" dirty="0" smtClean="0"/>
-              <a:t>获取相关微博</a:t>
-            </a:r>
-            <a:endParaRPr lang="en-US" altLang="zh-CN" dirty="0" smtClean="0"/>
-          </a:p>
-          <a:p>
-            <a:pPr marL="0" indent="0">
-              <a:buNone/>
-            </a:pPr>
+              <a:t>authorize?oauth_token</a:t>
+            </a:r>
+            <a:r>
+              <a:rPr lang="en-US" altLang="zh-CN" dirty="0"/>
+              <a:t>=%s"%(</a:t>
+            </a:r>
+            <a:r>
+              <a:rPr lang="en-US" altLang="zh-CN" dirty="0" err="1"/>
+              <a:t>request_token.oauth_token</a:t>
+            </a:r>
+            <a:r>
+              <a:rPr lang="en-US" altLang="zh-CN" dirty="0"/>
+              <a:t>)</a:t>
+            </a:r>
+          </a:p>
+          <a:p>
             <a:r>
               <a:rPr lang="en-US" altLang="zh-CN" dirty="0" err="1" smtClean="0"/>
-              <a:t>Sina</a:t>
-            </a:r>
-            <a:r>
-              <a:rPr lang="zh-CN" altLang="en-US" dirty="0" smtClean="0"/>
-              <a:t>微博最多只能获取当前用户最新</a:t>
-            </a:r>
-            <a:r>
-              <a:rPr lang="en-US" altLang="zh-CN" dirty="0" smtClean="0"/>
-              <a:t>200</a:t>
-            </a:r>
-            <a:r>
-              <a:rPr lang="zh-CN" altLang="en-US" dirty="0" smtClean="0"/>
-              <a:t>条的信息</a:t>
-            </a:r>
-            <a:r>
-              <a:rPr lang="en-US" altLang="zh-CN" dirty="0" smtClean="0"/>
-              <a:t>,</a:t>
-            </a:r>
-            <a:r>
-              <a:rPr lang="zh-CN" altLang="en-US" dirty="0" smtClean="0"/>
-              <a:t>只能实时抓取</a:t>
+              <a:t>webbrowser.open</a:t>
+            </a:r>
+            <a:r>
+              <a:rPr lang="en-US" altLang="zh-CN" dirty="0" smtClean="0"/>
+              <a:t>(</a:t>
+            </a:r>
+            <a:r>
+              <a:rPr lang="en-US" altLang="zh-CN" dirty="0" err="1" smtClean="0"/>
+              <a:t>url</a:t>
+            </a:r>
+            <a:r>
+              <a:rPr lang="en-US" altLang="zh-CN" dirty="0"/>
+              <a:t>)</a:t>
+            </a:r>
+          </a:p>
+          <a:p>
+            <a:r>
+              <a:rPr lang="en-US" altLang="zh-CN" dirty="0" err="1" smtClean="0"/>
+              <a:t>oauth_verifier</a:t>
+            </a:r>
+            <a:r>
+              <a:rPr lang="en-US" altLang="zh-CN" dirty="0" smtClean="0"/>
+              <a:t> </a:t>
+            </a:r>
+            <a:r>
+              <a:rPr lang="en-US" altLang="zh-CN" dirty="0"/>
+              <a:t>= </a:t>
+            </a:r>
+            <a:r>
+              <a:rPr lang="en-US" altLang="zh-CN" dirty="0" err="1"/>
+              <a:t>raw_input</a:t>
+            </a:r>
+            <a:r>
+              <a:rPr lang="en-US" altLang="zh-CN" dirty="0" smtClean="0"/>
+              <a:t>(‘PIN</a:t>
+            </a:r>
+            <a:r>
+              <a:rPr lang="en-US" altLang="zh-CN" dirty="0"/>
+              <a:t>: </a:t>
+            </a:r>
+            <a:r>
+              <a:rPr lang="en-US" altLang="zh-CN" dirty="0" smtClean="0"/>
+              <a:t>’).</a:t>
+            </a:r>
+            <a:r>
+              <a:rPr lang="en-US" altLang="zh-CN" dirty="0"/>
+              <a:t>strip</a:t>
+            </a:r>
+            <a:r>
+              <a:rPr lang="en-US" altLang="zh-CN" dirty="0" smtClean="0"/>
+              <a:t>()#</a:t>
+            </a:r>
+            <a:r>
+              <a:rPr lang="zh-CN" altLang="en-US" dirty="0" smtClean="0"/>
+              <a:t>获取授权认证码</a:t>
             </a:r>
             <a:endParaRPr lang="zh-CN" altLang="en-US" dirty="0"/>
           </a:p>
@@ -7897,7 +7784,7 @@
     </p:spTree>
     <p:extLst>
       <p:ext uri="{BB962C8B-B14F-4D97-AF65-F5344CB8AC3E}">
-        <p14:creationId xmlns:p14="http://schemas.microsoft.com/office/powerpoint/2010/main" val="3254069311"/>
+        <p14:creationId xmlns:p14="http://schemas.microsoft.com/office/powerpoint/2010/main" val="3108391682"/>
       </p:ext>
     </p:extLst>
   </p:cSld>
@@ -7933,7 +7820,7 @@
       </p:grpSpPr>
       <p:sp>
         <p:nvSpPr>
-          <p:cNvPr id="2" name="标题 1"/>
+          <p:cNvPr id="2" name="Title 1"/>
           <p:cNvSpPr>
             <a:spLocks noGrp="1"/>
           </p:cNvSpPr>
@@ -7946,148 +7833,342 @@
           <a:bodyPr/>
           <a:lstStyle/>
           <a:p>
-            <a:r>
-              <a:rPr lang="zh-CN" altLang="en-US" dirty="0" smtClean="0"/>
-              <a:t>小结</a:t>
-            </a:r>
-            <a:r>
-              <a:rPr lang="en-US" altLang="zh-CN" dirty="0" smtClean="0"/>
-              <a:t>(1)</a:t>
+            <a:endParaRPr lang="zh-CN" altLang="en-US"/>
+          </a:p>
+        </p:txBody>
+      </p:sp>
+      <p:sp>
+        <p:nvSpPr>
+          <p:cNvPr id="3" name="Content Placeholder 2"/>
+          <p:cNvSpPr>
+            <a:spLocks noGrp="1"/>
+          </p:cNvSpPr>
+          <p:nvPr>
+            <p:ph idx="1"/>
+          </p:nvPr>
+        </p:nvSpPr>
+        <p:spPr/>
+        <p:txBody>
+          <a:bodyPr>
+            <a:normAutofit fontScale="62500" lnSpcReduction="20000"/>
+          </a:bodyPr>
+          <a:lstStyle/>
+          <a:p>
+            <a:r>
+              <a:rPr lang="en-US" altLang="zh-CN" dirty="0"/>
+              <a:t> &lt;id&gt;11086&lt;/id&gt;</a:t>
+            </a:r>
+          </a:p>
+          <a:p>
+            <a:r>
+              <a:rPr lang="en-US" altLang="zh-CN" dirty="0"/>
+              <a:t>     &lt;sex&gt;</a:t>
+            </a:r>
+            <a:r>
+              <a:rPr lang="zh-CN" altLang="en-US" dirty="0"/>
+              <a:t>男</a:t>
+            </a:r>
+            <a:r>
+              <a:rPr lang="en-US" altLang="zh-CN" dirty="0"/>
+              <a:t>&lt;/sex&gt;</a:t>
             </a:r>
             <a:endParaRPr lang="zh-CN" altLang="en-US" dirty="0"/>
           </a:p>
-        </p:txBody>
-      </p:sp>
-      <p:sp>
-        <p:nvSpPr>
-          <p:cNvPr id="3" name="内容占位符 2"/>
-          <p:cNvSpPr>
-            <a:spLocks noGrp="1"/>
-          </p:cNvSpPr>
-          <p:nvPr>
-            <p:ph idx="1"/>
-          </p:nvPr>
-        </p:nvSpPr>
-        <p:spPr/>
-        <p:txBody>
-          <a:bodyPr>
-            <a:normAutofit/>
-          </a:bodyPr>
-          <a:lstStyle/>
-          <a:p>
-            <a:r>
-              <a:rPr lang="en-US" altLang="zh-CN" dirty="0" smtClean="0"/>
-              <a:t>Python</a:t>
-            </a:r>
-            <a:r>
-              <a:rPr lang="zh-CN" altLang="en-US" dirty="0" smtClean="0"/>
-              <a:t>脚本格式开头</a:t>
-            </a:r>
-            <a:endParaRPr lang="en-US" altLang="zh-CN" dirty="0" smtClean="0"/>
-          </a:p>
-          <a:p>
-            <a:r>
-              <a:rPr lang="en-US" altLang="zh-CN" dirty="0"/>
-              <a:t>#!/</a:t>
+          <a:p>
+            <a:r>
+              <a:rPr lang="zh-CN" altLang="en-US" dirty="0"/>
+              <a:t>     </a:t>
+            </a:r>
+            <a:r>
+              <a:rPr lang="en-US" altLang="zh-CN" dirty="0"/>
+              <a:t>&lt;address&gt;</a:t>
+            </a:r>
+            <a:r>
+              <a:rPr lang="zh-CN" altLang="en-US" dirty="0"/>
+              <a:t>广东，广州</a:t>
+            </a:r>
+            <a:r>
+              <a:rPr lang="en-US" altLang="zh-CN" dirty="0"/>
+              <a:t>&lt;/address&gt;</a:t>
+            </a:r>
+            <a:endParaRPr lang="zh-CN" altLang="en-US" dirty="0"/>
+          </a:p>
+          <a:p>
+            <a:r>
+              <a:rPr lang="zh-CN" altLang="en-US" dirty="0"/>
+              <a:t>     </a:t>
+            </a:r>
+            <a:r>
+              <a:rPr lang="en-US" altLang="zh-CN" dirty="0"/>
+              <a:t>&lt;</a:t>
             </a:r>
             <a:r>
               <a:rPr lang="en-US" altLang="zh-CN" dirty="0" err="1"/>
-              <a:t>usr</a:t>
-            </a:r>
-            <a:r>
-              <a:rPr lang="en-US" altLang="zh-CN" dirty="0"/>
-              <a:t>/bin/</a:t>
+              <a:t>fansNum</a:t>
+            </a:r>
+            <a:r>
+              <a:rPr lang="en-US" altLang="zh-CN" dirty="0"/>
+              <a:t>&gt;592&lt;/</a:t>
             </a:r>
             <a:r>
               <a:rPr lang="en-US" altLang="zh-CN" dirty="0" err="1"/>
-              <a:t>env</a:t>
-            </a:r>
-            <a:r>
-              <a:rPr lang="en-US" altLang="zh-CN" dirty="0"/>
-              <a:t> python</a:t>
-            </a:r>
-          </a:p>
-          <a:p>
-            <a:r>
-              <a:rPr lang="en-US" altLang="zh-CN" dirty="0"/>
-              <a:t># -*- coding: UTF-8  </a:t>
-            </a:r>
-            <a:r>
-              <a:rPr lang="en-US" altLang="zh-CN" dirty="0" smtClean="0"/>
-              <a:t>-*-</a:t>
-            </a:r>
-          </a:p>
-          <a:p>
-            <a:r>
-              <a:rPr lang="en-US" altLang="zh-CN" dirty="0"/>
-              <a:t>if __name__=="__main__":</a:t>
-            </a:r>
-          </a:p>
-          <a:p>
-            <a:pPr marL="457200" lvl="1" indent="0">
-              <a:buNone/>
-            </a:pPr>
-            <a:r>
-              <a:rPr lang="en-US" altLang="zh-CN" dirty="0"/>
-              <a:t>	</a:t>
-            </a:r>
-            <a:r>
-              <a:rPr lang="en-US" altLang="zh-CN" dirty="0" smtClean="0"/>
-              <a:t>pass</a:t>
-            </a:r>
-          </a:p>
-          <a:p>
-            <a:r>
-              <a:rPr lang="en-US" altLang="zh-CN" dirty="0" smtClean="0"/>
-              <a:t>#</a:t>
-            </a:r>
-            <a:r>
-              <a:rPr lang="zh-CN" altLang="en-US" dirty="0" smtClean="0"/>
-              <a:t>也用于注释说明文字</a:t>
-            </a:r>
-            <a:endParaRPr lang="en-US" altLang="zh-CN" dirty="0" smtClean="0"/>
-          </a:p>
-          <a:p>
-            <a:pPr marL="457200" lvl="1" indent="0">
-              <a:buNone/>
-            </a:pPr>
-            <a:endParaRPr lang="en-US" altLang="zh-CN" dirty="0" smtClean="0"/>
-          </a:p>
-          <a:p>
-            <a:pPr marL="457200" lvl="1" indent="0">
-              <a:buNone/>
-            </a:pPr>
-            <a:r>
-              <a:rPr lang="en-US" altLang="zh-CN" dirty="0" smtClean="0"/>
-              <a:t>pass</a:t>
-            </a:r>
-            <a:r>
-              <a:rPr lang="zh-CN" altLang="en-US" dirty="0" smtClean="0"/>
-              <a:t>等于</a:t>
-            </a:r>
-            <a:r>
-              <a:rPr lang="en-US" altLang="zh-CN" dirty="0" err="1" smtClean="0"/>
-              <a:t>c++</a:t>
-            </a:r>
-            <a:r>
-              <a:rPr lang="en-US" altLang="zh-CN" dirty="0" smtClean="0"/>
-              <a:t>/R</a:t>
-            </a:r>
-            <a:r>
-              <a:rPr lang="zh-CN" altLang="en-US" dirty="0" smtClean="0"/>
-              <a:t>里面的空语句即</a:t>
-            </a:r>
-            <a:r>
-              <a:rPr lang="en-US" altLang="zh-CN" dirty="0" smtClean="0"/>
-              <a:t>{;}</a:t>
-            </a:r>
+              <a:t>fansNum</a:t>
+            </a:r>
+            <a:r>
+              <a:rPr lang="en-US" altLang="zh-CN" dirty="0"/>
+              <a:t>&gt;</a:t>
+            </a:r>
+            <a:endParaRPr lang="zh-CN" altLang="en-US" dirty="0"/>
+          </a:p>
+          <a:p>
+            <a:r>
+              <a:rPr lang="zh-CN" altLang="en-US" dirty="0"/>
+              <a:t>     </a:t>
+            </a:r>
+            <a:r>
+              <a:rPr lang="en-US" altLang="zh-CN" dirty="0"/>
+              <a:t>&lt;summary&gt;</a:t>
+            </a:r>
+            <a:r>
+              <a:rPr lang="zh-CN" altLang="en-US" dirty="0"/>
+              <a:t>做自己的梦，走自己的路。</a:t>
+            </a:r>
+            <a:r>
+              <a:rPr lang="en-US" altLang="zh-CN" dirty="0"/>
+              <a:t>&lt;/summary&gt;</a:t>
+            </a:r>
+            <a:endParaRPr lang="zh-CN" altLang="en-US" dirty="0"/>
+          </a:p>
+          <a:p>
+            <a:r>
+              <a:rPr lang="zh-CN" altLang="en-US" dirty="0"/>
+              <a:t>     </a:t>
+            </a:r>
+            <a:r>
+              <a:rPr lang="en-US" altLang="zh-CN" dirty="0"/>
+              <a:t>&lt;</a:t>
+            </a:r>
+            <a:r>
+              <a:rPr lang="en-US" altLang="zh-CN" dirty="0" err="1"/>
+              <a:t>wbNum</a:t>
+            </a:r>
+            <a:r>
+              <a:rPr lang="en-US" altLang="zh-CN" dirty="0"/>
+              <a:t>&gt;1051&lt;/</a:t>
+            </a:r>
+            <a:r>
+              <a:rPr lang="en-US" altLang="zh-CN" dirty="0" err="1"/>
+              <a:t>wbNum</a:t>
+            </a:r>
+            <a:r>
+              <a:rPr lang="en-US" altLang="zh-CN" dirty="0"/>
+              <a:t>&gt;</a:t>
+            </a:r>
+            <a:endParaRPr lang="zh-CN" altLang="en-US" dirty="0"/>
+          </a:p>
+          <a:p>
+            <a:r>
+              <a:rPr lang="zh-CN" altLang="en-US" dirty="0"/>
+              <a:t>     </a:t>
+            </a:r>
+            <a:r>
+              <a:rPr lang="en-US" altLang="zh-CN" dirty="0"/>
+              <a:t>&lt;</a:t>
+            </a:r>
+            <a:r>
+              <a:rPr lang="en-US" altLang="zh-CN" dirty="0" err="1"/>
+              <a:t>gzNum</a:t>
+            </a:r>
+            <a:r>
+              <a:rPr lang="en-US" altLang="zh-CN" dirty="0"/>
+              <a:t>&gt;280&lt;/</a:t>
+            </a:r>
+            <a:r>
+              <a:rPr lang="en-US" altLang="zh-CN" dirty="0" err="1"/>
+              <a:t>gzNum</a:t>
+            </a:r>
+            <a:r>
+              <a:rPr lang="en-US" altLang="zh-CN" dirty="0"/>
+              <a:t>&gt;</a:t>
+            </a:r>
+            <a:endParaRPr lang="zh-CN" altLang="en-US" dirty="0"/>
+          </a:p>
+          <a:p>
+            <a:r>
+              <a:rPr lang="zh-CN" altLang="en-US" dirty="0"/>
+              <a:t>     </a:t>
+            </a:r>
+            <a:r>
+              <a:rPr lang="en-US" altLang="zh-CN" dirty="0"/>
+              <a:t>&lt;blog&gt;http://www.yijee.com&lt;/blog&gt;</a:t>
+            </a:r>
+            <a:endParaRPr lang="zh-CN" altLang="en-US" dirty="0"/>
+          </a:p>
+          <a:p>
+            <a:r>
+              <a:rPr lang="zh-CN" altLang="en-US" dirty="0"/>
+              <a:t>     </a:t>
+            </a:r>
+            <a:r>
+              <a:rPr lang="en-US" altLang="zh-CN" dirty="0"/>
+              <a:t>&lt;</a:t>
+            </a:r>
+            <a:r>
+              <a:rPr lang="en-US" altLang="zh-CN" dirty="0" err="1"/>
+              <a:t>edu</a:t>
+            </a:r>
+            <a:r>
+              <a:rPr lang="en-US" altLang="zh-CN" dirty="0"/>
+              <a:t>&gt;</a:t>
+            </a:r>
+            <a:r>
+              <a:rPr lang="zh-CN" altLang="en-US" dirty="0"/>
+              <a:t>高中：    彭湃中学  </a:t>
+            </a:r>
+            <a:r>
+              <a:rPr lang="en-US" altLang="zh-CN" dirty="0"/>
+              <a:t>(1999</a:t>
+            </a:r>
+            <a:r>
+              <a:rPr lang="zh-CN" altLang="en-US" dirty="0"/>
+              <a:t>年</a:t>
+            </a:r>
+            <a:r>
+              <a:rPr lang="en-US" altLang="zh-CN" dirty="0"/>
+              <a:t>)&lt;/</a:t>
+            </a:r>
+            <a:r>
+              <a:rPr lang="en-US" altLang="zh-CN" dirty="0" err="1"/>
+              <a:t>edu</a:t>
+            </a:r>
+            <a:r>
+              <a:rPr lang="en-US" altLang="zh-CN" dirty="0"/>
+              <a:t>&gt;</a:t>
+            </a:r>
+            <a:endParaRPr lang="zh-CN" altLang="en-US" dirty="0"/>
+          </a:p>
+          <a:p>
+            <a:r>
+              <a:rPr lang="zh-CN" altLang="en-US" dirty="0"/>
+              <a:t>     </a:t>
+            </a:r>
+            <a:r>
+              <a:rPr lang="en-US" altLang="zh-CN" dirty="0"/>
+              <a:t>&lt;work&gt;</a:t>
+            </a:r>
+            <a:r>
+              <a:rPr lang="zh-CN" altLang="en-US" dirty="0"/>
+              <a:t>公司：    新浪微博</a:t>
+            </a:r>
+            <a:r>
+              <a:rPr lang="en-US" altLang="zh-CN" dirty="0"/>
+              <a:t>-</a:t>
+            </a:r>
+            <a:r>
+              <a:rPr lang="en-US" altLang="zh-CN" dirty="0" err="1"/>
+              <a:t>Xweibo</a:t>
+            </a:r>
+            <a:r>
+              <a:rPr lang="en-US" altLang="zh-CN" dirty="0"/>
+              <a:t>  </a:t>
+            </a:r>
+            <a:r>
+              <a:rPr lang="zh-CN" altLang="en-US" dirty="0"/>
+              <a:t>地区：广东 ，广州 职位：</a:t>
+            </a:r>
+            <a:r>
+              <a:rPr lang="en-US" altLang="zh-CN" dirty="0"/>
+              <a:t>web</a:t>
+            </a:r>
+            <a:r>
+              <a:rPr lang="zh-CN" altLang="en-US" dirty="0"/>
+              <a:t>前端</a:t>
+            </a:r>
+            <a:r>
+              <a:rPr lang="en-US" altLang="zh-CN" dirty="0"/>
+              <a:t>&lt;/work&gt;</a:t>
+            </a:r>
+            <a:endParaRPr lang="zh-CN" altLang="en-US" dirty="0"/>
+          </a:p>
+          <a:p>
+            <a:r>
+              <a:rPr lang="zh-CN" altLang="en-US" dirty="0"/>
+              <a:t>     </a:t>
+            </a:r>
+            <a:r>
+              <a:rPr lang="en-US" altLang="zh-CN" dirty="0"/>
+              <a:t>&lt;</a:t>
+            </a:r>
+            <a:r>
+              <a:rPr lang="en-US" altLang="zh-CN" dirty="0" err="1"/>
+              <a:t>renZh</a:t>
+            </a:r>
+            <a:r>
+              <a:rPr lang="en-US" altLang="zh-CN" dirty="0"/>
+              <a:t>&gt;1&lt;/</a:t>
+            </a:r>
+            <a:r>
+              <a:rPr lang="en-US" altLang="zh-CN" dirty="0" err="1"/>
+              <a:t>renZh</a:t>
+            </a:r>
+            <a:r>
+              <a:rPr lang="en-US" altLang="zh-CN" dirty="0"/>
+              <a:t>&gt;</a:t>
+            </a:r>
+            <a:endParaRPr lang="zh-CN" altLang="en-US" dirty="0"/>
+          </a:p>
+          <a:p>
+            <a:r>
+              <a:rPr lang="zh-CN" altLang="en-US" dirty="0"/>
+              <a:t>     </a:t>
+            </a:r>
+            <a:r>
+              <a:rPr lang="en-US" altLang="zh-CN" dirty="0"/>
+              <a:t>&lt;</a:t>
+            </a:r>
+            <a:r>
+              <a:rPr lang="en-US" altLang="zh-CN" dirty="0" err="1"/>
+              <a:t>brithday</a:t>
+            </a:r>
+            <a:r>
+              <a:rPr lang="en-US" altLang="zh-CN" dirty="0"/>
+              <a:t>&gt;</a:t>
+            </a:r>
+            <a:r>
+              <a:rPr lang="zh-CN" altLang="en-US" dirty="0"/>
+              <a:t>魔羯座</a:t>
+            </a:r>
+            <a:r>
+              <a:rPr lang="en-US" altLang="zh-CN" dirty="0"/>
+              <a:t>&lt;/</a:t>
+            </a:r>
+            <a:r>
+              <a:rPr lang="en-US" altLang="zh-CN" dirty="0" err="1"/>
+              <a:t>brithday</a:t>
+            </a:r>
+            <a:r>
+              <a:rPr lang="en-US" altLang="zh-CN" dirty="0"/>
+              <a:t>&gt;</a:t>
+            </a:r>
+            <a:endParaRPr lang="zh-CN" altLang="en-US" dirty="0"/>
+          </a:p>
+          <a:p>
+            <a:r>
+              <a:rPr lang="zh-CN" altLang="en-US" dirty="0"/>
+              <a:t> </a:t>
+            </a:r>
+            <a:r>
+              <a:rPr lang="en-US" altLang="zh-CN" dirty="0"/>
+              <a:t>&lt;/person&gt;</a:t>
+            </a:r>
+            <a:endParaRPr lang="zh-CN" altLang="en-US" dirty="0"/>
           </a:p>
         </p:txBody>
       </p:sp>
     </p:spTree>
     <p:extLst>
       <p:ext uri="{BB962C8B-B14F-4D97-AF65-F5344CB8AC3E}">
-        <p14:creationId xmlns:p14="http://schemas.microsoft.com/office/powerpoint/2010/main" val="3873016839"/>
+        <p14:creationId xmlns:p14="http://schemas.microsoft.com/office/powerpoint/2010/main" val="1209394186"/>
       </p:ext>
     </p:extLst>
   </p:cSld>
@@ -8142,7 +8223,7 @@
             </a:r>
             <a:r>
               <a:rPr lang="en-US" altLang="zh-CN" dirty="0" smtClean="0"/>
-              <a:t>(5)</a:t>
+              <a:t>(3)</a:t>
             </a:r>
             <a:endParaRPr lang="zh-CN" altLang="en-US" dirty="0"/>
           </a:p>
@@ -8160,90 +8241,85 @@
         </p:nvSpPr>
         <p:spPr/>
         <p:txBody>
-          <a:bodyPr>
-            <a:normAutofit fontScale="92500" lnSpcReduction="20000"/>
-          </a:bodyPr>
-          <a:lstStyle/>
-          <a:p>
-            <a:r>
-              <a:rPr lang="en-US" altLang="zh-CN" dirty="0" smtClean="0"/>
-              <a:t>pickle/</a:t>
-            </a:r>
+          <a:bodyPr/>
+          <a:lstStyle/>
+          <a:p>
+            <a:r>
+              <a:rPr lang="en-US" altLang="zh-CN" dirty="0"/>
+              <a:t>3.</a:t>
+            </a:r>
+            <a:r>
+              <a:rPr lang="zh-CN" altLang="en-US" dirty="0"/>
+              <a:t>代理访问认证</a:t>
+            </a:r>
+            <a:endParaRPr lang="en-US" altLang="zh-CN" dirty="0" smtClean="0"/>
+          </a:p>
+          <a:p>
             <a:r>
               <a:rPr lang="en-US" altLang="zh-CN" dirty="0" err="1" smtClean="0"/>
-              <a:t>cPickle</a:t>
-            </a:r>
-            <a:r>
-              <a:rPr lang="zh-CN" altLang="en-US" dirty="0" smtClean="0"/>
-              <a:t>使用</a:t>
-            </a:r>
-            <a:endParaRPr lang="en-US" altLang="zh-CN" dirty="0" smtClean="0"/>
-          </a:p>
-          <a:p>
-            <a:r>
-              <a:rPr lang="zh-CN" altLang="en-US" dirty="0" smtClean="0"/>
-              <a:t>可以把</a:t>
-            </a:r>
-            <a:r>
-              <a:rPr lang="en-US" altLang="zh-CN" dirty="0" smtClean="0"/>
-              <a:t>python</a:t>
-            </a:r>
-            <a:r>
-              <a:rPr lang="zh-CN" altLang="en-US" dirty="0" smtClean="0"/>
-              <a:t>大部分对象</a:t>
-            </a:r>
-            <a:r>
-              <a:rPr lang="en-US" altLang="zh-CN" dirty="0" smtClean="0"/>
-              <a:t>dump</a:t>
-            </a:r>
-            <a:r>
-              <a:rPr lang="zh-CN" altLang="en-US" dirty="0" smtClean="0"/>
-              <a:t>到硬盘或网络上</a:t>
-            </a:r>
-            <a:r>
-              <a:rPr lang="en-US" altLang="zh-CN" dirty="0" smtClean="0"/>
-              <a:t>,</a:t>
-            </a:r>
-            <a:r>
-              <a:rPr lang="zh-CN" altLang="en-US" dirty="0" smtClean="0"/>
-              <a:t>方便其它程序获取该对象</a:t>
-            </a:r>
-            <a:r>
-              <a:rPr lang="en-US" altLang="zh-CN" dirty="0" smtClean="0"/>
+              <a:t>request_token</a:t>
+            </a:r>
+            <a:r>
+              <a:rPr lang="en-US" altLang="zh-CN" dirty="0" smtClean="0"/>
+              <a:t> </a:t>
+            </a:r>
+            <a:r>
+              <a:rPr lang="en-US" altLang="zh-CN" dirty="0"/>
+              <a:t>= </a:t>
+            </a:r>
+            <a:r>
+              <a:rPr lang="en-US" altLang="zh-CN" dirty="0" err="1"/>
+              <a:t>OAuthToken</a:t>
+            </a:r>
+            <a:r>
+              <a:rPr lang="en-US" altLang="zh-CN" dirty="0"/>
               <a:t>(</a:t>
             </a:r>
             <a:r>
-              <a:rPr lang="zh-CN" altLang="en-US" dirty="0" smtClean="0"/>
-              <a:t>即序列化</a:t>
-            </a:r>
-            <a:r>
-              <a:rPr lang="en-US" altLang="zh-CN" dirty="0" smtClean="0"/>
+              <a:rPr lang="en-US" altLang="zh-CN" dirty="0" err="1"/>
+              <a:t>request_token.oauth_token</a:t>
+            </a:r>
+            <a:r>
+              <a:rPr lang="en-US" altLang="zh-CN" dirty="0"/>
+              <a:t>, </a:t>
+            </a:r>
+            <a:r>
+              <a:rPr lang="en-US" altLang="zh-CN" dirty="0" err="1"/>
+              <a:t>request_token.oauth_token_secret</a:t>
+            </a:r>
+            <a:r>
+              <a:rPr lang="en-US" altLang="zh-CN" dirty="0"/>
+              <a:t>, </a:t>
+            </a:r>
+            <a:r>
+              <a:rPr lang="en-US" altLang="zh-CN" dirty="0" err="1"/>
+              <a:t>oauth_verifier</a:t>
+            </a:r>
+            <a:r>
+              <a:rPr lang="en-US" altLang="zh-CN" dirty="0"/>
               <a:t>)</a:t>
             </a:r>
           </a:p>
           <a:p>
             <a:r>
-              <a:rPr lang="en-US" altLang="zh-CN" dirty="0" err="1" smtClean="0"/>
-              <a:t>cPickle</a:t>
-            </a:r>
-            <a:r>
-              <a:rPr lang="zh-CN" altLang="en-US" dirty="0" smtClean="0"/>
-              <a:t>比</a:t>
-            </a:r>
-            <a:r>
-              <a:rPr lang="en-US" altLang="zh-CN" dirty="0" smtClean="0"/>
-              <a:t>pickle</a:t>
-            </a:r>
-            <a:r>
-              <a:rPr lang="zh-CN" altLang="en-US" dirty="0" smtClean="0"/>
-              <a:t>速度快，接口一致</a:t>
-            </a:r>
-            <a:endParaRPr lang="en-US" altLang="zh-CN" dirty="0" smtClean="0"/>
-          </a:p>
-          <a:p>
+              <a:rPr lang="en-US" altLang="zh-CN" dirty="0" smtClean="0"/>
+              <a:t>client </a:t>
+            </a:r>
+            <a:r>
+              <a:rPr lang="en-US" altLang="zh-CN" dirty="0"/>
+              <a:t>= </a:t>
+            </a:r>
             <a:r>
               <a:rPr lang="en-US" altLang="zh-CN" dirty="0" err="1"/>
-              <a:t>infoDb</a:t>
+              <a:t>APIClient</a:t>
+            </a:r>
+            <a:r>
+              <a:rPr lang="en-US" altLang="zh-CN" dirty="0"/>
+              <a:t>(</a:t>
+            </a:r>
+            <a:r>
+              <a:rPr lang="en-US" altLang="zh-CN" dirty="0" err="1"/>
+              <a:t>app_key</a:t>
             </a:r>
             <a:r>
               <a:rPr lang="en-US" altLang="zh-CN" dirty="0"/>
@@ -8251,152 +8327,66 @@
             </a:r>
             <a:r>
               <a:rPr lang="en-US" altLang="zh-CN" dirty="0" err="1"/>
-              <a:t>cPickle.load</a:t>
-            </a:r>
-            <a:r>
-              <a:rPr lang="en-US" altLang="zh-CN" dirty="0"/>
-              <a:t>(</a:t>
+              <a:t>appKey</a:t>
+            </a:r>
+            <a:r>
+              <a:rPr lang="en-US" altLang="zh-CN" dirty="0"/>
+              <a:t>, </a:t>
             </a:r>
             <a:r>
               <a:rPr lang="en-US" altLang="zh-CN" dirty="0" err="1"/>
-              <a:t>inf</a:t>
-            </a:r>
-            <a:r>
-              <a:rPr lang="en-US" altLang="zh-CN" dirty="0" smtClean="0"/>
-              <a:t>) </a:t>
-            </a:r>
-          </a:p>
-          <a:p>
-            <a:r>
-              <a:rPr lang="en-US" altLang="zh-CN" dirty="0" smtClean="0"/>
-              <a:t>#</a:t>
-            </a:r>
-            <a:r>
-              <a:rPr lang="en-US" altLang="zh-CN" dirty="0" err="1" smtClean="0"/>
-              <a:t>inf</a:t>
-            </a:r>
-            <a:r>
-              <a:rPr lang="zh-CN" altLang="en-US" dirty="0" smtClean="0"/>
-              <a:t>为</a:t>
-            </a:r>
-            <a:r>
-              <a:rPr lang="en-US" altLang="zh-CN" dirty="0" err="1" smtClean="0"/>
-              <a:t>io</a:t>
-            </a:r>
-            <a:r>
-              <a:rPr lang="zh-CN" altLang="en-US" dirty="0" smtClean="0"/>
-              <a:t>输入流 如</a:t>
-            </a:r>
-            <a:r>
-              <a:rPr lang="en-US" altLang="zh-CN" dirty="0" err="1" smtClean="0"/>
-              <a:t>inf</a:t>
-            </a:r>
-            <a:r>
-              <a:rPr lang="en-US" altLang="zh-CN" dirty="0" smtClean="0"/>
-              <a:t>=open(file)</a:t>
-            </a:r>
-          </a:p>
-          <a:p>
-            <a:r>
-              <a:rPr lang="en-US" altLang="zh-CN" dirty="0" err="1" smtClean="0"/>
-              <a:t>cPickle.dump</a:t>
-            </a:r>
-            <a:r>
-              <a:rPr lang="en-US" altLang="zh-CN" dirty="0" smtClean="0"/>
-              <a:t>(infoDb,outf,2)</a:t>
-            </a:r>
-          </a:p>
-          <a:p>
-            <a:r>
-              <a:rPr lang="en-US" altLang="zh-CN" dirty="0" smtClean="0"/>
-              <a:t>#</a:t>
-            </a:r>
-            <a:r>
-              <a:rPr lang="en-US" altLang="zh-CN" dirty="0" err="1" smtClean="0"/>
-              <a:t>infoDb</a:t>
-            </a:r>
-            <a:r>
-              <a:rPr lang="zh-CN" altLang="en-US" dirty="0" smtClean="0"/>
-              <a:t>为</a:t>
-            </a:r>
-            <a:r>
-              <a:rPr lang="en-US" altLang="zh-CN" dirty="0" smtClean="0"/>
-              <a:t>python</a:t>
-            </a:r>
-            <a:r>
-              <a:rPr lang="zh-CN" altLang="en-US" dirty="0" smtClean="0"/>
-              <a:t>对象</a:t>
-            </a:r>
-            <a:r>
-              <a:rPr lang="en-US" altLang="zh-CN" dirty="0" smtClean="0"/>
-              <a:t>,2</a:t>
-            </a:r>
-            <a:r>
-              <a:rPr lang="zh-CN" altLang="en-US" dirty="0" smtClean="0"/>
-              <a:t>为使用版本</a:t>
-            </a:r>
-            <a:r>
-              <a:rPr lang="en-US" altLang="zh-CN" dirty="0" smtClean="0"/>
-              <a:t>2</a:t>
-            </a:r>
-            <a:r>
-              <a:rPr lang="zh-CN" altLang="en-US" dirty="0" smtClean="0"/>
-              <a:t>编码</a:t>
-            </a:r>
-            <a:r>
-              <a:rPr lang="en-US" altLang="zh-CN" dirty="0" smtClean="0"/>
-              <a:t>,</a:t>
-            </a:r>
-            <a:r>
-              <a:rPr lang="zh-CN" altLang="en-US" dirty="0" smtClean="0"/>
-              <a:t>也可以不给定该参数</a:t>
-            </a:r>
-            <a:r>
-              <a:rPr lang="en-US" altLang="zh-CN" dirty="0" smtClean="0"/>
-              <a:t>,</a:t>
-            </a:r>
-            <a:r>
-              <a:rPr lang="en-US" altLang="zh-CN" dirty="0" err="1" smtClean="0"/>
-              <a:t>outf</a:t>
-            </a:r>
-            <a:r>
-              <a:rPr lang="zh-CN" altLang="en-US" dirty="0" smtClean="0"/>
-              <a:t>为</a:t>
-            </a:r>
-            <a:r>
-              <a:rPr lang="en-US" altLang="zh-CN" dirty="0" err="1" smtClean="0"/>
-              <a:t>io</a:t>
-            </a:r>
-            <a:r>
-              <a:rPr lang="zh-CN" altLang="en-US" dirty="0" smtClean="0"/>
-              <a:t>输出流，如</a:t>
-            </a:r>
-            <a:r>
-              <a:rPr lang="en-US" altLang="zh-CN" dirty="0" err="1" smtClean="0"/>
-              <a:t>outf</a:t>
-            </a:r>
-            <a:r>
-              <a:rPr lang="en-US" altLang="zh-CN" dirty="0" smtClean="0"/>
-              <a:t>=open(</a:t>
-            </a:r>
-            <a:r>
-              <a:rPr lang="en-US" altLang="zh-CN" dirty="0" err="1" smtClean="0"/>
-              <a:t>infodbFile</a:t>
-            </a:r>
-            <a:r>
-              <a:rPr lang="en-US" altLang="zh-CN" dirty="0"/>
-              <a:t>,'w')</a:t>
-            </a:r>
-          </a:p>
-          <a:p>
-            <a:endParaRPr lang="en-US" altLang="zh-CN" dirty="0" smtClean="0"/>
+              <a:t>app_secret</a:t>
+            </a:r>
+            <a:r>
+              <a:rPr lang="en-US" altLang="zh-CN" dirty="0"/>
+              <a:t>=</a:t>
+            </a:r>
+            <a:r>
+              <a:rPr lang="en-US" altLang="zh-CN" dirty="0" err="1"/>
+              <a:t>appSecret</a:t>
+            </a:r>
+            <a:r>
+              <a:rPr lang="en-US" altLang="zh-CN" dirty="0"/>
+              <a:t>, token=</a:t>
+            </a:r>
+            <a:r>
+              <a:rPr lang="en-US" altLang="zh-CN" dirty="0" err="1"/>
+              <a:t>request_token</a:t>
+            </a:r>
+            <a:r>
+              <a:rPr lang="en-US" altLang="zh-CN" dirty="0"/>
+              <a:t>)</a:t>
+            </a:r>
+          </a:p>
+          <a:p>
+            <a:r>
+              <a:rPr lang="en-US" altLang="zh-CN" dirty="0"/>
+              <a:t>        </a:t>
+            </a:r>
+            <a:r>
+              <a:rPr lang="en-US" altLang="zh-CN" dirty="0" err="1"/>
+              <a:t>access_token</a:t>
+            </a:r>
+            <a:r>
+              <a:rPr lang="en-US" altLang="zh-CN" dirty="0"/>
+              <a:t> = </a:t>
+            </a:r>
+            <a:r>
+              <a:rPr lang="en-US" altLang="zh-CN" dirty="0" err="1"/>
+              <a:t>client.get_access_token</a:t>
+            </a:r>
+            <a:r>
+              <a:rPr lang="en-US" altLang="zh-CN" dirty="0"/>
+              <a:t>()</a:t>
+            </a:r>
+            <a:endParaRPr lang="zh-CN" altLang="en-US" dirty="0"/>
           </a:p>
         </p:txBody>
       </p:sp>
     </p:spTree>
     <p:extLst>
       <p:ext uri="{BB962C8B-B14F-4D97-AF65-F5344CB8AC3E}">
-        <p14:creationId xmlns:p14="http://schemas.microsoft.com/office/powerpoint/2010/main" val="3008038363"/>
+        <p14:creationId xmlns:p14="http://schemas.microsoft.com/office/powerpoint/2010/main" val="3108960493"/>
       </p:ext>
     </p:extLst>
   </p:cSld>
@@ -8446,6 +8436,594 @@
           <a:lstStyle/>
           <a:p>
             <a:r>
+              <a:rPr lang="zh-CN" altLang="en-US" dirty="0"/>
+              <a:t>小结</a:t>
+            </a:r>
+            <a:r>
+              <a:rPr lang="en-US" altLang="zh-CN" dirty="0" smtClean="0"/>
+              <a:t>(4)</a:t>
+            </a:r>
+            <a:endParaRPr lang="zh-CN" altLang="en-US" dirty="0"/>
+          </a:p>
+        </p:txBody>
+      </p:sp>
+      <p:sp>
+        <p:nvSpPr>
+          <p:cNvPr id="3" name="内容占位符 2"/>
+          <p:cNvSpPr>
+            <a:spLocks noGrp="1"/>
+          </p:cNvSpPr>
+          <p:nvPr>
+            <p:ph idx="1"/>
+          </p:nvPr>
+        </p:nvSpPr>
+        <p:spPr/>
+        <p:txBody>
+          <a:bodyPr>
+            <a:normAutofit fontScale="92500" lnSpcReduction="20000"/>
+          </a:bodyPr>
+          <a:lstStyle/>
+          <a:p>
+            <a:pPr marL="0" indent="0">
+              <a:buNone/>
+            </a:pPr>
+            <a:r>
+              <a:rPr lang="zh-CN" altLang="en-US" dirty="0" smtClean="0"/>
+              <a:t>使用</a:t>
+            </a:r>
+            <a:r>
+              <a:rPr lang="en-US" altLang="zh-CN" dirty="0" err="1" smtClean="0"/>
+              <a:t>appKey</a:t>
+            </a:r>
+            <a:r>
+              <a:rPr lang="zh-CN" altLang="en-US" dirty="0" smtClean="0"/>
+              <a:t>不要用户登录的方式查看某</a:t>
+            </a:r>
+            <a:r>
+              <a:rPr lang="en-US" altLang="zh-CN" dirty="0" smtClean="0"/>
+              <a:t>user</a:t>
+            </a:r>
+            <a:r>
+              <a:rPr lang="zh-CN" altLang="en-US" dirty="0" smtClean="0"/>
+              <a:t>的微博</a:t>
+            </a:r>
+            <a:endParaRPr lang="en-US" altLang="zh-CN" dirty="0" smtClean="0"/>
+          </a:p>
+          <a:p>
+            <a:pPr marL="0" indent="0">
+              <a:buNone/>
+            </a:pPr>
+            <a:r>
+              <a:rPr lang="zh-CN" altLang="en-US" dirty="0" smtClean="0"/>
+              <a:t>需要修改</a:t>
+            </a:r>
+            <a:r>
+              <a:rPr lang="en-US" altLang="zh-CN" dirty="0" smtClean="0"/>
+              <a:t>python </a:t>
+            </a:r>
+            <a:r>
+              <a:rPr lang="en-US" altLang="zh-CN" dirty="0" err="1" smtClean="0"/>
+              <a:t>sina</a:t>
+            </a:r>
+            <a:r>
+              <a:rPr lang="en-US" altLang="zh-CN" dirty="0" smtClean="0"/>
+              <a:t> SDK</a:t>
+            </a:r>
+            <a:r>
+              <a:rPr lang="zh-CN" altLang="en-US" dirty="0" smtClean="0"/>
+              <a:t>一小部分代码。之后按照以下步骤即可</a:t>
+            </a:r>
+            <a:endParaRPr lang="en-US" altLang="zh-CN" dirty="0" smtClean="0"/>
+          </a:p>
+          <a:p>
+            <a:pPr marL="0" indent="0">
+              <a:buNone/>
+            </a:pPr>
+            <a:r>
+              <a:rPr lang="en-US" altLang="zh-CN" dirty="0"/>
+              <a:t>client = </a:t>
+            </a:r>
+            <a:r>
+              <a:rPr lang="en-US" altLang="zh-CN" dirty="0" err="1"/>
+              <a:t>APIClient</a:t>
+            </a:r>
+            <a:r>
+              <a:rPr lang="en-US" altLang="zh-CN" dirty="0"/>
+              <a:t>(</a:t>
+            </a:r>
+            <a:r>
+              <a:rPr lang="en-US" altLang="zh-CN" dirty="0" err="1"/>
+              <a:t>app_key</a:t>
+            </a:r>
+            <a:r>
+              <a:rPr lang="en-US" altLang="zh-CN" dirty="0"/>
+              <a:t>=</a:t>
+            </a:r>
+            <a:r>
+              <a:rPr lang="en-US" altLang="zh-CN" dirty="0" err="1"/>
+              <a:t>appKey</a:t>
+            </a:r>
+            <a:r>
+              <a:rPr lang="en-US" altLang="zh-CN" dirty="0"/>
+              <a:t>, </a:t>
+            </a:r>
+            <a:r>
+              <a:rPr lang="en-US" altLang="zh-CN" dirty="0" err="1"/>
+              <a:t>app_secret</a:t>
+            </a:r>
+            <a:r>
+              <a:rPr lang="en-US" altLang="zh-CN" dirty="0"/>
+              <a:t>=</a:t>
+            </a:r>
+            <a:r>
+              <a:rPr lang="en-US" altLang="zh-CN" dirty="0" err="1"/>
+              <a:t>appSecret,</a:t>
+            </a:r>
+            <a:r>
+              <a:rPr lang="en-US" altLang="zh-CN" dirty="0" err="1">
+                <a:solidFill>
+                  <a:srgbClr val="FF0000"/>
+                </a:solidFill>
+              </a:rPr>
+              <a:t>isAuthorization</a:t>
+            </a:r>
+            <a:r>
+              <a:rPr lang="en-US" altLang="zh-CN" dirty="0">
+                <a:solidFill>
+                  <a:srgbClr val="FF0000"/>
+                </a:solidFill>
+              </a:rPr>
+              <a:t>=False</a:t>
+            </a:r>
+            <a:r>
+              <a:rPr lang="en-US" altLang="zh-CN" dirty="0"/>
+              <a:t>)</a:t>
+            </a:r>
+          </a:p>
+          <a:p>
+            <a:pPr marL="0" indent="0">
+              <a:buNone/>
+            </a:pPr>
+            <a:r>
+              <a:rPr lang="zh-CN" altLang="en-US" dirty="0" smtClean="0"/>
+              <a:t>通过</a:t>
+            </a:r>
+            <a:r>
+              <a:rPr lang="en-US" altLang="zh-CN" dirty="0" smtClean="0"/>
+              <a:t>client.get.statuses</a:t>
+            </a:r>
+            <a:r>
+              <a:rPr lang="en-US" altLang="zh-CN" dirty="0"/>
+              <a:t>__</a:t>
+            </a:r>
+            <a:r>
+              <a:rPr lang="en-US" altLang="zh-CN" dirty="0" err="1"/>
+              <a:t>user_timeline</a:t>
+            </a:r>
+            <a:r>
+              <a:rPr lang="en-US" altLang="zh-CN" dirty="0"/>
+              <a:t>(source=</a:t>
+            </a:r>
+            <a:r>
+              <a:rPr lang="en-US" altLang="zh-CN" dirty="0" err="1"/>
+              <a:t>appKey</a:t>
+            </a:r>
+            <a:r>
+              <a:rPr lang="en-US" altLang="zh-CN" dirty="0"/>
+              <a:t>, </a:t>
+            </a:r>
+            <a:r>
+              <a:rPr lang="en-US" altLang="zh-CN" dirty="0" err="1"/>
+              <a:t>screen_name</a:t>
+            </a:r>
+            <a:r>
+              <a:rPr lang="en-US" altLang="zh-CN" dirty="0"/>
+              <a:t>=name</a:t>
+            </a:r>
+            <a:r>
+              <a:rPr lang="en-US" altLang="zh-CN" dirty="0" smtClean="0"/>
+              <a:t>) </a:t>
+            </a:r>
+            <a:r>
+              <a:rPr lang="zh-CN" altLang="en-US" dirty="0" smtClean="0"/>
+              <a:t>获取相关微博</a:t>
+            </a:r>
+            <a:endParaRPr lang="en-US" altLang="zh-CN" dirty="0" smtClean="0"/>
+          </a:p>
+          <a:p>
+            <a:pPr marL="0" indent="0">
+              <a:buNone/>
+            </a:pPr>
+            <a:r>
+              <a:rPr lang="en-US" altLang="zh-CN" dirty="0" err="1" smtClean="0"/>
+              <a:t>Sina</a:t>
+            </a:r>
+            <a:r>
+              <a:rPr lang="zh-CN" altLang="en-US" dirty="0" smtClean="0"/>
+              <a:t>微博最多只能获取当前用户最新</a:t>
+            </a:r>
+            <a:r>
+              <a:rPr lang="en-US" altLang="zh-CN" dirty="0" smtClean="0"/>
+              <a:t>200</a:t>
+            </a:r>
+            <a:r>
+              <a:rPr lang="zh-CN" altLang="en-US" dirty="0" smtClean="0"/>
+              <a:t>条的信息</a:t>
+            </a:r>
+            <a:r>
+              <a:rPr lang="en-US" altLang="zh-CN" dirty="0" smtClean="0"/>
+              <a:t>,</a:t>
+            </a:r>
+            <a:r>
+              <a:rPr lang="zh-CN" altLang="en-US" dirty="0" smtClean="0"/>
+              <a:t>只能实时抓取</a:t>
+            </a:r>
+            <a:endParaRPr lang="zh-CN" altLang="en-US" dirty="0"/>
+          </a:p>
+        </p:txBody>
+      </p:sp>
+    </p:spTree>
+    <p:extLst>
+      <p:ext uri="{BB962C8B-B14F-4D97-AF65-F5344CB8AC3E}">
+        <p14:creationId xmlns:p14="http://schemas.microsoft.com/office/powerpoint/2010/main" val="3254069311"/>
+      </p:ext>
+    </p:extLst>
+  </p:cSld>
+  <p:clrMapOvr>
+    <a:masterClrMapping/>
+  </p:clrMapOvr>
+  <p:timing>
+    <p:tnLst>
+      <p:par>
+        <p:cTn id="1" dur="indefinite" restart="never" nodeType="tmRoot"/>
+      </p:par>
+    </p:tnLst>
+  </p:timing>
+</p:sld>
+</file>
+
+<file path=ppt/slides/slide32.xml><?xml version="1.0" encoding="utf-8"?>
+<p:sld xmlns:a="http://schemas.openxmlformats.org/drawingml/2006/main" xmlns:r="http://schemas.openxmlformats.org/officeDocument/2006/relationships" xmlns:p="http://schemas.openxmlformats.org/presentationml/2006/main">
+  <p:cSld>
+    <p:spTree>
+      <p:nvGrpSpPr>
+        <p:cNvPr id="1" name=""/>
+        <p:cNvGrpSpPr/>
+        <p:nvPr/>
+      </p:nvGrpSpPr>
+      <p:grpSpPr>
+        <a:xfrm>
+          <a:off x="0" y="0"/>
+          <a:ext cx="0" cy="0"/>
+          <a:chOff x="0" y="0"/>
+          <a:chExt cx="0" cy="0"/>
+        </a:xfrm>
+      </p:grpSpPr>
+      <p:sp>
+        <p:nvSpPr>
+          <p:cNvPr id="2" name="标题 1"/>
+          <p:cNvSpPr>
+            <a:spLocks noGrp="1"/>
+          </p:cNvSpPr>
+          <p:nvPr>
+            <p:ph type="title"/>
+          </p:nvPr>
+        </p:nvSpPr>
+        <p:spPr/>
+        <p:txBody>
+          <a:bodyPr/>
+          <a:lstStyle/>
+          <a:p>
+            <a:r>
+              <a:rPr lang="zh-CN" altLang="en-US" dirty="0"/>
+              <a:t>小结</a:t>
+            </a:r>
+            <a:r>
+              <a:rPr lang="en-US" altLang="zh-CN" dirty="0" smtClean="0"/>
+              <a:t>(5)</a:t>
+            </a:r>
+            <a:endParaRPr lang="zh-CN" altLang="en-US" dirty="0"/>
+          </a:p>
+        </p:txBody>
+      </p:sp>
+      <p:sp>
+        <p:nvSpPr>
+          <p:cNvPr id="3" name="内容占位符 2"/>
+          <p:cNvSpPr>
+            <a:spLocks noGrp="1"/>
+          </p:cNvSpPr>
+          <p:nvPr>
+            <p:ph idx="1"/>
+          </p:nvPr>
+        </p:nvSpPr>
+        <p:spPr/>
+        <p:txBody>
+          <a:bodyPr>
+            <a:normAutofit fontScale="92500" lnSpcReduction="20000"/>
+          </a:bodyPr>
+          <a:lstStyle/>
+          <a:p>
+            <a:r>
+              <a:rPr lang="en-US" altLang="zh-CN" dirty="0" smtClean="0"/>
+              <a:t>pickle/</a:t>
+            </a:r>
+            <a:r>
+              <a:rPr lang="en-US" altLang="zh-CN" dirty="0" err="1" smtClean="0"/>
+              <a:t>cPickle</a:t>
+            </a:r>
+            <a:r>
+              <a:rPr lang="zh-CN" altLang="en-US" dirty="0" smtClean="0"/>
+              <a:t>使用</a:t>
+            </a:r>
+            <a:endParaRPr lang="en-US" altLang="zh-CN" dirty="0" smtClean="0"/>
+          </a:p>
+          <a:p>
+            <a:r>
+              <a:rPr lang="zh-CN" altLang="en-US" dirty="0" smtClean="0"/>
+              <a:t>可以把</a:t>
+            </a:r>
+            <a:r>
+              <a:rPr lang="en-US" altLang="zh-CN" dirty="0" smtClean="0"/>
+              <a:t>python</a:t>
+            </a:r>
+            <a:r>
+              <a:rPr lang="zh-CN" altLang="en-US" dirty="0" smtClean="0"/>
+              <a:t>大部分对象</a:t>
+            </a:r>
+            <a:r>
+              <a:rPr lang="en-US" altLang="zh-CN" dirty="0" smtClean="0"/>
+              <a:t>dump</a:t>
+            </a:r>
+            <a:r>
+              <a:rPr lang="zh-CN" altLang="en-US" dirty="0" smtClean="0"/>
+              <a:t>到硬盘或网络上</a:t>
+            </a:r>
+            <a:r>
+              <a:rPr lang="en-US" altLang="zh-CN" dirty="0" smtClean="0"/>
+              <a:t>,</a:t>
+            </a:r>
+            <a:r>
+              <a:rPr lang="zh-CN" altLang="en-US" dirty="0" smtClean="0"/>
+              <a:t>方便其它程序获取该对象</a:t>
+            </a:r>
+            <a:r>
+              <a:rPr lang="en-US" altLang="zh-CN" dirty="0" smtClean="0"/>
+              <a:t>(</a:t>
+            </a:r>
+            <a:r>
+              <a:rPr lang="zh-CN" altLang="en-US" dirty="0" smtClean="0"/>
+              <a:t>即序列化</a:t>
+            </a:r>
+            <a:r>
+              <a:rPr lang="en-US" altLang="zh-CN" dirty="0" smtClean="0"/>
+              <a:t>)</a:t>
+            </a:r>
+          </a:p>
+          <a:p>
+            <a:r>
+              <a:rPr lang="en-US" altLang="zh-CN" dirty="0" err="1" smtClean="0"/>
+              <a:t>cPickle</a:t>
+            </a:r>
+            <a:r>
+              <a:rPr lang="zh-CN" altLang="en-US" dirty="0" smtClean="0"/>
+              <a:t>比</a:t>
+            </a:r>
+            <a:r>
+              <a:rPr lang="en-US" altLang="zh-CN" dirty="0" smtClean="0"/>
+              <a:t>pickle</a:t>
+            </a:r>
+            <a:r>
+              <a:rPr lang="zh-CN" altLang="en-US" dirty="0" smtClean="0"/>
+              <a:t>速度快，接口一致</a:t>
+            </a:r>
+            <a:endParaRPr lang="en-US" altLang="zh-CN" dirty="0" smtClean="0"/>
+          </a:p>
+          <a:p>
+            <a:r>
+              <a:rPr lang="en-US" altLang="zh-CN" dirty="0" err="1"/>
+              <a:t>infoDb</a:t>
+            </a:r>
+            <a:r>
+              <a:rPr lang="en-US" altLang="zh-CN" dirty="0"/>
+              <a:t>=</a:t>
+            </a:r>
+            <a:r>
+              <a:rPr lang="en-US" altLang="zh-CN" dirty="0" err="1"/>
+              <a:t>cPickle.load</a:t>
+            </a:r>
+            <a:r>
+              <a:rPr lang="en-US" altLang="zh-CN" dirty="0"/>
+              <a:t>(</a:t>
+            </a:r>
+            <a:r>
+              <a:rPr lang="en-US" altLang="zh-CN" dirty="0" err="1"/>
+              <a:t>inf</a:t>
+            </a:r>
+            <a:r>
+              <a:rPr lang="en-US" altLang="zh-CN" dirty="0" smtClean="0"/>
+              <a:t>) </a:t>
+            </a:r>
+          </a:p>
+          <a:p>
+            <a:r>
+              <a:rPr lang="en-US" altLang="zh-CN" dirty="0" smtClean="0"/>
+              <a:t>#</a:t>
+            </a:r>
+            <a:r>
+              <a:rPr lang="en-US" altLang="zh-CN" dirty="0" err="1" smtClean="0"/>
+              <a:t>inf</a:t>
+            </a:r>
+            <a:r>
+              <a:rPr lang="zh-CN" altLang="en-US" dirty="0" smtClean="0"/>
+              <a:t>为</a:t>
+            </a:r>
+            <a:r>
+              <a:rPr lang="en-US" altLang="zh-CN" dirty="0" err="1" smtClean="0"/>
+              <a:t>io</a:t>
+            </a:r>
+            <a:r>
+              <a:rPr lang="zh-CN" altLang="en-US" dirty="0" smtClean="0"/>
+              <a:t>输入流 如</a:t>
+            </a:r>
+            <a:r>
+              <a:rPr lang="en-US" altLang="zh-CN" dirty="0" err="1" smtClean="0"/>
+              <a:t>inf</a:t>
+            </a:r>
+            <a:r>
+              <a:rPr lang="en-US" altLang="zh-CN" dirty="0" smtClean="0"/>
+              <a:t>=open(file)</a:t>
+            </a:r>
+          </a:p>
+          <a:p>
+            <a:r>
+              <a:rPr lang="en-US" altLang="zh-CN" dirty="0" err="1" smtClean="0"/>
+              <a:t>cPickle.dump</a:t>
+            </a:r>
+            <a:r>
+              <a:rPr lang="en-US" altLang="zh-CN" dirty="0" smtClean="0"/>
+              <a:t>(infoDb,outf,2)</a:t>
+            </a:r>
+          </a:p>
+          <a:p>
+            <a:r>
+              <a:rPr lang="en-US" altLang="zh-CN" dirty="0" smtClean="0"/>
+              <a:t>#</a:t>
+            </a:r>
+            <a:r>
+              <a:rPr lang="en-US" altLang="zh-CN" dirty="0" err="1" smtClean="0"/>
+              <a:t>infoDb</a:t>
+            </a:r>
+            <a:r>
+              <a:rPr lang="zh-CN" altLang="en-US" dirty="0" smtClean="0"/>
+              <a:t>为</a:t>
+            </a:r>
+            <a:r>
+              <a:rPr lang="en-US" altLang="zh-CN" dirty="0" smtClean="0"/>
+              <a:t>python</a:t>
+            </a:r>
+            <a:r>
+              <a:rPr lang="zh-CN" altLang="en-US" dirty="0" smtClean="0"/>
+              <a:t>对象</a:t>
+            </a:r>
+            <a:r>
+              <a:rPr lang="en-US" altLang="zh-CN" dirty="0" smtClean="0"/>
+              <a:t>,2</a:t>
+            </a:r>
+            <a:r>
+              <a:rPr lang="zh-CN" altLang="en-US" dirty="0" smtClean="0"/>
+              <a:t>为使用版本</a:t>
+            </a:r>
+            <a:r>
+              <a:rPr lang="en-US" altLang="zh-CN" dirty="0" smtClean="0"/>
+              <a:t>2</a:t>
+            </a:r>
+            <a:r>
+              <a:rPr lang="zh-CN" altLang="en-US" dirty="0" smtClean="0"/>
+              <a:t>编码</a:t>
+            </a:r>
+            <a:r>
+              <a:rPr lang="en-US" altLang="zh-CN" dirty="0" smtClean="0"/>
+              <a:t>,</a:t>
+            </a:r>
+            <a:r>
+              <a:rPr lang="zh-CN" altLang="en-US" dirty="0" smtClean="0"/>
+              <a:t>也可以不给定该参数</a:t>
+            </a:r>
+            <a:r>
+              <a:rPr lang="en-US" altLang="zh-CN" dirty="0" smtClean="0"/>
+              <a:t>,</a:t>
+            </a:r>
+            <a:r>
+              <a:rPr lang="en-US" altLang="zh-CN" dirty="0" err="1" smtClean="0"/>
+              <a:t>outf</a:t>
+            </a:r>
+            <a:r>
+              <a:rPr lang="zh-CN" altLang="en-US" dirty="0" smtClean="0"/>
+              <a:t>为</a:t>
+            </a:r>
+            <a:r>
+              <a:rPr lang="en-US" altLang="zh-CN" dirty="0" err="1" smtClean="0"/>
+              <a:t>io</a:t>
+            </a:r>
+            <a:r>
+              <a:rPr lang="zh-CN" altLang="en-US" dirty="0" smtClean="0"/>
+              <a:t>输出流，如</a:t>
+            </a:r>
+            <a:r>
+              <a:rPr lang="en-US" altLang="zh-CN" dirty="0" err="1" smtClean="0"/>
+              <a:t>outf</a:t>
+            </a:r>
+            <a:r>
+              <a:rPr lang="en-US" altLang="zh-CN" dirty="0" smtClean="0"/>
+              <a:t>=open(</a:t>
+            </a:r>
+            <a:r>
+              <a:rPr lang="en-US" altLang="zh-CN" dirty="0" err="1" smtClean="0"/>
+              <a:t>infodbFile</a:t>
+            </a:r>
+            <a:r>
+              <a:rPr lang="en-US" altLang="zh-CN" dirty="0"/>
+              <a:t>,'w')</a:t>
+            </a:r>
+          </a:p>
+          <a:p>
+            <a:endParaRPr lang="en-US" altLang="zh-CN" dirty="0" smtClean="0"/>
+          </a:p>
+        </p:txBody>
+      </p:sp>
+    </p:spTree>
+    <p:extLst>
+      <p:ext uri="{BB962C8B-B14F-4D97-AF65-F5344CB8AC3E}">
+        <p14:creationId xmlns:p14="http://schemas.microsoft.com/office/powerpoint/2010/main" val="3008038363"/>
+      </p:ext>
+    </p:extLst>
+  </p:cSld>
+  <p:clrMapOvr>
+    <a:masterClrMapping/>
+  </p:clrMapOvr>
+  <p:timing>
+    <p:tnLst>
+      <p:par>
+        <p:cTn id="1" dur="indefinite" restart="never" nodeType="tmRoot"/>
+      </p:par>
+    </p:tnLst>
+  </p:timing>
+</p:sld>
+</file>
+
+<file path=ppt/slides/slide33.xml><?xml version="1.0" encoding="utf-8"?>
+<p:sld xmlns:a="http://schemas.openxmlformats.org/drawingml/2006/main" xmlns:r="http://schemas.openxmlformats.org/officeDocument/2006/relationships" xmlns:p="http://schemas.openxmlformats.org/presentationml/2006/main">
+  <p:cSld>
+    <p:spTree>
+      <p:nvGrpSpPr>
+        <p:cNvPr id="1" name=""/>
+        <p:cNvGrpSpPr/>
+        <p:nvPr/>
+      </p:nvGrpSpPr>
+      <p:grpSpPr>
+        <a:xfrm>
+          <a:off x="0" y="0"/>
+          <a:ext cx="0" cy="0"/>
+          <a:chOff x="0" y="0"/>
+          <a:chExt cx="0" cy="0"/>
+        </a:xfrm>
+      </p:grpSpPr>
+      <p:sp>
+        <p:nvSpPr>
+          <p:cNvPr id="2" name="标题 1"/>
+          <p:cNvSpPr>
+            <a:spLocks noGrp="1"/>
+          </p:cNvSpPr>
+          <p:nvPr>
+            <p:ph type="title"/>
+          </p:nvPr>
+        </p:nvSpPr>
+        <p:spPr/>
+        <p:txBody>
+          <a:bodyPr/>
+          <a:lstStyle/>
+          <a:p>
+            <a:r>
               <a:rPr lang="en-GB" altLang="zh-CN" dirty="0"/>
               <a:t>Example </a:t>
             </a:r>
@@ -8532,7 +9110,7 @@
 </p:sld>
 </file>
 
-<file path=ppt/slides/slide32.xml><?xml version="1.0" encoding="utf-8"?>
+<file path=ppt/slides/slide34.xml><?xml version="1.0" encoding="utf-8"?>
 <p:sld xmlns:a="http://schemas.openxmlformats.org/drawingml/2006/main" xmlns:r="http://schemas.openxmlformats.org/officeDocument/2006/relationships" xmlns:p="http://schemas.openxmlformats.org/presentationml/2006/main">
   <p:cSld>
     <p:spTree>
@@ -8703,12 +9281,8 @@
           <a:lstStyle/>
           <a:p>
             <a:r>
-              <a:rPr lang="zh-CN" altLang="en-US" dirty="0"/>
-              <a:t>小结</a:t>
-            </a:r>
-            <a:r>
-              <a:rPr lang="en-US" altLang="zh-CN" dirty="0" smtClean="0"/>
-              <a:t>(2)</a:t>
+              <a:rPr lang="en-US" altLang="zh-CN" dirty="0" smtClean="0"/>
+              <a:t>Example 01</a:t>
             </a:r>
             <a:endParaRPr lang="zh-CN" altLang="en-US" dirty="0"/>
           </a:p>
@@ -8726,139 +9300,13 @@
         </p:nvSpPr>
         <p:spPr/>
         <p:txBody>
-          <a:bodyPr>
-            <a:normAutofit fontScale="92500" lnSpcReduction="10000"/>
-          </a:bodyPr>
-          <a:lstStyle/>
-          <a:p>
-            <a:r>
-              <a:rPr lang="en-US" altLang="zh-CN" dirty="0" smtClean="0"/>
-              <a:t>Python</a:t>
-            </a:r>
-            <a:r>
-              <a:rPr lang="zh-CN" altLang="en-US" dirty="0" smtClean="0"/>
-              <a:t>用</a:t>
-            </a:r>
-            <a:r>
-              <a:rPr lang="en-US" altLang="zh-CN" dirty="0" smtClean="0"/>
-              <a:t>tab/space/</a:t>
-            </a:r>
-            <a:r>
-              <a:rPr lang="zh-CN" altLang="en-US" dirty="0" smtClean="0"/>
-              <a:t>换行符 来控制逻辑，而不像</a:t>
-            </a:r>
-            <a:r>
-              <a:rPr lang="en-US" altLang="zh-CN" dirty="0" err="1" smtClean="0"/>
-              <a:t>c++</a:t>
-            </a:r>
-            <a:r>
-              <a:rPr lang="en-US" altLang="zh-CN" dirty="0" smtClean="0"/>
-              <a:t>/R</a:t>
-            </a:r>
-            <a:r>
-              <a:rPr lang="zh-CN" altLang="en-US" dirty="0" smtClean="0"/>
-              <a:t>用</a:t>
-            </a:r>
-            <a:r>
-              <a:rPr lang="en-US" altLang="zh-CN" dirty="0" smtClean="0"/>
-              <a:t>{}</a:t>
-            </a:r>
-            <a:endParaRPr lang="en-US" altLang="zh-CN" dirty="0"/>
-          </a:p>
-          <a:p>
-            <a:r>
-              <a:rPr lang="en-US" altLang="zh-CN" dirty="0" smtClean="0"/>
-              <a:t>Python</a:t>
-            </a:r>
-            <a:r>
-              <a:rPr lang="zh-CN" altLang="en-US" smtClean="0"/>
-              <a:t>中一</a:t>
-            </a:r>
-            <a:r>
-              <a:rPr lang="zh-CN" altLang="en-US" dirty="0" smtClean="0"/>
-              <a:t>个多行的语法结构体，语法关键词必须以</a:t>
-            </a:r>
-            <a:r>
-              <a:rPr lang="en-US" altLang="zh-CN" dirty="0" smtClean="0"/>
-              <a:t>:</a:t>
-            </a:r>
-            <a:r>
-              <a:rPr lang="zh-CN" altLang="en-US" dirty="0" smtClean="0"/>
-              <a:t>结尾，</a:t>
-            </a:r>
-            <a:endParaRPr lang="en-US" altLang="zh-CN" dirty="0" smtClean="0"/>
-          </a:p>
-          <a:p>
-            <a:r>
-              <a:rPr lang="en-US" altLang="zh-CN" dirty="0"/>
-              <a:t>i</a:t>
-            </a:r>
-            <a:r>
-              <a:rPr lang="en-US" altLang="zh-CN" dirty="0" smtClean="0"/>
-              <a:t>f condition1 or condition2 and condition03:  </a:t>
-            </a:r>
-          </a:p>
-          <a:p>
-            <a:r>
-              <a:rPr lang="en-US" altLang="zh-CN" dirty="0"/>
-              <a:t>i</a:t>
-            </a:r>
-            <a:r>
-              <a:rPr lang="en-US" altLang="zh-CN" dirty="0" smtClean="0"/>
-              <a:t>f (</a:t>
-            </a:r>
-            <a:r>
-              <a:rPr lang="en-US" altLang="zh-CN" dirty="0"/>
-              <a:t>condition1 or condition2 and condition03</a:t>
-            </a:r>
-            <a:r>
-              <a:rPr lang="en-US" altLang="zh-CN" dirty="0" smtClean="0"/>
-              <a:t>):</a:t>
-            </a:r>
-          </a:p>
-          <a:p>
-            <a:r>
-              <a:rPr lang="zh-CN" altLang="en-US" dirty="0" smtClean="0"/>
-              <a:t>逻辑与 用</a:t>
-            </a:r>
-            <a:r>
-              <a:rPr lang="en-US" altLang="zh-CN" dirty="0" smtClean="0"/>
-              <a:t>and</a:t>
-            </a:r>
-          </a:p>
-          <a:p>
-            <a:r>
-              <a:rPr lang="zh-CN" altLang="en-US" dirty="0" smtClean="0"/>
-              <a:t>逻辑或 用</a:t>
-            </a:r>
-            <a:r>
-              <a:rPr lang="en-US" altLang="zh-CN" dirty="0" smtClean="0"/>
-              <a:t>or</a:t>
-            </a:r>
-          </a:p>
-          <a:p>
-            <a:r>
-              <a:rPr lang="en-US" altLang="zh-CN" dirty="0" err="1"/>
-              <a:t>boolean</a:t>
-            </a:r>
-            <a:r>
-              <a:rPr lang="zh-CN" altLang="en-US" dirty="0" smtClean="0"/>
-              <a:t>值分布为</a:t>
-            </a:r>
-            <a:r>
-              <a:rPr lang="en-US" altLang="zh-CN" dirty="0" smtClean="0"/>
-              <a:t>True </a:t>
-            </a:r>
-            <a:r>
-              <a:rPr lang="zh-CN" altLang="en-US" dirty="0" smtClean="0"/>
-              <a:t>和</a:t>
-            </a:r>
-            <a:r>
-              <a:rPr lang="en-US" altLang="zh-CN" dirty="0" smtClean="0"/>
-              <a:t>False</a:t>
-            </a:r>
-          </a:p>
-          <a:p>
+          <a:bodyPr/>
+          <a:lstStyle/>
+          <a:p>
+            <a:r>
+              <a:rPr lang="zh-CN" altLang="en-US" dirty="0" smtClean="0"/>
+              <a:t>从键盘里读入字符，并打印出该字符。</a:t>
+            </a:r>
             <a:endParaRPr lang="en-US" altLang="zh-CN" dirty="0" smtClean="0"/>
           </a:p>
           <a:p>
@@ -8869,7 +9317,7 @@
     </p:spTree>
     <p:extLst>
       <p:ext uri="{BB962C8B-B14F-4D97-AF65-F5344CB8AC3E}">
-        <p14:creationId xmlns:p14="http://schemas.microsoft.com/office/powerpoint/2010/main" val="3193340200"/>
+        <p14:creationId xmlns:p14="http://schemas.microsoft.com/office/powerpoint/2010/main" val="3322572617"/>
       </p:ext>
     </p:extLst>
   </p:cSld>
@@ -8919,12 +9367,12 @@
           <a:lstStyle/>
           <a:p>
             <a:r>
-              <a:rPr lang="zh-CN" altLang="en-US" dirty="0"/>
+              <a:rPr lang="zh-CN" altLang="en-US" dirty="0" smtClean="0"/>
               <a:t>小结</a:t>
             </a:r>
             <a:r>
               <a:rPr lang="en-US" altLang="zh-CN" dirty="0" smtClean="0"/>
-              <a:t>(3)</a:t>
+              <a:t>(1)</a:t>
             </a:r>
             <a:endParaRPr lang="zh-CN" altLang="en-US" dirty="0"/>
           </a:p>
@@ -8942,29 +9390,58 @@
         </p:nvSpPr>
         <p:spPr/>
         <p:txBody>
-          <a:bodyPr/>
-          <a:lstStyle/>
-          <a:p>
-            <a:r>
-              <a:rPr lang="en-US" altLang="zh-CN" dirty="0" smtClean="0"/>
-              <a:t>while </a:t>
-            </a:r>
-            <a:r>
-              <a:rPr lang="zh-CN" altLang="en-US" dirty="0" smtClean="0"/>
-              <a:t>循环</a:t>
+          <a:bodyPr>
+            <a:normAutofit/>
+          </a:bodyPr>
+          <a:lstStyle/>
+          <a:p>
+            <a:r>
+              <a:rPr lang="en-US" altLang="zh-CN" dirty="0" smtClean="0"/>
+              <a:t>Python</a:t>
+            </a:r>
+            <a:r>
+              <a:rPr lang="zh-CN" altLang="en-US" dirty="0" smtClean="0"/>
+              <a:t>脚本格式开头</a:t>
             </a:r>
             <a:endParaRPr lang="en-US" altLang="zh-CN" dirty="0" smtClean="0"/>
           </a:p>
           <a:p>
             <a:r>
               <a:rPr lang="en-US" altLang="zh-CN" dirty="0"/>
-              <a:t>while </a:t>
-            </a:r>
-            <a:r>
-              <a:rPr lang="en-US" altLang="zh-CN" dirty="0" smtClean="0"/>
-              <a:t>condition:</a:t>
-            </a:r>
-            <a:endParaRPr lang="en-US" altLang="zh-CN" dirty="0"/>
+              <a:t>#!/</a:t>
+            </a:r>
+            <a:r>
+              <a:rPr lang="en-US" altLang="zh-CN" dirty="0" err="1"/>
+              <a:t>usr</a:t>
+            </a:r>
+            <a:r>
+              <a:rPr lang="en-US" altLang="zh-CN" dirty="0"/>
+              <a:t>/bin/</a:t>
+            </a:r>
+            <a:r>
+              <a:rPr lang="en-US" altLang="zh-CN" dirty="0" err="1"/>
+              <a:t>env</a:t>
+            </a:r>
+            <a:r>
+              <a:rPr lang="en-US" altLang="zh-CN" dirty="0"/>
+              <a:t> python</a:t>
+            </a:r>
+          </a:p>
+          <a:p>
+            <a:r>
+              <a:rPr lang="en-US" altLang="zh-CN" dirty="0"/>
+              <a:t># -*- coding: UTF-8  </a:t>
+            </a:r>
+            <a:r>
+              <a:rPr lang="en-US" altLang="zh-CN" dirty="0" smtClean="0"/>
+              <a:t>-*-</a:t>
+            </a:r>
+          </a:p>
+          <a:p>
+            <a:r>
+              <a:rPr lang="en-US" altLang="zh-CN" dirty="0"/>
+              <a:t>if __name__=="__main__":</a:t>
+            </a:r>
           </a:p>
           <a:p>
             <a:pPr marL="457200" lvl="1" indent="0">
@@ -8978,74 +9455,16 @@
               <a:rPr lang="en-US" altLang="zh-CN" dirty="0" smtClean="0"/>
               <a:t>pass</a:t>
             </a:r>
-            <a:endParaRPr lang="en-US" altLang="zh-CN" dirty="0"/>
-          </a:p>
-          <a:p>
-            <a:r>
-              <a:rPr lang="zh-CN" altLang="en-US" dirty="0" smtClean="0"/>
-              <a:t>在终端显示提示信息</a:t>
-            </a:r>
-            <a:r>
-              <a:rPr lang="en-US" altLang="zh-CN" dirty="0" smtClean="0"/>
-              <a:t>(input</a:t>
-            </a:r>
-            <a:r>
-              <a:rPr lang="en-US" altLang="zh-CN" dirty="0"/>
-              <a:t>:</a:t>
-            </a:r>
-            <a:r>
-              <a:rPr lang="en-US" altLang="zh-CN" dirty="0" smtClean="0"/>
-              <a:t>)</a:t>
-            </a:r>
-            <a:r>
-              <a:rPr lang="zh-CN" altLang="en-US" dirty="0" smtClean="0"/>
-              <a:t>，并让用户从键盘</a:t>
-            </a:r>
-            <a:r>
-              <a:rPr lang="zh-CN" altLang="en-US" dirty="0"/>
-              <a:t>读入</a:t>
-            </a:r>
-            <a:r>
-              <a:rPr lang="zh-CN" altLang="en-US" dirty="0" smtClean="0"/>
-              <a:t>字符</a:t>
-            </a:r>
-            <a:endParaRPr lang="en-US" altLang="zh-CN" dirty="0" smtClean="0"/>
-          </a:p>
-          <a:p>
-            <a:r>
-              <a:rPr lang="en-US" altLang="zh-CN" dirty="0" smtClean="0"/>
-              <a:t>r=</a:t>
-            </a:r>
-            <a:r>
-              <a:rPr lang="en-US" altLang="zh-CN" dirty="0" err="1" smtClean="0"/>
-              <a:t>raw_input</a:t>
-            </a:r>
-            <a:r>
-              <a:rPr lang="en-US" altLang="zh-CN" dirty="0" smtClean="0"/>
-              <a:t>(“input:")</a:t>
-            </a:r>
-          </a:p>
-          <a:p>
-            <a:r>
-              <a:rPr lang="zh-CN" altLang="en-US" dirty="0" smtClean="0"/>
-              <a:t>把字符打印到终端</a:t>
-            </a:r>
-            <a:endParaRPr lang="en-US" altLang="zh-CN" dirty="0" smtClean="0"/>
-          </a:p>
-          <a:p>
-            <a:r>
-              <a:rPr lang="en-US" altLang="zh-CN" dirty="0"/>
-              <a:t>p</a:t>
-            </a:r>
-            <a:r>
-              <a:rPr lang="en-US" altLang="zh-CN" dirty="0" smtClean="0"/>
-              <a:t>rint r</a:t>
-            </a:r>
-          </a:p>
-          <a:p>
-            <a:endParaRPr lang="en-US" altLang="zh-CN" dirty="0"/>
-          </a:p>
-          <a:p>
+          </a:p>
+          <a:p>
+            <a:r>
+              <a:rPr lang="en-US" altLang="zh-CN" dirty="0" smtClean="0"/>
+              <a:t>#</a:t>
+            </a:r>
+            <a:r>
+              <a:rPr lang="zh-CN" altLang="en-US" dirty="0" smtClean="0"/>
+              <a:t>也用于注释说明文字</a:t>
+            </a:r>
             <a:endParaRPr lang="en-US" altLang="zh-CN" dirty="0" smtClean="0"/>
           </a:p>
           <a:p>
@@ -9058,14 +9477,37 @@
             <a:pPr marL="457200" lvl="1" indent="0">
               <a:buNone/>
             </a:pPr>
-            <a:endParaRPr lang="en-US" altLang="zh-CN" dirty="0"/>
+            <a:r>
+              <a:rPr lang="en-US" altLang="zh-CN" dirty="0" smtClean="0"/>
+              <a:t>pass</a:t>
+            </a:r>
+            <a:r>
+              <a:rPr lang="zh-CN" altLang="en-US" dirty="0" smtClean="0"/>
+              <a:t>等于</a:t>
+            </a:r>
+            <a:r>
+              <a:rPr lang="en-US" altLang="zh-CN" dirty="0" err="1" smtClean="0"/>
+              <a:t>c++</a:t>
+            </a:r>
+            <a:r>
+              <a:rPr lang="en-US" altLang="zh-CN" dirty="0" smtClean="0"/>
+              <a:t>/R</a:t>
+            </a:r>
+            <a:r>
+              <a:rPr lang="zh-CN" altLang="en-US" dirty="0" smtClean="0"/>
+              <a:t>里面的空语句即</a:t>
+            </a:r>
+            <a:r>
+              <a:rPr lang="en-US" altLang="zh-CN" dirty="0" smtClean="0"/>
+              <a:t>{;}</a:t>
+            </a:r>
           </a:p>
         </p:txBody>
       </p:sp>
     </p:spTree>
     <p:extLst>
       <p:ext uri="{BB962C8B-B14F-4D97-AF65-F5344CB8AC3E}">
-        <p14:creationId xmlns:p14="http://schemas.microsoft.com/office/powerpoint/2010/main" val="3626669438"/>
+        <p14:creationId xmlns:p14="http://schemas.microsoft.com/office/powerpoint/2010/main" val="3873016839"/>
       </p:ext>
     </p:extLst>
   </p:cSld>
@@ -9115,12 +9557,12 @@
           <a:lstStyle/>
           <a:p>
             <a:r>
-              <a:rPr lang="en-US" altLang="zh-CN" dirty="0"/>
-              <a:t>Example </a:t>
-            </a:r>
-            <a:r>
-              <a:rPr lang="en-US" altLang="zh-CN" dirty="0" smtClean="0"/>
-              <a:t>02</a:t>
+              <a:rPr lang="zh-CN" altLang="en-US" dirty="0"/>
+              <a:t>小结</a:t>
+            </a:r>
+            <a:r>
+              <a:rPr lang="en-US" altLang="zh-CN" dirty="0" smtClean="0"/>
+              <a:t>(2)</a:t>
             </a:r>
             <a:endParaRPr lang="zh-CN" altLang="en-US" dirty="0"/>
           </a:p>
@@ -9138,20 +9580,150 @@
         </p:nvSpPr>
         <p:spPr/>
         <p:txBody>
-          <a:bodyPr/>
-          <a:lstStyle/>
-          <a:p>
-            <a:r>
-              <a:rPr lang="zh-CN" altLang="en-US" dirty="0"/>
-              <a:t>从命令行里选择指定的文件，并按行方式读入该文件。</a:t>
-            </a:r>
+          <a:bodyPr>
+            <a:normAutofit fontScale="92500" lnSpcReduction="10000"/>
+          </a:bodyPr>
+          <a:lstStyle/>
+          <a:p>
+            <a:r>
+              <a:rPr lang="en-US" altLang="zh-CN" dirty="0" smtClean="0"/>
+              <a:t>Python</a:t>
+            </a:r>
+            <a:r>
+              <a:rPr lang="zh-CN" altLang="en-US" dirty="0" smtClean="0"/>
+              <a:t>用</a:t>
+            </a:r>
+            <a:r>
+              <a:rPr lang="en-US" altLang="zh-CN" dirty="0" smtClean="0"/>
+              <a:t>tab/space/</a:t>
+            </a:r>
+            <a:r>
+              <a:rPr lang="zh-CN" altLang="en-US" dirty="0" smtClean="0"/>
+              <a:t>换行符 来控制逻辑，而不像</a:t>
+            </a:r>
+            <a:r>
+              <a:rPr lang="en-US" altLang="zh-CN" dirty="0" err="1" smtClean="0"/>
+              <a:t>c++</a:t>
+            </a:r>
+            <a:r>
+              <a:rPr lang="en-US" altLang="zh-CN" dirty="0" smtClean="0"/>
+              <a:t>/R</a:t>
+            </a:r>
+            <a:r>
+              <a:rPr lang="zh-CN" altLang="en-US" dirty="0" smtClean="0"/>
+              <a:t>用</a:t>
+            </a:r>
+            <a:r>
+              <a:rPr lang="en-US" altLang="zh-CN" dirty="0" smtClean="0"/>
+              <a:t>{}</a:t>
+            </a:r>
+            <a:endParaRPr lang="en-US" altLang="zh-CN" dirty="0"/>
+          </a:p>
+          <a:p>
+            <a:r>
+              <a:rPr lang="en-US" altLang="zh-CN" dirty="0" smtClean="0"/>
+              <a:t>Python</a:t>
+            </a:r>
+            <a:r>
+              <a:rPr lang="zh-CN" altLang="en-US" smtClean="0"/>
+              <a:t>中一</a:t>
+            </a:r>
+            <a:r>
+              <a:rPr lang="zh-CN" altLang="en-US" dirty="0" smtClean="0"/>
+              <a:t>个多行的语法结构体，语法关键词必须以</a:t>
+            </a:r>
+            <a:r>
+              <a:rPr lang="en-US" altLang="zh-CN" dirty="0" smtClean="0"/>
+              <a:t>:</a:t>
+            </a:r>
+            <a:r>
+              <a:rPr lang="zh-CN" altLang="en-US" dirty="0" smtClean="0"/>
+              <a:t>结尾，</a:t>
+            </a:r>
+            <a:endParaRPr lang="en-US" altLang="zh-CN" dirty="0" smtClean="0"/>
+          </a:p>
+          <a:p>
+            <a:r>
+              <a:rPr lang="en-US" altLang="zh-CN" dirty="0"/>
+              <a:t>i</a:t>
+            </a:r>
+            <a:r>
+              <a:rPr lang="en-US" altLang="zh-CN" dirty="0" smtClean="0"/>
+              <a:t>f condition1 or condition2 and condition03:  </a:t>
+            </a:r>
+          </a:p>
+          <a:p>
+            <a:r>
+              <a:rPr lang="en-US" altLang="zh-CN" dirty="0"/>
+              <a:t>i</a:t>
+            </a:r>
+            <a:r>
+              <a:rPr lang="en-US" altLang="zh-CN" dirty="0" smtClean="0"/>
+              <a:t>f (</a:t>
+            </a:r>
+            <a:r>
+              <a:rPr lang="en-US" altLang="zh-CN" dirty="0"/>
+              <a:t>condition1 or condition2 and condition03</a:t>
+            </a:r>
+            <a:r>
+              <a:rPr lang="en-US" altLang="zh-CN" dirty="0" smtClean="0"/>
+              <a:t>):</a:t>
+            </a:r>
+          </a:p>
+          <a:p>
+            <a:r>
+              <a:rPr lang="zh-CN" altLang="en-US" dirty="0" smtClean="0"/>
+              <a:t>逻辑与 用</a:t>
+            </a:r>
+            <a:r>
+              <a:rPr lang="en-US" altLang="zh-CN" dirty="0" smtClean="0"/>
+              <a:t>and</a:t>
+            </a:r>
+          </a:p>
+          <a:p>
+            <a:r>
+              <a:rPr lang="zh-CN" altLang="en-US" dirty="0" smtClean="0"/>
+              <a:t>逻辑或 用</a:t>
+            </a:r>
+            <a:r>
+              <a:rPr lang="en-US" altLang="zh-CN" dirty="0" smtClean="0"/>
+              <a:t>or</a:t>
+            </a:r>
+          </a:p>
+          <a:p>
+            <a:r>
+              <a:rPr lang="en-US" altLang="zh-CN" dirty="0" err="1"/>
+              <a:t>boolean</a:t>
+            </a:r>
+            <a:r>
+              <a:rPr lang="zh-CN" altLang="en-US" dirty="0" smtClean="0"/>
+              <a:t>值分布为</a:t>
+            </a:r>
+            <a:r>
+              <a:rPr lang="en-US" altLang="zh-CN" dirty="0" smtClean="0"/>
+              <a:t>True </a:t>
+            </a:r>
+            <a:r>
+              <a:rPr lang="zh-CN" altLang="en-US" dirty="0" smtClean="0"/>
+              <a:t>和</a:t>
+            </a:r>
+            <a:r>
+              <a:rPr lang="en-US" altLang="zh-CN" dirty="0" smtClean="0"/>
+              <a:t>False</a:t>
+            </a:r>
+          </a:p>
+          <a:p>
+            <a:endParaRPr lang="en-US" altLang="zh-CN" dirty="0" smtClean="0"/>
+          </a:p>
+          <a:p>
+            <a:endParaRPr lang="zh-CN" altLang="en-US" dirty="0"/>
           </a:p>
         </p:txBody>
       </p:sp>
     </p:spTree>
     <p:extLst>
       <p:ext uri="{BB962C8B-B14F-4D97-AF65-F5344CB8AC3E}">
-        <p14:creationId xmlns:p14="http://schemas.microsoft.com/office/powerpoint/2010/main" val="711234321"/>
+        <p14:creationId xmlns:p14="http://schemas.microsoft.com/office/powerpoint/2010/main" val="3193340200"/>
       </p:ext>
     </p:extLst>
   </p:cSld>
@@ -9201,12 +9773,12 @@
           <a:lstStyle/>
           <a:p>
             <a:r>
-              <a:rPr lang="zh-CN" altLang="en-US" dirty="0" smtClean="0"/>
+              <a:rPr lang="zh-CN" altLang="en-US" dirty="0"/>
               <a:t>小结</a:t>
             </a:r>
             <a:r>
               <a:rPr lang="en-US" altLang="zh-CN" dirty="0" smtClean="0"/>
-              <a:t>(1)</a:t>
+              <a:t>(3)</a:t>
             </a:r>
             <a:endParaRPr lang="zh-CN" altLang="en-US" dirty="0"/>
           </a:p>
@@ -9224,34 +9796,29 @@
         </p:nvSpPr>
         <p:spPr/>
         <p:txBody>
-          <a:bodyPr>
-            <a:normAutofit/>
-          </a:bodyPr>
-          <a:lstStyle/>
-          <a:p>
-            <a:r>
-              <a:rPr lang="zh-CN" altLang="en-US" dirty="0" smtClean="0"/>
-              <a:t>定义函数的方法</a:t>
+          <a:bodyPr/>
+          <a:lstStyle/>
+          <a:p>
+            <a:r>
+              <a:rPr lang="en-US" altLang="zh-CN" dirty="0" smtClean="0"/>
+              <a:t>while </a:t>
+            </a:r>
+            <a:r>
+              <a:rPr lang="zh-CN" altLang="en-US" dirty="0" smtClean="0"/>
+              <a:t>循环</a:t>
             </a:r>
             <a:endParaRPr lang="en-US" altLang="zh-CN" dirty="0" smtClean="0"/>
           </a:p>
           <a:p>
             <a:r>
-              <a:rPr lang="en-US" altLang="zh-CN" dirty="0" err="1" smtClean="0"/>
-              <a:t>def</a:t>
-            </a:r>
-            <a:r>
-              <a:rPr lang="en-US" altLang="zh-CN" dirty="0" smtClean="0"/>
-              <a:t> </a:t>
-            </a:r>
-            <a:r>
-              <a:rPr lang="en-US" altLang="zh-CN" dirty="0" err="1" smtClean="0"/>
-              <a:t>func_name</a:t>
-            </a:r>
-            <a:r>
-              <a:rPr lang="en-US" altLang="zh-CN" dirty="0" smtClean="0"/>
-              <a:t>(arg1,arg2):</a:t>
-            </a:r>
+              <a:rPr lang="en-US" altLang="zh-CN" dirty="0"/>
+              <a:t>while </a:t>
+            </a:r>
+            <a:r>
+              <a:rPr lang="en-US" altLang="zh-CN" dirty="0" smtClean="0"/>
+              <a:t>condition:</a:t>
+            </a:r>
+            <a:endParaRPr lang="en-US" altLang="zh-CN" dirty="0"/>
           </a:p>
           <a:p>
             <a:pPr marL="457200" lvl="1" indent="0">
@@ -9263,103 +9830,77 @@
             </a:r>
             <a:r>
               <a:rPr lang="en-US" altLang="zh-CN" dirty="0" smtClean="0"/>
-              <a:t>pass </a:t>
-            </a:r>
-          </a:p>
-          <a:p>
+              <a:t>pass</a:t>
+            </a:r>
+            <a:endParaRPr lang="en-US" altLang="zh-CN" dirty="0"/>
+          </a:p>
+          <a:p>
+            <a:r>
+              <a:rPr lang="zh-CN" altLang="en-US" dirty="0" smtClean="0"/>
+              <a:t>在终端显示提示信息</a:t>
+            </a:r>
+            <a:r>
+              <a:rPr lang="en-US" altLang="zh-CN" dirty="0" smtClean="0"/>
+              <a:t>(input</a:t>
+            </a:r>
+            <a:r>
+              <a:rPr lang="en-US" altLang="zh-CN" dirty="0"/>
+              <a:t>:</a:t>
+            </a:r>
+            <a:r>
+              <a:rPr lang="en-US" altLang="zh-CN" dirty="0" smtClean="0"/>
+              <a:t>)</a:t>
+            </a:r>
+            <a:r>
+              <a:rPr lang="zh-CN" altLang="en-US" dirty="0" smtClean="0"/>
+              <a:t>，并让用户从键盘</a:t>
+            </a:r>
             <a:r>
               <a:rPr lang="zh-CN" altLang="en-US" dirty="0"/>
-              <a:t>获取命令行传递的</a:t>
-            </a:r>
-            <a:r>
-              <a:rPr lang="zh-CN" altLang="en-US" dirty="0" smtClean="0"/>
-              <a:t>参数</a:t>
+              <a:t>读入</a:t>
+            </a:r>
+            <a:r>
+              <a:rPr lang="zh-CN" altLang="en-US" dirty="0" smtClean="0"/>
+              <a:t>字符</a:t>
             </a:r>
             <a:endParaRPr lang="en-US" altLang="zh-CN" dirty="0" smtClean="0"/>
           </a:p>
           <a:p>
             <a:r>
+              <a:rPr lang="en-US" altLang="zh-CN" dirty="0" smtClean="0"/>
+              <a:t>r=</a:t>
+            </a:r>
+            <a:r>
               <a:rPr lang="en-US" altLang="zh-CN" dirty="0" err="1" smtClean="0"/>
-              <a:t>scriptName</a:t>
-            </a:r>
-            <a:r>
-              <a:rPr lang="en-US" altLang="zh-CN" dirty="0" smtClean="0"/>
-              <a:t> arg1 arg2 arg3</a:t>
-            </a:r>
+              <a:t>raw_input</a:t>
+            </a:r>
+            <a:r>
+              <a:rPr lang="en-US" altLang="zh-CN" dirty="0" smtClean="0"/>
+              <a:t>(“input:")</a:t>
+            </a:r>
+          </a:p>
+          <a:p>
+            <a:r>
+              <a:rPr lang="zh-CN" altLang="en-US" dirty="0" smtClean="0"/>
+              <a:t>把字符打印到终端</a:t>
+            </a:r>
+            <a:endParaRPr lang="en-US" altLang="zh-CN" dirty="0" smtClean="0"/>
+          </a:p>
+          <a:p>
+            <a:r>
+              <a:rPr lang="en-US" altLang="zh-CN" dirty="0"/>
+              <a:t>p</a:t>
+            </a:r>
+            <a:r>
+              <a:rPr lang="en-US" altLang="zh-CN" dirty="0" smtClean="0"/>
+              <a:t>rint r</a:t>
+            </a:r>
+          </a:p>
+          <a:p>
             <a:endParaRPr lang="en-US" altLang="zh-CN" dirty="0"/>
           </a:p>
           <a:p>
-            <a:pPr marL="457200" lvl="1" indent="0">
-              <a:buNone/>
-            </a:pPr>
-            <a:r>
-              <a:rPr lang="en-US" altLang="zh-CN" dirty="0" err="1" smtClean="0"/>
-              <a:t>sys.argv</a:t>
-            </a:r>
-            <a:r>
-              <a:rPr lang="en-US" altLang="zh-CN" dirty="0" smtClean="0"/>
-              <a:t>[0]#</a:t>
-            </a:r>
-            <a:r>
-              <a:rPr lang="en-US" altLang="zh-CN" dirty="0"/>
-              <a:t> </a:t>
-            </a:r>
-            <a:r>
-              <a:rPr lang="en-US" altLang="zh-CN" dirty="0" err="1"/>
-              <a:t>script</a:t>
-            </a:r>
-            <a:r>
-              <a:rPr lang="en-US" altLang="zh-CN" dirty="0" err="1" smtClean="0"/>
-              <a:t>Name</a:t>
-            </a:r>
-            <a:endParaRPr lang="en-US" altLang="zh-CN" dirty="0"/>
-          </a:p>
-          <a:p>
-            <a:pPr marL="457200" lvl="1" indent="0">
-              <a:buNone/>
-            </a:pPr>
-            <a:r>
-              <a:rPr lang="en-US" altLang="zh-CN" dirty="0" err="1"/>
-              <a:t>sys.argv</a:t>
-            </a:r>
-            <a:r>
-              <a:rPr lang="en-US" altLang="zh-CN" dirty="0"/>
-              <a:t>[1</a:t>
-            </a:r>
-            <a:r>
-              <a:rPr lang="en-US" altLang="zh-CN" dirty="0" smtClean="0"/>
-              <a:t>]#arg1</a:t>
-            </a:r>
-          </a:p>
-          <a:p>
-            <a:pPr marL="457200" lvl="1" indent="0">
-              <a:buNone/>
-            </a:pPr>
-            <a:r>
-              <a:rPr lang="en-US" altLang="zh-CN" dirty="0" err="1" smtClean="0"/>
-              <a:t>sys.argv</a:t>
-            </a:r>
-            <a:r>
-              <a:rPr lang="zh-CN" altLang="en-US" dirty="0" smtClean="0"/>
-              <a:t>为数组，</a:t>
-            </a:r>
-            <a:r>
-              <a:rPr lang="en-US" altLang="zh-CN" dirty="0" smtClean="0"/>
-              <a:t>index</a:t>
-            </a:r>
-            <a:r>
-              <a:rPr lang="zh-CN" altLang="en-US" dirty="0" smtClean="0"/>
-              <a:t>从</a:t>
-            </a:r>
-            <a:r>
-              <a:rPr lang="en-US" altLang="zh-CN" dirty="0" smtClean="0"/>
-              <a:t>0</a:t>
-            </a:r>
-            <a:r>
-              <a:rPr lang="zh-CN" altLang="en-US" dirty="0" smtClean="0"/>
-              <a:t>开始</a:t>
-            </a:r>
-            <a:endParaRPr lang="en-US" altLang="zh-CN" dirty="0"/>
+            <a:endParaRPr lang="en-US" altLang="zh-CN" dirty="0" smtClean="0"/>
           </a:p>
           <a:p>
             <a:pPr marL="457200" lvl="1" indent="0">
@@ -9367,12 +9908,18 @@
             </a:pPr>
             <a:endParaRPr lang="en-US" altLang="zh-CN" dirty="0" smtClean="0"/>
           </a:p>
+          <a:p>
+            <a:pPr marL="457200" lvl="1" indent="0">
+              <a:buNone/>
+            </a:pPr>
+            <a:endParaRPr lang="en-US" altLang="zh-CN" dirty="0"/>
+          </a:p>
         </p:txBody>
       </p:sp>
     </p:spTree>
     <p:extLst>
       <p:ext uri="{BB962C8B-B14F-4D97-AF65-F5344CB8AC3E}">
-        <p14:creationId xmlns:p14="http://schemas.microsoft.com/office/powerpoint/2010/main" val="2091190565"/>
+        <p14:creationId xmlns:p14="http://schemas.microsoft.com/office/powerpoint/2010/main" val="3626669438"/>
       </p:ext>
     </p:extLst>
   </p:cSld>
@@ -9422,182 +9969,43 @@
           <a:lstStyle/>
           <a:p>
             <a:r>
+              <a:rPr lang="en-US" altLang="zh-CN" dirty="0"/>
+              <a:t>Example </a:t>
+            </a:r>
+            <a:r>
+              <a:rPr lang="en-US" altLang="zh-CN" dirty="0" smtClean="0"/>
+              <a:t>02</a:t>
+            </a:r>
+            <a:endParaRPr lang="zh-CN" altLang="en-US" dirty="0"/>
+          </a:p>
+        </p:txBody>
+      </p:sp>
+      <p:sp>
+        <p:nvSpPr>
+          <p:cNvPr id="3" name="内容占位符 2"/>
+          <p:cNvSpPr>
+            <a:spLocks noGrp="1"/>
+          </p:cNvSpPr>
+          <p:nvPr>
+            <p:ph idx="1"/>
+          </p:nvPr>
+        </p:nvSpPr>
+        <p:spPr/>
+        <p:txBody>
+          <a:bodyPr/>
+          <a:lstStyle/>
+          <a:p>
+            <a:r>
               <a:rPr lang="zh-CN" altLang="en-US" dirty="0"/>
-              <a:t>小结</a:t>
-            </a:r>
-            <a:r>
-              <a:rPr lang="en-US" altLang="zh-CN" dirty="0" smtClean="0"/>
-              <a:t>(2)</a:t>
-            </a:r>
-            <a:endParaRPr lang="zh-CN" altLang="en-US" dirty="0"/>
-          </a:p>
-        </p:txBody>
-      </p:sp>
-      <p:sp>
-        <p:nvSpPr>
-          <p:cNvPr id="3" name="内容占位符 2"/>
-          <p:cNvSpPr>
-            <a:spLocks noGrp="1"/>
-          </p:cNvSpPr>
-          <p:nvPr>
-            <p:ph idx="1"/>
-          </p:nvPr>
-        </p:nvSpPr>
-        <p:spPr/>
-        <p:txBody>
-          <a:bodyPr>
-            <a:normAutofit fontScale="92500" lnSpcReduction="10000"/>
-          </a:bodyPr>
-          <a:lstStyle/>
-          <a:p>
-            <a:r>
-              <a:rPr lang="zh-CN" altLang="en-US" dirty="0"/>
-              <a:t>以</a:t>
-            </a:r>
-            <a:r>
-              <a:rPr lang="zh-CN" altLang="en-US" dirty="0" smtClean="0"/>
-              <a:t>字节流的方式，按行读入给定文件</a:t>
-            </a:r>
-            <a:r>
-              <a:rPr lang="en-US" altLang="zh-CN" dirty="0" smtClean="0"/>
-              <a:t>(</a:t>
-            </a:r>
-            <a:r>
-              <a:rPr lang="en-US" altLang="zh-CN" dirty="0" err="1" smtClean="0"/>
-              <a:t>inf</a:t>
-            </a:r>
-            <a:r>
-              <a:rPr lang="en-US" altLang="zh-CN" dirty="0" smtClean="0"/>
-              <a:t>)</a:t>
-            </a:r>
-          </a:p>
-          <a:p>
-            <a:r>
-              <a:rPr lang="en-US" altLang="zh-CN" dirty="0" smtClean="0"/>
-              <a:t>for </a:t>
-            </a:r>
-            <a:r>
-              <a:rPr lang="en-US" altLang="zh-CN" dirty="0"/>
-              <a:t>line in open(</a:t>
-            </a:r>
-            <a:r>
-              <a:rPr lang="en-US" altLang="zh-CN" dirty="0" err="1"/>
-              <a:t>inf</a:t>
-            </a:r>
-            <a:r>
-              <a:rPr lang="en-US" altLang="zh-CN" dirty="0" smtClean="0"/>
-              <a:t>):</a:t>
-            </a:r>
-          </a:p>
-          <a:p>
-            <a:pPr marL="457200" lvl="1" indent="0">
-              <a:buNone/>
-            </a:pPr>
-            <a:r>
-              <a:rPr lang="en-US" altLang="zh-CN" dirty="0"/>
-              <a:t>	</a:t>
-            </a:r>
-            <a:r>
-              <a:rPr lang="en-US" altLang="zh-CN" dirty="0" smtClean="0"/>
-              <a:t>pass</a:t>
-            </a:r>
-            <a:endParaRPr lang="en-US" altLang="zh-CN" dirty="0"/>
-          </a:p>
-          <a:p>
-            <a:r>
-              <a:rPr lang="en-US" altLang="zh-CN" dirty="0"/>
-              <a:t>for </a:t>
-            </a:r>
-            <a:r>
-              <a:rPr lang="zh-CN" altLang="en-US" dirty="0"/>
-              <a:t>循环</a:t>
-            </a:r>
-            <a:r>
-              <a:rPr lang="en-US" altLang="zh-CN" dirty="0"/>
-              <a:t> </a:t>
-            </a:r>
-            <a:endParaRPr lang="en-US" altLang="zh-CN" dirty="0" smtClean="0"/>
-          </a:p>
-          <a:p>
-            <a:r>
-              <a:rPr lang="en-US" altLang="zh-CN" dirty="0"/>
-              <a:t>for arg1 in range:	</a:t>
-            </a:r>
-          </a:p>
-          <a:p>
-            <a:pPr marL="457200" lvl="1" indent="0">
-              <a:buNone/>
-            </a:pPr>
-            <a:r>
-              <a:rPr lang="en-US" altLang="zh-CN" dirty="0"/>
-              <a:t>	</a:t>
-            </a:r>
-            <a:r>
-              <a:rPr lang="en-US" altLang="zh-CN" dirty="0" smtClean="0"/>
-              <a:t>pass</a:t>
-            </a:r>
-          </a:p>
-          <a:p>
-            <a:r>
-              <a:rPr lang="en-US" altLang="zh-CN" dirty="0" err="1" smtClean="0"/>
-              <a:t>eg</a:t>
-            </a:r>
-            <a:r>
-              <a:rPr lang="en-US" altLang="zh-CN" dirty="0" smtClean="0"/>
-              <a:t>: </a:t>
-            </a:r>
-          </a:p>
-          <a:p>
-            <a:r>
-              <a:rPr lang="en-US" altLang="zh-CN" dirty="0" smtClean="0"/>
-              <a:t>for </a:t>
-            </a:r>
-            <a:r>
-              <a:rPr lang="en-US" altLang="zh-CN" dirty="0"/>
-              <a:t>id in range(0,12</a:t>
-            </a:r>
-            <a:r>
-              <a:rPr lang="en-US" altLang="zh-CN" dirty="0" smtClean="0"/>
-              <a:t>): #</a:t>
-            </a:r>
-            <a:r>
-              <a:rPr lang="zh-CN" altLang="en-US" dirty="0" smtClean="0"/>
-              <a:t>打印从</a:t>
-            </a:r>
-            <a:r>
-              <a:rPr lang="en-US" altLang="zh-CN" dirty="0"/>
-              <a:t>[0,12)</a:t>
-            </a:r>
-            <a:r>
-              <a:rPr lang="zh-CN" altLang="en-US" dirty="0"/>
-              <a:t>的整数</a:t>
-            </a:r>
-            <a:r>
-              <a:rPr lang="en-US" altLang="zh-CN" dirty="0"/>
-              <a:t> </a:t>
-            </a:r>
-          </a:p>
-          <a:p>
-            <a:pPr marL="457200" lvl="1" indent="0">
-              <a:buNone/>
-            </a:pPr>
-            <a:r>
-              <a:rPr lang="en-US" altLang="zh-CN" dirty="0" smtClean="0"/>
-              <a:t>	print id</a:t>
-            </a:r>
-          </a:p>
-          <a:p>
-            <a:pPr marL="457200" lvl="1" indent="0">
-              <a:buNone/>
-            </a:pPr>
-            <a:endParaRPr lang="en-US" altLang="zh-CN" dirty="0"/>
+              <a:t>从命令行里选择指定的文件，并按行方式读入该文件。</a:t>
+            </a:r>
           </a:p>
         </p:txBody>
       </p:sp>
     </p:spTree>
     <p:extLst>
       <p:ext uri="{BB962C8B-B14F-4D97-AF65-F5344CB8AC3E}">
-        <p14:creationId xmlns:p14="http://schemas.microsoft.com/office/powerpoint/2010/main" val="1138098926"/>
+        <p14:creationId xmlns:p14="http://schemas.microsoft.com/office/powerpoint/2010/main" val="711234321"/>
       </p:ext>
     </p:extLst>
   </p:cSld>
@@ -9647,12 +10055,12 @@
           <a:lstStyle/>
           <a:p>
             <a:r>
-              <a:rPr lang="en-US" altLang="zh-CN" dirty="0"/>
-              <a:t>Example </a:t>
-            </a:r>
-            <a:r>
-              <a:rPr lang="en-US" altLang="zh-CN" dirty="0" smtClean="0"/>
-              <a:t>03</a:t>
+              <a:rPr lang="zh-CN" altLang="en-US" dirty="0" smtClean="0"/>
+              <a:t>小结</a:t>
+            </a:r>
+            <a:r>
+              <a:rPr lang="en-US" altLang="zh-CN" dirty="0" smtClean="0"/>
+              <a:t>(1)</a:t>
             </a:r>
             <a:endParaRPr lang="zh-CN" altLang="en-US" dirty="0"/>
           </a:p>
@@ -9670,36 +10078,155 @@
         </p:nvSpPr>
         <p:spPr/>
         <p:txBody>
-          <a:bodyPr/>
-          <a:lstStyle/>
+          <a:bodyPr>
+            <a:normAutofit/>
+          </a:bodyPr>
+          <a:lstStyle/>
+          <a:p>
+            <a:r>
+              <a:rPr lang="zh-CN" altLang="en-US" dirty="0" smtClean="0"/>
+              <a:t>定义函数的方法</a:t>
+            </a:r>
+            <a:endParaRPr lang="en-US" altLang="zh-CN" dirty="0" smtClean="0"/>
+          </a:p>
+          <a:p>
+            <a:r>
+              <a:rPr lang="en-US" altLang="zh-CN" dirty="0" err="1" smtClean="0"/>
+              <a:t>def</a:t>
+            </a:r>
+            <a:r>
+              <a:rPr lang="en-US" altLang="zh-CN" dirty="0" smtClean="0"/>
+              <a:t> </a:t>
+            </a:r>
+            <a:r>
+              <a:rPr lang="en-US" altLang="zh-CN" dirty="0" err="1" smtClean="0"/>
+              <a:t>func_name</a:t>
+            </a:r>
+            <a:r>
+              <a:rPr lang="en-US" altLang="zh-CN" dirty="0" smtClean="0"/>
+              <a:t>(arg1,arg2):</a:t>
+            </a:r>
+          </a:p>
+          <a:p>
+            <a:pPr marL="457200" lvl="1" indent="0">
+              <a:buNone/>
+            </a:pPr>
+            <a:r>
+              <a:rPr lang="en-US" altLang="zh-CN" dirty="0"/>
+              <a:t>	</a:t>
+            </a:r>
+            <a:r>
+              <a:rPr lang="en-US" altLang="zh-CN" dirty="0" smtClean="0"/>
+              <a:t>pass </a:t>
+            </a:r>
+          </a:p>
           <a:p>
             <a:r>
               <a:rPr lang="zh-CN" altLang="en-US" dirty="0"/>
-              <a:t>统计一个文件非空行的字符</a:t>
-            </a:r>
-            <a:r>
-              <a:rPr lang="en-US" altLang="zh-CN" dirty="0"/>
-              <a:t>(</a:t>
-            </a:r>
-            <a:r>
-              <a:rPr lang="zh-CN" altLang="en-US" dirty="0"/>
-              <a:t>包括中文</a:t>
-            </a:r>
-            <a:r>
-              <a:rPr lang="en-US" altLang="zh-CN" dirty="0"/>
-              <a:t>)</a:t>
-            </a:r>
-            <a:r>
-              <a:rPr lang="zh-CN" altLang="en-US" dirty="0"/>
-              <a:t>数。</a:t>
-            </a:r>
+              <a:t>获取命令行传递的</a:t>
+            </a:r>
+            <a:r>
+              <a:rPr lang="zh-CN" altLang="en-US" dirty="0" smtClean="0"/>
+              <a:t>参数</a:t>
+            </a:r>
+            <a:endParaRPr lang="en-US" altLang="zh-CN" dirty="0" smtClean="0"/>
+          </a:p>
+          <a:p>
+            <a:r>
+              <a:rPr lang="en-US" altLang="zh-CN" dirty="0" err="1" smtClean="0"/>
+              <a:t>scriptName</a:t>
+            </a:r>
+            <a:r>
+              <a:rPr lang="en-US" altLang="zh-CN" dirty="0" smtClean="0"/>
+              <a:t> arg1 arg2 arg3</a:t>
+            </a:r>
+            <a:endParaRPr lang="en-US" altLang="zh-CN" dirty="0"/>
+          </a:p>
+          <a:p>
+            <a:pPr marL="457200" lvl="1" indent="0">
+              <a:buNone/>
+            </a:pPr>
+            <a:r>
+              <a:rPr lang="en-US" altLang="zh-CN" dirty="0" err="1" smtClean="0"/>
+              <a:t>sys.argv</a:t>
+            </a:r>
+            <a:r>
+              <a:rPr lang="en-US" altLang="zh-CN" dirty="0" smtClean="0"/>
+              <a:t>[0]#</a:t>
+            </a:r>
+            <a:r>
+              <a:rPr lang="en-US" altLang="zh-CN" dirty="0"/>
+              <a:t> </a:t>
+            </a:r>
+            <a:r>
+              <a:rPr lang="en-US" altLang="zh-CN" dirty="0" err="1"/>
+              <a:t>script</a:t>
+            </a:r>
+            <a:r>
+              <a:rPr lang="en-US" altLang="zh-CN" dirty="0" err="1" smtClean="0"/>
+              <a:t>Name</a:t>
+            </a:r>
+            <a:endParaRPr lang="en-US" altLang="zh-CN" dirty="0"/>
+          </a:p>
+          <a:p>
+            <a:pPr marL="457200" lvl="1" indent="0">
+              <a:buNone/>
+            </a:pPr>
+            <a:r>
+              <a:rPr lang="en-US" altLang="zh-CN" dirty="0" err="1"/>
+              <a:t>sys.argv</a:t>
+            </a:r>
+            <a:r>
+              <a:rPr lang="en-US" altLang="zh-CN" dirty="0"/>
+              <a:t>[1</a:t>
+            </a:r>
+            <a:r>
+              <a:rPr lang="en-US" altLang="zh-CN" dirty="0" smtClean="0"/>
+              <a:t>]#arg1</a:t>
+            </a:r>
+          </a:p>
+          <a:p>
+            <a:pPr marL="457200" lvl="1" indent="0">
+              <a:buNone/>
+            </a:pPr>
+            <a:r>
+              <a:rPr lang="en-US" altLang="zh-CN" dirty="0" err="1" smtClean="0"/>
+              <a:t>sys.argv</a:t>
+            </a:r>
+            <a:r>
+              <a:rPr lang="zh-CN" altLang="en-US" dirty="0" smtClean="0"/>
+              <a:t>为数组，</a:t>
+            </a:r>
+            <a:r>
+              <a:rPr lang="en-US" altLang="zh-CN" dirty="0" smtClean="0"/>
+              <a:t>index</a:t>
+            </a:r>
+            <a:r>
+              <a:rPr lang="zh-CN" altLang="en-US" dirty="0" smtClean="0"/>
+              <a:t>从</a:t>
+            </a:r>
+            <a:r>
+              <a:rPr lang="en-US" altLang="zh-CN" dirty="0" smtClean="0"/>
+              <a:t>0</a:t>
+            </a:r>
+            <a:r>
+              <a:rPr lang="zh-CN" altLang="en-US" dirty="0" smtClean="0"/>
+              <a:t>开始</a:t>
+            </a:r>
+            <a:endParaRPr lang="en-US" altLang="zh-CN" dirty="0"/>
+          </a:p>
+          <a:p>
+            <a:pPr marL="457200" lvl="1" indent="0">
+              <a:buNone/>
+            </a:pPr>
+            <a:endParaRPr lang="en-US" altLang="zh-CN" dirty="0" smtClean="0"/>
           </a:p>
         </p:txBody>
       </p:sp>
     </p:spTree>
     <p:extLst>
       <p:ext uri="{BB962C8B-B14F-4D97-AF65-F5344CB8AC3E}">
-        <p14:creationId xmlns:p14="http://schemas.microsoft.com/office/powerpoint/2010/main" val="1972975326"/>
+        <p14:creationId xmlns:p14="http://schemas.microsoft.com/office/powerpoint/2010/main" val="2091190565"/>
       </p:ext>
     </p:extLst>
   </p:cSld>
